--- a/materials/slides/ch12-basic-shell-script-variables.pptx
+++ b/materials/slides/ch12-basic-shell-script-variables.pptx
@@ -11,10 +11,13 @@
     <p:sldId id="261" r:id="rId5"/>
     <p:sldId id="265" r:id="rId6"/>
     <p:sldId id="269" r:id="rId7"/>
-    <p:sldId id="268" r:id="rId8"/>
-    <p:sldId id="266" r:id="rId9"/>
-    <p:sldId id="270" r:id="rId10"/>
-    <p:sldId id="271" r:id="rId11"/>
+    <p:sldId id="273" r:id="rId8"/>
+    <p:sldId id="268" r:id="rId9"/>
+    <p:sldId id="266" r:id="rId10"/>
+    <p:sldId id="270" r:id="rId11"/>
+    <p:sldId id="271" r:id="rId12"/>
+    <p:sldId id="275" r:id="rId13"/>
+    <p:sldId id="274" r:id="rId14"/>
   </p:sldIdLst>
   <p:sldSz cx="12192000" cy="6858000"/>
   <p:notesSz cx="6858000" cy="9144000"/>
@@ -276,7 +279,7 @@
           <a:p>
             <a:fld id="{02E60DA2-A0BC-48C9-AA88-75C78721B420}" type="datetimeFigureOut">
               <a:rPr lang="zh-CN" altLang="en-US" smtClean="0"/>
-              <a:t>2018/2/27</a:t>
+              <a:t>2018/3/1</a:t>
             </a:fld>
             <a:endParaRPr lang="zh-CN" altLang="en-US"/>
           </a:p>
@@ -498,7 +501,7 @@
           <a:p>
             <a:fld id="{02E60DA2-A0BC-48C9-AA88-75C78721B420}" type="datetimeFigureOut">
               <a:rPr lang="zh-CN" altLang="en-US" smtClean="0"/>
-              <a:t>2018/2/27</a:t>
+              <a:t>2018/3/1</a:t>
             </a:fld>
             <a:endParaRPr lang="zh-CN" altLang="en-US"/>
           </a:p>
@@ -730,7 +733,7 @@
           <a:p>
             <a:fld id="{02E60DA2-A0BC-48C9-AA88-75C78721B420}" type="datetimeFigureOut">
               <a:rPr lang="zh-CN" altLang="en-US" smtClean="0"/>
-              <a:t>2018/2/27</a:t>
+              <a:t>2018/3/1</a:t>
             </a:fld>
             <a:endParaRPr lang="zh-CN" altLang="en-US"/>
           </a:p>
@@ -980,7 +983,7 @@
           <a:p>
             <a:fld id="{02E60DA2-A0BC-48C9-AA88-75C78721B420}" type="datetimeFigureOut">
               <a:rPr lang="zh-CN" altLang="en-US" smtClean="0"/>
-              <a:t>2018/2/27</a:t>
+              <a:t>2018/3/1</a:t>
             </a:fld>
             <a:endParaRPr lang="zh-CN" altLang="en-US"/>
           </a:p>
@@ -1218,7 +1221,7 @@
           <a:p>
             <a:fld id="{02E60DA2-A0BC-48C9-AA88-75C78721B420}" type="datetimeFigureOut">
               <a:rPr lang="zh-CN" altLang="en-US" smtClean="0"/>
-              <a:t>2018/2/27</a:t>
+              <a:t>2018/3/1</a:t>
             </a:fld>
             <a:endParaRPr lang="zh-CN" altLang="en-US"/>
           </a:p>
@@ -1523,7 +1526,7 @@
           <a:p>
             <a:fld id="{02E60DA2-A0BC-48C9-AA88-75C78721B420}" type="datetimeFigureOut">
               <a:rPr lang="zh-CN" altLang="en-US" smtClean="0"/>
-              <a:t>2018/2/27</a:t>
+              <a:t>2018/3/1</a:t>
             </a:fld>
             <a:endParaRPr lang="zh-CN" altLang="en-US"/>
           </a:p>
@@ -1826,7 +1829,7 @@
           <a:p>
             <a:fld id="{02E60DA2-A0BC-48C9-AA88-75C78721B420}" type="datetimeFigureOut">
               <a:rPr lang="zh-CN" altLang="en-US" smtClean="0"/>
-              <a:t>2018/2/27</a:t>
+              <a:t>2018/3/1</a:t>
             </a:fld>
             <a:endParaRPr lang="zh-CN" altLang="en-US"/>
           </a:p>
@@ -2277,7 +2280,7 @@
           <a:p>
             <a:fld id="{02E60DA2-A0BC-48C9-AA88-75C78721B420}" type="datetimeFigureOut">
               <a:rPr lang="zh-CN" altLang="en-US" smtClean="0"/>
-              <a:t>2018/2/27</a:t>
+              <a:t>2018/3/1</a:t>
             </a:fld>
             <a:endParaRPr lang="zh-CN" altLang="en-US"/>
           </a:p>
@@ -2450,7 +2453,7 @@
           <a:p>
             <a:fld id="{02E60DA2-A0BC-48C9-AA88-75C78721B420}" type="datetimeFigureOut">
               <a:rPr lang="zh-CN" altLang="en-US" smtClean="0"/>
-              <a:t>2018/2/27</a:t>
+              <a:t>2018/3/1</a:t>
             </a:fld>
             <a:endParaRPr lang="zh-CN" altLang="en-US"/>
           </a:p>
@@ -2587,7 +2590,7 @@
           <a:p>
             <a:fld id="{02E60DA2-A0BC-48C9-AA88-75C78721B420}" type="datetimeFigureOut">
               <a:rPr lang="zh-CN" altLang="en-US" smtClean="0"/>
-              <a:t>2018/2/27</a:t>
+              <a:t>2018/3/1</a:t>
             </a:fld>
             <a:endParaRPr lang="zh-CN" altLang="en-US"/>
           </a:p>
@@ -2931,7 +2934,7 @@
           <a:p>
             <a:fld id="{02E60DA2-A0BC-48C9-AA88-75C78721B420}" type="datetimeFigureOut">
               <a:rPr lang="zh-CN" altLang="en-US" smtClean="0"/>
-              <a:t>2018/2/27</a:t>
+              <a:t>2018/3/1</a:t>
             </a:fld>
             <a:endParaRPr lang="zh-CN" altLang="en-US"/>
           </a:p>
@@ -3153,7 +3156,7 @@
           <a:p>
             <a:fld id="{02E60DA2-A0BC-48C9-AA88-75C78721B420}" type="datetimeFigureOut">
               <a:rPr lang="zh-CN" altLang="en-US" smtClean="0"/>
-              <a:t>2018/2/27</a:t>
+              <a:t>2018/3/1</a:t>
             </a:fld>
             <a:endParaRPr lang="zh-CN" altLang="en-US"/>
           </a:p>
@@ -3474,7 +3477,7 @@
           <a:p>
             <a:fld id="{02E60DA2-A0BC-48C9-AA88-75C78721B420}" type="datetimeFigureOut">
               <a:rPr lang="zh-CN" altLang="en-US" smtClean="0"/>
-              <a:t>2018/2/27</a:t>
+              <a:t>2018/3/1</a:t>
             </a:fld>
             <a:endParaRPr lang="zh-CN" altLang="en-US"/>
           </a:p>
@@ -3712,7 +3715,7 @@
           <a:p>
             <a:fld id="{02E60DA2-A0BC-48C9-AA88-75C78721B420}" type="datetimeFigureOut">
               <a:rPr lang="zh-CN" altLang="en-US" smtClean="0"/>
-              <a:t>2018/2/27</a:t>
+              <a:t>2018/3/1</a:t>
             </a:fld>
             <a:endParaRPr lang="zh-CN" altLang="en-US"/>
           </a:p>
@@ -3950,7 +3953,7 @@
           <a:p>
             <a:fld id="{02E60DA2-A0BC-48C9-AA88-75C78721B420}" type="datetimeFigureOut">
               <a:rPr lang="zh-CN" altLang="en-US" smtClean="0"/>
-              <a:t>2018/2/27</a:t>
+              <a:t>2018/3/1</a:t>
             </a:fld>
             <a:endParaRPr lang="zh-CN" altLang="en-US"/>
           </a:p>
@@ -4249,7 +4252,7 @@
           <a:p>
             <a:fld id="{02E60DA2-A0BC-48C9-AA88-75C78721B420}" type="datetimeFigureOut">
               <a:rPr lang="zh-CN" altLang="en-US" smtClean="0"/>
-              <a:t>2018/2/27</a:t>
+              <a:t>2018/3/1</a:t>
             </a:fld>
             <a:endParaRPr lang="zh-CN" altLang="en-US"/>
           </a:p>
@@ -4538,7 +4541,7 @@
           <a:p>
             <a:fld id="{02E60DA2-A0BC-48C9-AA88-75C78721B420}" type="datetimeFigureOut">
               <a:rPr lang="zh-CN" altLang="en-US" smtClean="0"/>
-              <a:t>2018/2/27</a:t>
+              <a:t>2018/3/1</a:t>
             </a:fld>
             <a:endParaRPr lang="zh-CN" altLang="en-US"/>
           </a:p>
@@ -4974,7 +4977,7 @@
           <a:p>
             <a:fld id="{02E60DA2-A0BC-48C9-AA88-75C78721B420}" type="datetimeFigureOut">
               <a:rPr lang="zh-CN" altLang="en-US" smtClean="0"/>
-              <a:t>2018/2/27</a:t>
+              <a:t>2018/3/1</a:t>
             </a:fld>
             <a:endParaRPr lang="zh-CN" altLang="en-US"/>
           </a:p>
@@ -5139,7 +5142,7 @@
           <a:p>
             <a:fld id="{02E60DA2-A0BC-48C9-AA88-75C78721B420}" type="datetimeFigureOut">
               <a:rPr lang="zh-CN" altLang="en-US" smtClean="0"/>
-              <a:t>2018/2/27</a:t>
+              <a:t>2018/3/1</a:t>
             </a:fld>
             <a:endParaRPr lang="zh-CN" altLang="en-US"/>
           </a:p>
@@ -5276,7 +5279,7 @@
           <a:p>
             <a:fld id="{02E60DA2-A0BC-48C9-AA88-75C78721B420}" type="datetimeFigureOut">
               <a:rPr lang="zh-CN" altLang="en-US" smtClean="0"/>
-              <a:t>2018/2/27</a:t>
+              <a:t>2018/3/1</a:t>
             </a:fld>
             <a:endParaRPr lang="zh-CN" altLang="en-US"/>
           </a:p>
@@ -5611,7 +5614,7 @@
           <a:p>
             <a:fld id="{02E60DA2-A0BC-48C9-AA88-75C78721B420}" type="datetimeFigureOut">
               <a:rPr lang="zh-CN" altLang="en-US" smtClean="0"/>
-              <a:t>2018/2/27</a:t>
+              <a:t>2018/3/1</a:t>
             </a:fld>
             <a:endParaRPr lang="zh-CN" altLang="en-US"/>
           </a:p>
@@ -5923,7 +5926,7 @@
           <a:p>
             <a:fld id="{02E60DA2-A0BC-48C9-AA88-75C78721B420}" type="datetimeFigureOut">
               <a:rPr lang="zh-CN" altLang="en-US" smtClean="0"/>
-              <a:t>2018/2/27</a:t>
+              <a:t>2018/3/1</a:t>
             </a:fld>
             <a:endParaRPr lang="zh-CN" altLang="en-US"/>
           </a:p>
@@ -7127,6 +7130,1021 @@
 </p:sld>
 </file>
 
+<file path=ppt/slides/slide10.xml><?xml version="1.0" encoding="utf-8"?>
+<p:sld xmlns:a="http://schemas.openxmlformats.org/drawingml/2006/main" xmlns:r="http://schemas.openxmlformats.org/officeDocument/2006/relationships" xmlns:p="http://schemas.openxmlformats.org/presentationml/2006/main">
+  <p:cSld>
+    <p:spTree>
+      <p:nvGrpSpPr>
+        <p:cNvPr id="1" name=""/>
+        <p:cNvGrpSpPr/>
+        <p:nvPr/>
+      </p:nvGrpSpPr>
+      <p:grpSpPr>
+        <a:xfrm>
+          <a:off x="0" y="0"/>
+          <a:ext cx="0" cy="0"/>
+          <a:chOff x="0" y="0"/>
+          <a:chExt cx="0" cy="0"/>
+        </a:xfrm>
+      </p:grpSpPr>
+      <p:sp>
+        <p:nvSpPr>
+          <p:cNvPr id="2" name="标题 1">
+            <a:extLst>
+              <a:ext uri="{FF2B5EF4-FFF2-40B4-BE49-F238E27FC236}">
+                <a16:creationId xmlns:a16="http://schemas.microsoft.com/office/drawing/2014/main" id="{0C00CA4B-9B33-4A7A-B5C8-EBEFD26C924A}"/>
+              </a:ext>
+            </a:extLst>
+          </p:cNvPr>
+          <p:cNvSpPr>
+            <a:spLocks noGrp="1"/>
+          </p:cNvSpPr>
+          <p:nvPr>
+            <p:ph type="title"/>
+          </p:nvPr>
+        </p:nvSpPr>
+        <p:spPr/>
+        <p:txBody>
+          <a:bodyPr/>
+          <a:lstStyle/>
+          <a:p>
+            <a:r>
+              <a:rPr lang="zh-CN" altLang="en-US" dirty="0"/>
+              <a:t>放进环境变量</a:t>
+            </a:r>
+          </a:p>
+        </p:txBody>
+      </p:sp>
+      <p:sp>
+        <p:nvSpPr>
+          <p:cNvPr id="3" name="内容占位符 2">
+            <a:extLst>
+              <a:ext uri="{FF2B5EF4-FFF2-40B4-BE49-F238E27FC236}">
+                <a16:creationId xmlns:a16="http://schemas.microsoft.com/office/drawing/2014/main" id="{D9310E58-FE8C-494D-B407-80E802EA0D90}"/>
+              </a:ext>
+            </a:extLst>
+          </p:cNvPr>
+          <p:cNvSpPr>
+            <a:spLocks noGrp="1"/>
+          </p:cNvSpPr>
+          <p:nvPr>
+            <p:ph idx="1"/>
+          </p:nvPr>
+        </p:nvSpPr>
+        <p:spPr/>
+        <p:txBody>
+          <a:bodyPr/>
+          <a:lstStyle/>
+          <a:p>
+            <a:r>
+              <a:rPr lang="zh-CN" altLang="en-US" sz="2000" dirty="0"/>
+              <a:t>环境变量是全局存在的，在任何</a:t>
+            </a:r>
+            <a:r>
+              <a:rPr lang="en-US" altLang="zh-CN" sz="2000" dirty="0"/>
+              <a:t>shell</a:t>
+            </a:r>
+            <a:r>
+              <a:rPr lang="zh-CN" altLang="en-US" sz="2000" dirty="0"/>
+              <a:t>脚本中都可以直接使用。</a:t>
+            </a:r>
+            <a:endParaRPr lang="en-US" altLang="zh-CN" sz="2000" dirty="0"/>
+          </a:p>
+          <a:p>
+            <a:endParaRPr lang="en-US" altLang="zh-CN" sz="2000" dirty="0"/>
+          </a:p>
+          <a:p>
+            <a:r>
+              <a:rPr lang="zh-CN" altLang="en-US" sz="2000" dirty="0"/>
+              <a:t>使用</a:t>
+            </a:r>
+            <a:r>
+              <a:rPr lang="en-US" altLang="zh-CN" sz="2000" dirty="0" err="1"/>
+              <a:t>env</a:t>
+            </a:r>
+            <a:r>
+              <a:rPr lang="zh-CN" altLang="en-US" sz="2000" dirty="0"/>
+              <a:t>查看环境变量。</a:t>
+            </a:r>
+            <a:endParaRPr lang="en-US" altLang="zh-CN" sz="2000" dirty="0"/>
+          </a:p>
+          <a:p>
+            <a:pPr marL="0" indent="0">
+              <a:buNone/>
+            </a:pPr>
+            <a:endParaRPr lang="en-US" altLang="zh-CN" sz="2000" dirty="0"/>
+          </a:p>
+          <a:p>
+            <a:r>
+              <a:rPr lang="en-US" altLang="zh-CN" sz="2000" dirty="0"/>
+              <a:t>export  a</a:t>
+            </a:r>
+            <a:r>
+              <a:rPr lang="zh-CN" altLang="en-US" sz="2000" dirty="0"/>
+              <a:t>：把变量放到环境变量，环境变量是一个名称与值的简单列表。</a:t>
+            </a:r>
+            <a:endParaRPr lang="en-US" altLang="zh-CN" sz="2000" dirty="0"/>
+          </a:p>
+          <a:p>
+            <a:pPr marL="0" indent="0">
+              <a:buNone/>
+            </a:pPr>
+            <a:endParaRPr lang="en-US" altLang="zh-CN" sz="2000" dirty="0"/>
+          </a:p>
+          <a:p>
+            <a:r>
+              <a:rPr lang="zh-CN" altLang="en-US" sz="2000" dirty="0"/>
+              <a:t>创建脚本</a:t>
+            </a:r>
+            <a:r>
+              <a:rPr lang="en-US" altLang="zh-CN" sz="2000" dirty="0"/>
+              <a:t>vartest.sh</a:t>
+            </a:r>
+            <a:r>
+              <a:rPr lang="zh-CN" altLang="en-US" sz="2000"/>
+              <a:t>写入以下代码，保存并设置可执行权限，查看运行结果：</a:t>
+            </a:r>
+            <a:endParaRPr lang="en-US" altLang="zh-CN" sz="2000" dirty="0"/>
+          </a:p>
+          <a:p>
+            <a:pPr marL="457200" lvl="1" indent="0">
+              <a:buNone/>
+            </a:pPr>
+            <a:r>
+              <a:rPr lang="en-US" altLang="zh-CN" sz="1800" dirty="0"/>
+              <a:t>a=`</a:t>
+            </a:r>
+            <a:r>
+              <a:rPr lang="en-US" altLang="zh-CN" sz="1800" dirty="0" err="1"/>
+              <a:t>env</a:t>
+            </a:r>
+            <a:r>
+              <a:rPr lang="en-US" altLang="zh-CN" sz="1800" dirty="0"/>
+              <a:t> | grep  </a:t>
+            </a:r>
+            <a:r>
+              <a:rPr lang="en-US" altLang="zh-CN" sz="1800" dirty="0" err="1"/>
+              <a:t>linux</a:t>
+            </a:r>
+            <a:r>
+              <a:rPr lang="en-US" altLang="zh-CN" sz="1800" dirty="0"/>
+              <a:t>`</a:t>
+            </a:r>
+          </a:p>
+          <a:p>
+            <a:pPr marL="457200" lvl="1" indent="0">
+              <a:buNone/>
+            </a:pPr>
+            <a:r>
+              <a:rPr lang="en-US" altLang="zh-CN" sz="1800" dirty="0" err="1"/>
+              <a:t>linux</a:t>
+            </a:r>
+            <a:r>
+              <a:rPr lang="en-US" altLang="zh-CN" sz="1800" dirty="0"/>
+              <a:t>=1</a:t>
+            </a:r>
+          </a:p>
+          <a:p>
+            <a:pPr marL="457200" lvl="1" indent="0">
+              <a:buNone/>
+            </a:pPr>
+            <a:r>
+              <a:rPr lang="en-US" altLang="zh-CN" sz="1800" dirty="0"/>
+              <a:t>export </a:t>
+            </a:r>
+            <a:r>
+              <a:rPr lang="en-US" altLang="zh-CN" sz="1800" dirty="0" err="1"/>
+              <a:t>linux</a:t>
+            </a:r>
+            <a:endParaRPr lang="en-US" altLang="zh-CN" sz="1800" dirty="0"/>
+          </a:p>
+          <a:p>
+            <a:pPr marL="457200" lvl="1" indent="0">
+              <a:buNone/>
+            </a:pPr>
+            <a:r>
+              <a:rPr lang="en-US" altLang="zh-CN" sz="1800" dirty="0"/>
+              <a:t>b=`</a:t>
+            </a:r>
+            <a:r>
+              <a:rPr lang="en-US" altLang="zh-CN" sz="1800" dirty="0" err="1"/>
+              <a:t>env</a:t>
+            </a:r>
+            <a:r>
+              <a:rPr lang="en-US" altLang="zh-CN" sz="1800" dirty="0"/>
+              <a:t> | grep </a:t>
+            </a:r>
+            <a:r>
+              <a:rPr lang="en-US" altLang="zh-CN" sz="1800" dirty="0" err="1"/>
+              <a:t>linux</a:t>
+            </a:r>
+            <a:r>
+              <a:rPr lang="en-US" altLang="zh-CN" sz="1800" dirty="0"/>
+              <a:t>`</a:t>
+            </a:r>
+          </a:p>
+          <a:p>
+            <a:pPr marL="457200" lvl="1" indent="0">
+              <a:buNone/>
+            </a:pPr>
+            <a:r>
+              <a:rPr lang="en-US" altLang="zh-CN" sz="1800" dirty="0"/>
+              <a:t>echo “a :</a:t>
+            </a:r>
+            <a:r>
+              <a:rPr lang="zh-CN" altLang="en-US" sz="1800" dirty="0"/>
+              <a:t> </a:t>
+            </a:r>
+            <a:r>
+              <a:rPr lang="en-US" altLang="zh-CN" sz="1800" dirty="0"/>
+              <a:t>$a”</a:t>
+            </a:r>
+          </a:p>
+          <a:p>
+            <a:pPr marL="457200" lvl="1" indent="0">
+              <a:buNone/>
+            </a:pPr>
+            <a:r>
+              <a:rPr lang="en-US" altLang="zh-CN" sz="1800" dirty="0"/>
+              <a:t>echo “b : $b”</a:t>
+            </a:r>
+          </a:p>
+          <a:p>
+            <a:pPr marL="457200" lvl="1" indent="0">
+              <a:buNone/>
+            </a:pPr>
+            <a:endParaRPr lang="en-US" altLang="zh-CN" sz="1800" dirty="0"/>
+          </a:p>
+          <a:p>
+            <a:pPr marL="457200" lvl="1" indent="0">
+              <a:buNone/>
+            </a:pPr>
+            <a:endParaRPr lang="en-US" altLang="zh-CN" sz="1800" dirty="0"/>
+          </a:p>
+        </p:txBody>
+      </p:sp>
+    </p:spTree>
+    <p:extLst>
+      <p:ext uri="{BB962C8B-B14F-4D97-AF65-F5344CB8AC3E}">
+        <p14:creationId xmlns:p14="http://schemas.microsoft.com/office/powerpoint/2010/main" val="3936334075"/>
+      </p:ext>
+    </p:extLst>
+  </p:cSld>
+  <p:clrMapOvr>
+    <a:masterClrMapping/>
+  </p:clrMapOvr>
+</p:sld>
+</file>
+
+<file path=ppt/slides/slide11.xml><?xml version="1.0" encoding="utf-8"?>
+<p:sld xmlns:a="http://schemas.openxmlformats.org/drawingml/2006/main" xmlns:r="http://schemas.openxmlformats.org/officeDocument/2006/relationships" xmlns:p="http://schemas.openxmlformats.org/presentationml/2006/main">
+  <p:cSld>
+    <p:spTree>
+      <p:nvGrpSpPr>
+        <p:cNvPr id="1" name=""/>
+        <p:cNvGrpSpPr/>
+        <p:nvPr/>
+      </p:nvGrpSpPr>
+      <p:grpSpPr>
+        <a:xfrm>
+          <a:off x="0" y="0"/>
+          <a:ext cx="0" cy="0"/>
+          <a:chOff x="0" y="0"/>
+          <a:chExt cx="0" cy="0"/>
+        </a:xfrm>
+      </p:grpSpPr>
+      <p:sp>
+        <p:nvSpPr>
+          <p:cNvPr id="2" name="标题 1"/>
+          <p:cNvSpPr>
+            <a:spLocks noGrp="1"/>
+          </p:cNvSpPr>
+          <p:nvPr>
+            <p:ph type="title"/>
+          </p:nvPr>
+        </p:nvSpPr>
+        <p:spPr/>
+        <p:txBody>
+          <a:bodyPr/>
+          <a:lstStyle/>
+          <a:p>
+            <a:r>
+              <a:rPr lang="zh-CN" altLang="en-US" dirty="0"/>
+              <a:t>变量的引用</a:t>
+            </a:r>
+          </a:p>
+        </p:txBody>
+      </p:sp>
+      <p:sp>
+        <p:nvSpPr>
+          <p:cNvPr id="3" name="内容占位符 2"/>
+          <p:cNvSpPr>
+            <a:spLocks noGrp="1"/>
+          </p:cNvSpPr>
+          <p:nvPr>
+            <p:ph idx="1"/>
+          </p:nvPr>
+        </p:nvSpPr>
+        <p:spPr/>
+        <p:txBody>
+          <a:bodyPr>
+            <a:normAutofit/>
+          </a:bodyPr>
+          <a:lstStyle/>
+          <a:p>
+            <a:r>
+              <a:rPr lang="en-US" altLang="zh-CN" sz="2000" dirty="0"/>
+              <a:t>$</a:t>
+            </a:r>
+            <a:r>
+              <a:rPr lang="en-US" altLang="zh-CN" sz="2000" dirty="0" err="1"/>
+              <a:t>var</a:t>
+            </a:r>
+            <a:r>
+              <a:rPr lang="en-US" altLang="zh-CN" sz="2000" dirty="0"/>
+              <a:t>/${</a:t>
+            </a:r>
+            <a:r>
+              <a:rPr lang="en-US" altLang="zh-CN" sz="2000" dirty="0" err="1"/>
+              <a:t>var</a:t>
+            </a:r>
+            <a:r>
+              <a:rPr lang="en-US" altLang="zh-CN" sz="2000" dirty="0"/>
+              <a:t>}:</a:t>
+            </a:r>
+            <a:r>
+              <a:rPr lang="zh-CN" altLang="en-US" sz="2000" dirty="0"/>
+              <a:t>返回变量值</a:t>
+            </a:r>
+          </a:p>
+          <a:p>
+            <a:r>
+              <a:rPr lang="en-US" altLang="zh-CN" sz="2000" dirty="0"/>
+              <a:t>${#</a:t>
+            </a:r>
+            <a:r>
+              <a:rPr lang="en-US" altLang="zh-CN" sz="2000" dirty="0" err="1"/>
+              <a:t>var</a:t>
+            </a:r>
+            <a:r>
+              <a:rPr lang="en-US" altLang="zh-CN" sz="2000" dirty="0"/>
+              <a:t>}:</a:t>
+            </a:r>
+            <a:r>
+              <a:rPr lang="zh-CN" altLang="en-US" sz="2000" dirty="0"/>
+              <a:t>返回变量值（字符串）的长度</a:t>
+            </a:r>
+          </a:p>
+          <a:p>
+            <a:r>
+              <a:rPr lang="en-US" altLang="zh-CN" sz="2000" dirty="0"/>
+              <a:t>${</a:t>
+            </a:r>
+            <a:r>
+              <a:rPr lang="en-US" altLang="zh-CN" sz="2000" dirty="0" err="1"/>
+              <a:t>var:start_index</a:t>
+            </a:r>
+            <a:r>
+              <a:rPr lang="en-US" altLang="zh-CN" sz="2000" dirty="0"/>
+              <a:t>}:</a:t>
+            </a:r>
+            <a:r>
+              <a:rPr lang="zh-CN" altLang="en-US" sz="2000" dirty="0"/>
+              <a:t>返回从</a:t>
+            </a:r>
+            <a:r>
+              <a:rPr lang="en-US" altLang="zh-CN" sz="2000" dirty="0" err="1"/>
+              <a:t>start_index</a:t>
+            </a:r>
+            <a:r>
+              <a:rPr lang="zh-CN" altLang="en-US" sz="2000" dirty="0"/>
+              <a:t>开始一直到字符串结尾的字符串</a:t>
+            </a:r>
+          </a:p>
+          <a:p>
+            <a:r>
+              <a:rPr lang="en-US" altLang="zh-CN" sz="2000" dirty="0"/>
+              <a:t>${</a:t>
+            </a:r>
+            <a:r>
+              <a:rPr lang="en-US" altLang="zh-CN" sz="2000" dirty="0" err="1"/>
+              <a:t>var:start_index:length</a:t>
+            </a:r>
+            <a:r>
+              <a:rPr lang="en-US" altLang="zh-CN" sz="2000" dirty="0"/>
+              <a:t>}:</a:t>
+            </a:r>
+            <a:r>
+              <a:rPr lang="zh-CN" altLang="en-US" sz="2000" dirty="0"/>
+              <a:t>返回从</a:t>
+            </a:r>
+            <a:r>
+              <a:rPr lang="en-US" altLang="zh-CN" sz="2000" dirty="0" err="1"/>
+              <a:t>start_index</a:t>
+            </a:r>
+            <a:r>
+              <a:rPr lang="zh-CN" altLang="en-US" sz="2000" dirty="0"/>
+              <a:t>开始的</a:t>
+            </a:r>
+            <a:r>
+              <a:rPr lang="en-US" altLang="zh-CN" sz="2000" dirty="0"/>
+              <a:t>length</a:t>
+            </a:r>
+            <a:r>
+              <a:rPr lang="zh-CN" altLang="en-US" sz="2000" dirty="0"/>
+              <a:t>个字符</a:t>
+            </a:r>
+            <a:endParaRPr lang="en-US" altLang="zh-CN" sz="2000" dirty="0"/>
+          </a:p>
+          <a:p>
+            <a:r>
+              <a:rPr lang="en-US" altLang="zh-CN" sz="2000" dirty="0"/>
+              <a:t>${</a:t>
+            </a:r>
+            <a:r>
+              <a:rPr lang="en-US" altLang="zh-CN" sz="2000" dirty="0" err="1"/>
+              <a:t>var</a:t>
+            </a:r>
+            <a:r>
+              <a:rPr lang="en-US" altLang="zh-CN" sz="2000" dirty="0"/>
+              <a:t>:-</a:t>
+            </a:r>
+            <a:r>
+              <a:rPr lang="en-US" altLang="zh-CN" sz="2000" dirty="0" err="1"/>
+              <a:t>newstring</a:t>
+            </a:r>
+            <a:r>
+              <a:rPr lang="en-US" altLang="zh-CN" sz="2000" dirty="0"/>
+              <a:t>}:</a:t>
+            </a:r>
+            <a:r>
+              <a:rPr lang="zh-CN" altLang="en-US" sz="2000" dirty="0"/>
+              <a:t>如果</a:t>
+            </a:r>
+            <a:r>
+              <a:rPr lang="en-US" altLang="zh-CN" sz="2000" dirty="0" err="1"/>
+              <a:t>var</a:t>
+            </a:r>
+            <a:r>
+              <a:rPr lang="zh-CN" altLang="en-US" sz="2000" dirty="0"/>
+              <a:t>未定义或为空值，则返回</a:t>
+            </a:r>
+            <a:r>
+              <a:rPr lang="en-US" altLang="zh-CN" sz="2000" dirty="0" err="1"/>
+              <a:t>newstring</a:t>
+            </a:r>
+            <a:r>
+              <a:rPr lang="zh-CN" altLang="en-US" sz="2000" dirty="0"/>
+              <a:t>；否则返回</a:t>
+            </a:r>
+            <a:r>
+              <a:rPr lang="en-US" altLang="zh-CN" sz="2000" dirty="0" err="1"/>
+              <a:t>var</a:t>
+            </a:r>
+            <a:r>
+              <a:rPr lang="zh-CN" altLang="en-US" sz="2000" dirty="0"/>
+              <a:t>的值</a:t>
+            </a:r>
+          </a:p>
+          <a:p>
+            <a:r>
+              <a:rPr lang="en-US" altLang="zh-CN" sz="2000" dirty="0"/>
+              <a:t>${</a:t>
+            </a:r>
+            <a:r>
+              <a:rPr lang="en-US" altLang="zh-CN" sz="2000" dirty="0" err="1"/>
+              <a:t>var</a:t>
+            </a:r>
+            <a:r>
+              <a:rPr lang="en-US" altLang="zh-CN" sz="2000" dirty="0"/>
+              <a:t>:=</a:t>
+            </a:r>
+            <a:r>
+              <a:rPr lang="en-US" altLang="zh-CN" sz="2000" dirty="0" err="1"/>
+              <a:t>newstring</a:t>
+            </a:r>
+            <a:r>
+              <a:rPr lang="en-US" altLang="zh-CN" sz="2000" dirty="0"/>
+              <a:t>}:</a:t>
+            </a:r>
+            <a:r>
+              <a:rPr lang="zh-CN" altLang="en-US" sz="2000" dirty="0"/>
+              <a:t>如果</a:t>
+            </a:r>
+            <a:r>
+              <a:rPr lang="en-US" altLang="zh-CN" sz="2000" dirty="0" err="1"/>
+              <a:t>var</a:t>
+            </a:r>
+            <a:r>
+              <a:rPr lang="zh-CN" altLang="en-US" sz="2000" dirty="0"/>
+              <a:t>未定义或为空值，则返回</a:t>
+            </a:r>
+            <a:r>
+              <a:rPr lang="en-US" altLang="zh-CN" sz="2000" dirty="0" err="1"/>
+              <a:t>newstring</a:t>
+            </a:r>
+            <a:r>
+              <a:rPr lang="zh-CN" altLang="en-US" sz="2000" dirty="0"/>
+              <a:t>，并把</a:t>
+            </a:r>
+            <a:r>
+              <a:rPr lang="en-US" altLang="zh-CN" sz="2000" dirty="0" err="1"/>
+              <a:t>newstring</a:t>
+            </a:r>
+            <a:r>
+              <a:rPr lang="zh-CN" altLang="en-US" sz="2000" dirty="0"/>
+              <a:t>赋给</a:t>
+            </a:r>
+            <a:r>
+              <a:rPr lang="en-US" altLang="zh-CN" sz="2000" dirty="0" err="1"/>
+              <a:t>var</a:t>
+            </a:r>
+            <a:r>
+              <a:rPr lang="zh-CN" altLang="en-US" sz="2000" dirty="0"/>
+              <a:t>；否则返回</a:t>
+            </a:r>
+            <a:r>
+              <a:rPr lang="en-US" altLang="zh-CN" sz="2000" dirty="0" err="1"/>
+              <a:t>var</a:t>
+            </a:r>
+            <a:r>
+              <a:rPr lang="zh-CN" altLang="en-US" sz="2000" dirty="0"/>
+              <a:t>的值</a:t>
+            </a:r>
+          </a:p>
+          <a:p>
+            <a:r>
+              <a:rPr lang="en-US" altLang="zh-CN" sz="2000" dirty="0"/>
+              <a:t>${</a:t>
+            </a:r>
+            <a:r>
+              <a:rPr lang="en-US" altLang="zh-CN" sz="2000" dirty="0" err="1"/>
+              <a:t>var</a:t>
+            </a:r>
+            <a:r>
+              <a:rPr lang="en-US" altLang="zh-CN" sz="2000" dirty="0"/>
+              <a:t>:+</a:t>
+            </a:r>
+            <a:r>
+              <a:rPr lang="en-US" altLang="zh-CN" sz="2000" dirty="0" err="1"/>
+              <a:t>newstring</a:t>
+            </a:r>
+            <a:r>
+              <a:rPr lang="en-US" altLang="zh-CN" sz="2000" dirty="0"/>
+              <a:t>}:</a:t>
+            </a:r>
+            <a:r>
+              <a:rPr lang="zh-CN" altLang="en-US" sz="2000" dirty="0"/>
+              <a:t>如果</a:t>
+            </a:r>
+            <a:r>
+              <a:rPr lang="en-US" altLang="zh-CN" sz="2000" dirty="0" err="1"/>
+              <a:t>var</a:t>
+            </a:r>
+            <a:r>
+              <a:rPr lang="zh-CN" altLang="en-US" sz="2000" dirty="0"/>
+              <a:t>不为空，则返回</a:t>
+            </a:r>
+            <a:r>
+              <a:rPr lang="en-US" altLang="zh-CN" sz="2000" dirty="0" err="1"/>
+              <a:t>newstring</a:t>
+            </a:r>
+            <a:r>
+              <a:rPr lang="zh-CN" altLang="en-US" sz="2000" dirty="0"/>
+              <a:t>；否则返回空值（其实也是</a:t>
+            </a:r>
+            <a:r>
+              <a:rPr lang="en-US" altLang="zh-CN" sz="2000" dirty="0" err="1"/>
+              <a:t>var</a:t>
+            </a:r>
+            <a:r>
+              <a:rPr lang="zh-CN" altLang="en-US" sz="2000" dirty="0"/>
+              <a:t>的值）</a:t>
+            </a:r>
+          </a:p>
+          <a:p>
+            <a:r>
+              <a:rPr lang="en-US" altLang="zh-CN" sz="2000" dirty="0"/>
+              <a:t>${</a:t>
+            </a:r>
+            <a:r>
+              <a:rPr lang="en-US" altLang="zh-CN" sz="2000" dirty="0" err="1"/>
+              <a:t>var</a:t>
+            </a:r>
+            <a:r>
+              <a:rPr lang="en-US" altLang="zh-CN" sz="2000" dirty="0"/>
+              <a:t>:?</a:t>
+            </a:r>
+            <a:r>
+              <a:rPr lang="en-US" altLang="zh-CN" sz="2000" dirty="0" err="1"/>
+              <a:t>newstring</a:t>
+            </a:r>
+            <a:r>
+              <a:rPr lang="en-US" altLang="zh-CN" sz="2000" dirty="0"/>
+              <a:t>}:</a:t>
+            </a:r>
+            <a:r>
+              <a:rPr lang="zh-CN" altLang="en-US" sz="2000" dirty="0"/>
+              <a:t>如果</a:t>
+            </a:r>
+            <a:r>
+              <a:rPr lang="en-US" altLang="zh-CN" sz="2000" dirty="0" err="1"/>
+              <a:t>var</a:t>
+            </a:r>
+            <a:r>
+              <a:rPr lang="zh-CN" altLang="en-US" sz="2000" dirty="0"/>
+              <a:t>未定义或为空值，则将</a:t>
+            </a:r>
+            <a:r>
+              <a:rPr lang="en-US" altLang="zh-CN" sz="2000" dirty="0" err="1"/>
+              <a:t>newstring</a:t>
+            </a:r>
+            <a:r>
+              <a:rPr lang="zh-CN" altLang="en-US" sz="2000" dirty="0"/>
+              <a:t>写入标准错误，本语句失败；否则返回</a:t>
+            </a:r>
+            <a:r>
+              <a:rPr lang="en-US" altLang="zh-CN" sz="2000" dirty="0" err="1"/>
+              <a:t>var</a:t>
+            </a:r>
+            <a:r>
+              <a:rPr lang="zh-CN" altLang="en-US" sz="2000" dirty="0"/>
+              <a:t>的值</a:t>
+            </a:r>
+            <a:endParaRPr lang="en-US" altLang="zh-CN" sz="2000" dirty="0"/>
+          </a:p>
+          <a:p>
+            <a:r>
+              <a:rPr lang="en-US" altLang="zh-CN" sz="2000" dirty="0"/>
+              <a:t>$(command):</a:t>
+            </a:r>
+            <a:r>
+              <a:rPr lang="zh-CN" altLang="en-US" sz="2000" dirty="0"/>
+              <a:t>返回</a:t>
+            </a:r>
+            <a:r>
+              <a:rPr lang="en-US" altLang="zh-CN" sz="2000" dirty="0"/>
+              <a:t>command</a:t>
+            </a:r>
+            <a:r>
+              <a:rPr lang="zh-CN" altLang="en-US" sz="2000" dirty="0"/>
+              <a:t>命令执行后所输出的结果，相当于 </a:t>
+            </a:r>
+            <a:r>
+              <a:rPr lang="en-US" altLang="zh-CN" sz="2000" dirty="0"/>
+              <a:t>`command`</a:t>
+            </a:r>
+          </a:p>
+          <a:p>
+            <a:r>
+              <a:rPr lang="en-US" altLang="zh-CN" sz="2000" dirty="0"/>
+              <a:t>$((</a:t>
+            </a:r>
+            <a:r>
+              <a:rPr lang="zh-CN" altLang="en-US" sz="2000" dirty="0"/>
+              <a:t>算术表达式</a:t>
+            </a:r>
+            <a:r>
+              <a:rPr lang="en-US" altLang="zh-CN" sz="2000" dirty="0"/>
+              <a:t>)):</a:t>
+            </a:r>
+            <a:r>
+              <a:rPr lang="zh-CN" altLang="en-US" sz="2000" dirty="0"/>
+              <a:t>返回双括号内算术运算的结果。</a:t>
+            </a:r>
+          </a:p>
+        </p:txBody>
+      </p:sp>
+    </p:spTree>
+    <p:extLst>
+      <p:ext uri="{BB962C8B-B14F-4D97-AF65-F5344CB8AC3E}">
+        <p14:creationId xmlns:p14="http://schemas.microsoft.com/office/powerpoint/2010/main" val="499639104"/>
+      </p:ext>
+    </p:extLst>
+  </p:cSld>
+  <p:clrMapOvr>
+    <a:masterClrMapping/>
+  </p:clrMapOvr>
+</p:sld>
+</file>
+
+<file path=ppt/slides/slide12.xml><?xml version="1.0" encoding="utf-8"?>
+<p:sld xmlns:a="http://schemas.openxmlformats.org/drawingml/2006/main" xmlns:r="http://schemas.openxmlformats.org/officeDocument/2006/relationships" xmlns:p="http://schemas.openxmlformats.org/presentationml/2006/main">
+  <p:cSld>
+    <p:spTree>
+      <p:nvGrpSpPr>
+        <p:cNvPr id="1" name=""/>
+        <p:cNvGrpSpPr/>
+        <p:nvPr/>
+      </p:nvGrpSpPr>
+      <p:grpSpPr>
+        <a:xfrm>
+          <a:off x="0" y="0"/>
+          <a:ext cx="0" cy="0"/>
+          <a:chOff x="0" y="0"/>
+          <a:chExt cx="0" cy="0"/>
+        </a:xfrm>
+      </p:grpSpPr>
+      <p:sp>
+        <p:nvSpPr>
+          <p:cNvPr id="2" name="标题 1"/>
+          <p:cNvSpPr>
+            <a:spLocks noGrp="1"/>
+          </p:cNvSpPr>
+          <p:nvPr>
+            <p:ph type="title"/>
+          </p:nvPr>
+        </p:nvSpPr>
+        <p:spPr/>
+        <p:txBody>
+          <a:bodyPr/>
+          <a:lstStyle/>
+          <a:p>
+            <a:r>
+              <a:rPr lang="zh-CN" altLang="en-US" dirty="0"/>
+              <a:t>脚本的特殊变量</a:t>
+            </a:r>
+          </a:p>
+        </p:txBody>
+      </p:sp>
+      <p:sp>
+        <p:nvSpPr>
+          <p:cNvPr id="3" name="内容占位符 2"/>
+          <p:cNvSpPr>
+            <a:spLocks noGrp="1"/>
+          </p:cNvSpPr>
+          <p:nvPr>
+            <p:ph idx="1"/>
+          </p:nvPr>
+        </p:nvSpPr>
+        <p:spPr/>
+        <p:txBody>
+          <a:bodyPr>
+            <a:noAutofit/>
+          </a:bodyPr>
+          <a:lstStyle/>
+          <a:p>
+            <a:r>
+              <a:rPr lang="en-US" altLang="zh-CN" sz="2000" dirty="0"/>
+              <a:t>$0</a:t>
+            </a:r>
+            <a:r>
+              <a:rPr lang="zh-CN" altLang="en-US" sz="2000" dirty="0"/>
+              <a:t>：当前脚本的文件名</a:t>
+            </a:r>
+            <a:r>
+              <a:rPr lang="en-US" altLang="zh-CN" sz="2000" dirty="0"/>
+              <a:t>/</a:t>
+            </a:r>
+            <a:r>
+              <a:rPr lang="zh-CN" altLang="en-US" sz="2000" dirty="0"/>
+              <a:t>当前执行的进程</a:t>
+            </a:r>
+            <a:r>
+              <a:rPr lang="en-US" altLang="zh-CN" sz="2000" dirty="0"/>
+              <a:t>/</a:t>
+            </a:r>
+            <a:r>
+              <a:rPr lang="zh-CN" altLang="en-US" sz="2000" dirty="0"/>
+              <a:t>程序名</a:t>
+            </a:r>
+          </a:p>
+          <a:p>
+            <a:r>
+              <a:rPr lang="en-US" altLang="zh-CN" sz="2000" dirty="0"/>
+              <a:t>$n</a:t>
+            </a:r>
+            <a:r>
+              <a:rPr lang="zh-CN" altLang="en-US" sz="2000" dirty="0"/>
+              <a:t>：</a:t>
+            </a:r>
+            <a:r>
+              <a:rPr lang="en-US" altLang="zh-CN" sz="2000" dirty="0"/>
+              <a:t>n</a:t>
+            </a:r>
+            <a:r>
+              <a:rPr lang="zh-CN" altLang="en-US" sz="2000" dirty="0"/>
+              <a:t>为从</a:t>
+            </a:r>
+            <a:r>
+              <a:rPr lang="en-US" altLang="zh-CN" sz="2000" dirty="0"/>
+              <a:t>1</a:t>
+            </a:r>
+            <a:r>
+              <a:rPr lang="zh-CN" altLang="en-US" sz="2000" dirty="0"/>
+              <a:t>开始的数字，</a:t>
+            </a:r>
+            <a:r>
+              <a:rPr lang="en-US" altLang="zh-CN" sz="2000" dirty="0"/>
+              <a:t>$1</a:t>
+            </a:r>
+            <a:r>
+              <a:rPr lang="zh-CN" altLang="en-US" sz="2000" dirty="0"/>
+              <a:t>是第一个参数，</a:t>
+            </a:r>
+            <a:r>
+              <a:rPr lang="en-US" altLang="zh-CN" sz="2000" dirty="0"/>
+              <a:t>$2</a:t>
+            </a:r>
+            <a:r>
+              <a:rPr lang="zh-CN" altLang="en-US" sz="2000" dirty="0"/>
+              <a:t>是第二个参数，</a:t>
+            </a:r>
+            <a:r>
+              <a:rPr lang="en-US" altLang="zh-CN" sz="2000" dirty="0"/>
+              <a:t>${10}</a:t>
+            </a:r>
+            <a:r>
+              <a:rPr lang="zh-CN" altLang="en-US" sz="2000" dirty="0"/>
+              <a:t>是第十个参数（从</a:t>
+            </a:r>
+            <a:r>
+              <a:rPr lang="en-US" altLang="zh-CN" sz="2000" dirty="0"/>
+              <a:t>${10}</a:t>
+            </a:r>
+            <a:r>
+              <a:rPr lang="zh-CN" altLang="en-US" sz="2000" dirty="0"/>
+              <a:t>开始参数号需要用花括号括起来）</a:t>
+            </a:r>
+            <a:endParaRPr lang="en-US" altLang="zh-CN" sz="2000" dirty="0"/>
+          </a:p>
+          <a:p>
+            <a:endParaRPr lang="zh-CN" altLang="en-US" sz="2000" dirty="0"/>
+          </a:p>
+          <a:p>
+            <a:r>
+              <a:rPr lang="en-US" altLang="zh-CN" sz="2000" dirty="0"/>
+              <a:t>$#</a:t>
+            </a:r>
+            <a:r>
+              <a:rPr lang="zh-CN" altLang="en-US" sz="2000" dirty="0"/>
+              <a:t>：传入脚本的参数的个数</a:t>
+            </a:r>
+          </a:p>
+          <a:p>
+            <a:r>
+              <a:rPr lang="en-US" altLang="zh-CN" sz="2000" dirty="0"/>
+              <a:t>$*</a:t>
+            </a:r>
+            <a:r>
+              <a:rPr lang="zh-CN" altLang="en-US" sz="2000" dirty="0"/>
+              <a:t>：所有的位置参数</a:t>
+            </a:r>
+            <a:r>
+              <a:rPr lang="en-US" altLang="zh-CN" sz="2000" dirty="0"/>
+              <a:t>(</a:t>
+            </a:r>
+            <a:r>
+              <a:rPr lang="zh-CN" altLang="en-US" sz="2000" dirty="0"/>
+              <a:t>作为单个字符串</a:t>
+            </a:r>
+            <a:r>
+              <a:rPr lang="en-US" altLang="zh-CN" sz="2000" dirty="0"/>
+              <a:t>)</a:t>
+            </a:r>
+          </a:p>
+          <a:p>
+            <a:r>
+              <a:rPr lang="en-US" altLang="zh-CN" sz="2000" dirty="0"/>
+              <a:t>$@</a:t>
+            </a:r>
+            <a:r>
+              <a:rPr lang="zh-CN" altLang="en-US" sz="2000" dirty="0"/>
+              <a:t>：所有的位置参数</a:t>
+            </a:r>
+            <a:r>
+              <a:rPr lang="en-US" altLang="zh-CN" sz="2000" dirty="0"/>
+              <a:t>(</a:t>
+            </a:r>
+            <a:r>
+              <a:rPr lang="zh-CN" altLang="en-US" sz="2000" dirty="0"/>
+              <a:t>每个都作为独立的字符串</a:t>
+            </a:r>
+            <a:r>
+              <a:rPr lang="en-US" altLang="zh-CN" sz="2000" dirty="0"/>
+              <a:t>)</a:t>
+            </a:r>
+            <a:r>
+              <a:rPr lang="zh-CN" altLang="en-US" sz="2000" dirty="0"/>
+              <a:t>。</a:t>
+            </a:r>
+          </a:p>
+          <a:p>
+            <a:r>
+              <a:rPr lang="en-US" altLang="zh-CN" sz="2000" dirty="0"/>
+              <a:t>$?</a:t>
+            </a:r>
+            <a:r>
+              <a:rPr lang="zh-CN" altLang="en-US" sz="2000" dirty="0"/>
+              <a:t>：当前</a:t>
+            </a:r>
+            <a:r>
+              <a:rPr lang="en-US" altLang="zh-CN" sz="2000" dirty="0"/>
+              <a:t>shell</a:t>
+            </a:r>
+            <a:r>
+              <a:rPr lang="zh-CN" altLang="en-US" sz="2000" dirty="0"/>
+              <a:t>进程中，上一个命令的返回值，如果上一个命令成功执行则</a:t>
+            </a:r>
+            <a:r>
+              <a:rPr lang="en-US" altLang="zh-CN" sz="2000" dirty="0"/>
+              <a:t>$?</a:t>
+            </a:r>
+            <a:r>
+              <a:rPr lang="zh-CN" altLang="en-US" sz="2000" dirty="0"/>
+              <a:t>的值为</a:t>
+            </a:r>
+            <a:r>
+              <a:rPr lang="en-US" altLang="zh-CN" sz="2000" dirty="0"/>
+              <a:t>0</a:t>
+            </a:r>
+            <a:r>
+              <a:rPr lang="zh-CN" altLang="en-US" sz="2000" dirty="0"/>
+              <a:t>，否则</a:t>
+            </a:r>
+            <a:endParaRPr lang="en-US" altLang="zh-CN" sz="2000" dirty="0"/>
+          </a:p>
+          <a:p>
+            <a:pPr marL="0" indent="0">
+              <a:buNone/>
+            </a:pPr>
+            <a:r>
+              <a:rPr lang="en-US" altLang="zh-CN" sz="2000" dirty="0"/>
+              <a:t>           </a:t>
+            </a:r>
+            <a:r>
+              <a:rPr lang="zh-CN" altLang="en-US" sz="2000" dirty="0"/>
+              <a:t>为其他非零值，常用做</a:t>
+            </a:r>
+            <a:r>
+              <a:rPr lang="en-US" altLang="zh-CN" sz="2000" dirty="0"/>
+              <a:t>if</a:t>
+            </a:r>
+            <a:r>
+              <a:rPr lang="zh-CN" altLang="en-US" sz="2000" dirty="0"/>
+              <a:t>语句条件</a:t>
+            </a:r>
+            <a:endParaRPr lang="en-US" altLang="zh-CN" sz="2000" dirty="0"/>
+          </a:p>
+          <a:p>
+            <a:pPr marL="0" indent="0">
+              <a:buNone/>
+            </a:pPr>
+            <a:endParaRPr lang="zh-CN" altLang="en-US" sz="2000" dirty="0"/>
+          </a:p>
+          <a:p>
+            <a:r>
+              <a:rPr lang="en-US" altLang="zh-CN" sz="2000" dirty="0"/>
+              <a:t>$$</a:t>
+            </a:r>
+            <a:r>
+              <a:rPr lang="zh-CN" altLang="en-US" sz="2000" dirty="0"/>
+              <a:t>：当前</a:t>
+            </a:r>
+            <a:r>
+              <a:rPr lang="en-US" altLang="zh-CN" sz="2000" dirty="0"/>
+              <a:t>shell</a:t>
+            </a:r>
+            <a:r>
+              <a:rPr lang="zh-CN" altLang="en-US" sz="2000" dirty="0"/>
+              <a:t>进程的</a:t>
+            </a:r>
+            <a:r>
+              <a:rPr lang="en-US" altLang="zh-CN" sz="2000" dirty="0" err="1"/>
+              <a:t>pid</a:t>
+            </a:r>
+            <a:endParaRPr lang="en-US" altLang="zh-CN" sz="2000" dirty="0"/>
+          </a:p>
+          <a:p>
+            <a:r>
+              <a:rPr lang="en-US" altLang="zh-CN" sz="2000" dirty="0"/>
+              <a:t>$!</a:t>
+            </a:r>
+            <a:r>
+              <a:rPr lang="zh-CN" altLang="en-US" sz="2000" dirty="0"/>
+              <a:t>：后台运行的最后一个进程的</a:t>
+            </a:r>
+            <a:r>
+              <a:rPr lang="en-US" altLang="zh-CN" sz="2000" dirty="0" err="1"/>
+              <a:t>pid</a:t>
+            </a:r>
+            <a:endParaRPr lang="en-US" altLang="zh-CN" sz="2000" dirty="0"/>
+          </a:p>
+        </p:txBody>
+      </p:sp>
+    </p:spTree>
+    <p:extLst>
+      <p:ext uri="{BB962C8B-B14F-4D97-AF65-F5344CB8AC3E}">
+        <p14:creationId xmlns:p14="http://schemas.microsoft.com/office/powerpoint/2010/main" val="74908504"/>
+      </p:ext>
+    </p:extLst>
+  </p:cSld>
+  <p:clrMapOvr>
+    <a:masterClrMapping/>
+  </p:clrMapOvr>
+</p:sld>
+</file>
+
 <file path=ppt/slides/slide2.xml><?xml version="1.0" encoding="utf-8"?>
 <p:sld xmlns:a="http://schemas.openxmlformats.org/drawingml/2006/main" xmlns:r="http://schemas.openxmlformats.org/officeDocument/2006/relationships" xmlns:p="http://schemas.openxmlformats.org/presentationml/2006/main">
   <p:cSld>
@@ -7202,49 +8220,117 @@
             </a:r>
             <a:r>
               <a:rPr lang="zh-CN" altLang="en-US" sz="2000" dirty="0"/>
-              <a:t>脚本章节参考了</a:t>
-            </a:r>
-            <a:r>
-              <a:rPr lang="en-US" altLang="zh-CN" sz="2000" dirty="0"/>
+              <a:t>脚本章节参考了以下资料，更完整的</a:t>
+            </a:r>
+            <a:r>
+              <a:rPr lang="en-US" altLang="zh-CN" sz="2000" dirty="0"/>
+              <a:t>shell</a:t>
+            </a:r>
+            <a:r>
+              <a:rPr lang="zh-CN" altLang="en-US" sz="2000" dirty="0"/>
+              <a:t>脚本可参考：</a:t>
+            </a:r>
+            <a:endParaRPr lang="en-US" altLang="zh-CN" sz="2000" dirty="0"/>
+          </a:p>
+          <a:p>
+            <a:pPr marL="0" indent="0">
+              <a:buNone/>
+            </a:pPr>
+            <a:endParaRPr lang="en-US" altLang="zh-CN" sz="1800" dirty="0"/>
+          </a:p>
+          <a:p>
+            <a:pPr marL="457200" lvl="1" indent="0">
+              <a:buNone/>
+            </a:pPr>
+            <a:r>
+              <a:rPr lang="en-US" altLang="zh-CN" sz="1800" dirty="0"/>
               <a:t>Linux</a:t>
             </a:r>
             <a:r>
-              <a:rPr lang="zh-CN" altLang="en-US" sz="2000" dirty="0"/>
-              <a:t>联机文档以及</a:t>
-            </a:r>
-            <a:r>
-              <a:rPr lang="en-US" altLang="zh-CN" sz="2000" dirty="0"/>
+              <a:rPr lang="zh-CN" altLang="en-US" sz="1800" dirty="0"/>
+              <a:t>联机文档</a:t>
+            </a:r>
+            <a:endParaRPr lang="en-US" altLang="zh-CN" sz="1800" dirty="0"/>
+          </a:p>
+          <a:p>
+            <a:pPr marL="457200" lvl="1" indent="0">
+              <a:buNone/>
+            </a:pPr>
+            <a:endParaRPr lang="en-US" altLang="zh-CN" sz="1800" dirty="0"/>
+          </a:p>
+          <a:p>
+            <a:pPr marL="457200" lvl="1" indent="0">
+              <a:buNone/>
+            </a:pPr>
+            <a:r>
+              <a:rPr lang="en-US" altLang="zh-CN" sz="1800" dirty="0"/>
               <a:t>O’Reilly</a:t>
             </a:r>
             <a:r>
-              <a:rPr lang="zh-CN" altLang="en-US" sz="2000" dirty="0"/>
+              <a:rPr lang="zh-CN" altLang="en-US" sz="1800" dirty="0"/>
               <a:t>出版的</a:t>
             </a:r>
             <a:r>
-              <a:rPr lang="en-US" altLang="zh-CN" sz="2000" dirty="0"/>
+              <a:rPr lang="en-US" altLang="zh-CN" sz="1800" dirty="0"/>
               <a:t>《Classic Shell Script》</a:t>
             </a:r>
             <a:r>
-              <a:rPr lang="zh-CN" altLang="en-US" sz="2000" dirty="0"/>
+              <a:rPr lang="zh-CN" altLang="en-US" sz="1800" dirty="0"/>
               <a:t>（</a:t>
             </a:r>
             <a:r>
-              <a:rPr lang="en-US" altLang="zh-CN" sz="2000" dirty="0"/>
+              <a:rPr lang="en-US" altLang="zh-CN" sz="1800" dirty="0"/>
               <a:t>《Shell</a:t>
             </a:r>
             <a:r>
-              <a:rPr lang="zh-CN" altLang="en-US" sz="2000" dirty="0"/>
+              <a:rPr lang="zh-CN" altLang="en-US" sz="1800" dirty="0"/>
               <a:t>脚本学习指南</a:t>
             </a:r>
             <a:r>
-              <a:rPr lang="en-US" altLang="zh-CN" sz="2000" dirty="0"/>
+              <a:rPr lang="en-US" altLang="zh-CN" sz="1800" dirty="0"/>
               <a:t>》</a:t>
             </a:r>
             <a:r>
-              <a:rPr lang="zh-CN" altLang="en-US" sz="2000" dirty="0"/>
-              <a:t>）。</a:t>
-            </a:r>
-            <a:endParaRPr lang="en-US" altLang="zh-CN" sz="2000" dirty="0"/>
+              <a:rPr lang="zh-CN" altLang="en-US" sz="1800" dirty="0"/>
+              <a:t>）</a:t>
+            </a:r>
+            <a:endParaRPr lang="en-US" altLang="zh-CN" sz="1800" dirty="0"/>
+          </a:p>
+          <a:p>
+            <a:pPr marL="457200" lvl="1" indent="0">
+              <a:buNone/>
+            </a:pPr>
+            <a:endParaRPr lang="en-US" altLang="zh-CN" sz="1800" dirty="0"/>
+          </a:p>
+          <a:p>
+            <a:pPr marL="457200" lvl="1" indent="0">
+              <a:buNone/>
+            </a:pPr>
+            <a:r>
+              <a:rPr lang="en-US" altLang="zh-CN" sz="1800" dirty="0"/>
+              <a:t>《Linux Shell Script </a:t>
+            </a:r>
+            <a:r>
+              <a:rPr lang="en-US" altLang="zh-CN" sz="1800" dirty="0" err="1"/>
+              <a:t>Coobook</a:t>
+            </a:r>
+            <a:r>
+              <a:rPr lang="en-US" altLang="zh-CN" sz="1800" dirty="0"/>
+              <a:t>》 by </a:t>
+            </a:r>
+            <a:r>
+              <a:rPr lang="en-US" altLang="zh-CN" sz="1800" dirty="0" err="1"/>
+              <a:t>Sarath</a:t>
+            </a:r>
+            <a:r>
+              <a:rPr lang="en-US" altLang="zh-CN" sz="1800" dirty="0"/>
+              <a:t> Lakshman</a:t>
+            </a:r>
+            <a:r>
+              <a:rPr lang="zh-CN" altLang="en-US" sz="1800" dirty="0"/>
+              <a:t>。</a:t>
+            </a:r>
+            <a:endParaRPr lang="en-US" altLang="zh-CN" sz="1800" dirty="0"/>
           </a:p>
         </p:txBody>
       </p:sp>
@@ -7889,9 +8975,6 @@
             <a:endParaRPr lang="en-US" altLang="zh-CN" sz="2000" dirty="0"/>
           </a:p>
           <a:p>
-            <a:endParaRPr lang="en-US" altLang="zh-CN" sz="2000" dirty="0"/>
-          </a:p>
-          <a:p>
             <a:r>
               <a:rPr lang="en-US" altLang="zh-CN" sz="2000" dirty="0"/>
               <a:t>a=`</a:t>
@@ -7971,6 +9054,18 @@
           </a:p>
           <a:p>
             <a:r>
+              <a:rPr lang="zh-CN" altLang="en-US" sz="2000" dirty="0"/>
+              <a:t>获取变量的值要用</a:t>
+            </a:r>
+            <a:r>
+              <a:rPr lang="en-US" altLang="zh-CN" sz="2000" dirty="0"/>
+              <a:t>$</a:t>
+            </a:r>
+            <a:r>
+              <a:rPr lang="zh-CN" altLang="en-US" sz="2000" dirty="0"/>
+              <a:t>，</a:t>
+            </a:r>
+            <a:r>
               <a:rPr lang="en-US" altLang="zh-CN" sz="2000" dirty="0"/>
               <a:t>echo $a</a:t>
             </a:r>
@@ -8044,7 +9139,15 @@
             </a:r>
             <a:r>
               <a:rPr lang="zh-CN" altLang="en-US" sz="2000" dirty="0"/>
-              <a:t>’这段文本。</a:t>
+              <a:t>’这段文本。变量的值可以用双引号</a:t>
+            </a:r>
+            <a:r>
+              <a:rPr lang="en-US" altLang="zh-CN" sz="2000" dirty="0"/>
+              <a:t>/</a:t>
+            </a:r>
+            <a:r>
+              <a:rPr lang="zh-CN" altLang="en-US" sz="2000" dirty="0"/>
+              <a:t>单引号括起来，包含空格的变量就必须要这么做。</a:t>
             </a:r>
             <a:endParaRPr lang="en-US" altLang="zh-CN" sz="2000" dirty="0"/>
           </a:p>
@@ -8106,7 +9209,7 @@
           <a:p>
             <a:r>
               <a:rPr lang="zh-CN" altLang="en-US" dirty="0"/>
-              <a:t>只读变量</a:t>
+              <a:t>变量查看与清除</a:t>
             </a:r>
           </a:p>
         </p:txBody>
@@ -8129,107 +9232,72 @@
         </p:nvSpPr>
         <p:spPr/>
         <p:txBody>
-          <a:bodyPr>
-            <a:normAutofit/>
-          </a:bodyPr>
-          <a:lstStyle/>
-          <a:p>
-            <a:pPr>
-              <a:lnSpc>
-                <a:spcPct val="120000"/>
-              </a:lnSpc>
-            </a:pPr>
-            <a:r>
-              <a:rPr lang="zh-CN" altLang="en-US" sz="2000" dirty="0"/>
-              <a:t>变量设置后，是可以修改值的：</a:t>
-            </a:r>
-            <a:r>
-              <a:rPr lang="en-US" altLang="zh-CN" sz="2000" dirty="0"/>
-              <a:t>a=12; a=13</a:t>
-            </a:r>
-            <a:r>
-              <a:rPr lang="zh-CN" altLang="en-US" sz="2000" dirty="0"/>
-              <a:t>，此时</a:t>
-            </a:r>
-            <a:r>
-              <a:rPr lang="en-US" altLang="zh-CN" sz="2000" dirty="0"/>
-              <a:t>a</a:t>
-            </a:r>
-            <a:r>
-              <a:rPr lang="zh-CN" altLang="en-US" sz="2000" dirty="0"/>
-              <a:t>的值就是</a:t>
-            </a:r>
-            <a:r>
-              <a:rPr lang="en-US" altLang="zh-CN" sz="2000" dirty="0"/>
-              <a:t>13</a:t>
-            </a:r>
-          </a:p>
-          <a:p>
-            <a:pPr>
-              <a:lnSpc>
-                <a:spcPct val="120000"/>
-              </a:lnSpc>
-            </a:pPr>
+          <a:bodyPr/>
+          <a:lstStyle/>
+          <a:p>
+            <a:r>
+              <a:rPr lang="zh-CN" altLang="en-US" sz="2000" dirty="0"/>
+              <a:t>用</a:t>
+            </a:r>
+            <a:r>
+              <a:rPr lang="en-US" altLang="zh-CN" sz="2000" dirty="0"/>
+              <a:t>set</a:t>
+            </a:r>
+            <a:r>
+              <a:rPr lang="zh-CN" altLang="en-US" sz="2000" dirty="0"/>
+              <a:t>命令可以查看所有的变量。</a:t>
+            </a:r>
             <a:endParaRPr lang="en-US" altLang="zh-CN" sz="2000" dirty="0"/>
           </a:p>
           <a:p>
-            <a:pPr>
-              <a:lnSpc>
-                <a:spcPct val="120000"/>
-              </a:lnSpc>
-            </a:pPr>
+            <a:endParaRPr lang="en-US" altLang="zh-CN" sz="2000" dirty="0"/>
+          </a:p>
+          <a:p>
+            <a:r>
+              <a:rPr lang="zh-CN" altLang="en-US" sz="2000" dirty="0"/>
+              <a:t>可以使用 </a:t>
+            </a:r>
+            <a:r>
+              <a:rPr lang="en-US" altLang="zh-CN" sz="2000" dirty="0"/>
+              <a:t>set  | grep </a:t>
+            </a:r>
             <a:r>
               <a:rPr lang="en-US" altLang="zh-CN" sz="2000" dirty="0" err="1"/>
-              <a:t>readonly</a:t>
-            </a:r>
-            <a:r>
-              <a:rPr lang="zh-CN" altLang="en-US" sz="2000" dirty="0"/>
-              <a:t>把变量设置为只读：</a:t>
-            </a:r>
-            <a:r>
-              <a:rPr lang="en-US" altLang="zh-CN" sz="2000" dirty="0" err="1"/>
-              <a:t>readonly</a:t>
-            </a:r>
-            <a:r>
-              <a:rPr lang="en-US" altLang="zh-CN" sz="2000" dirty="0"/>
-              <a:t>  a</a:t>
-            </a:r>
-          </a:p>
-          <a:p>
-            <a:pPr>
-              <a:lnSpc>
-                <a:spcPct val="120000"/>
-              </a:lnSpc>
-            </a:pPr>
+              <a:t>linux</a:t>
+            </a:r>
+            <a:r>
+              <a:rPr lang="en-US" altLang="zh-CN" sz="2000" dirty="0"/>
+              <a:t> </a:t>
+            </a:r>
+            <a:r>
+              <a:rPr lang="zh-CN" altLang="en-US" sz="2000" dirty="0"/>
+              <a:t>进行搜索</a:t>
+            </a:r>
             <a:endParaRPr lang="en-US" altLang="zh-CN" sz="2000" dirty="0"/>
           </a:p>
           <a:p>
-            <a:pPr>
-              <a:lnSpc>
-                <a:spcPct val="120000"/>
-              </a:lnSpc>
-            </a:pPr>
-            <a:r>
-              <a:rPr lang="zh-CN" altLang="en-US" sz="2000" dirty="0"/>
-              <a:t>但是设置之后，只读变量就无法更改和取消。除非重置</a:t>
-            </a:r>
-            <a:r>
-              <a:rPr lang="en-US" altLang="zh-CN" sz="2000" dirty="0"/>
-              <a:t>shell</a:t>
-            </a:r>
-            <a:r>
-              <a:rPr lang="zh-CN" altLang="en-US" sz="2000" dirty="0"/>
-              <a:t>环境。</a:t>
-            </a:r>
             <a:endParaRPr lang="en-US" altLang="zh-CN" sz="2000" dirty="0"/>
           </a:p>
           <a:p>
-            <a:pPr marL="0" indent="0">
-              <a:lnSpc>
-                <a:spcPct val="120000"/>
-              </a:lnSpc>
-              <a:buNone/>
-            </a:pPr>
+            <a:r>
+              <a:rPr lang="en-US" altLang="zh-CN" sz="2000" dirty="0"/>
+              <a:t>unset VAR</a:t>
+            </a:r>
+            <a:r>
+              <a:rPr lang="zh-CN" altLang="en-US" sz="2000" dirty="0"/>
+              <a:t>命令可以清除变量</a:t>
+            </a:r>
+            <a:r>
+              <a:rPr lang="en-US" altLang="zh-CN" sz="2000" dirty="0"/>
+              <a:t>VAR</a:t>
+            </a:r>
+            <a:r>
+              <a:rPr lang="zh-CN" altLang="en-US" sz="2000" dirty="0"/>
+              <a:t>，相当于没有定义过。使用空格分隔多个变量。</a:t>
+            </a:r>
+            <a:endParaRPr lang="en-US" altLang="zh-CN" sz="2000" dirty="0"/>
+          </a:p>
+          <a:p>
             <a:endParaRPr lang="en-US" altLang="zh-CN" sz="2000" dirty="0"/>
           </a:p>
         </p:txBody>
@@ -8237,7 +9305,7 @@
     </p:spTree>
     <p:extLst>
       <p:ext uri="{BB962C8B-B14F-4D97-AF65-F5344CB8AC3E}">
-        <p14:creationId xmlns:p14="http://schemas.microsoft.com/office/powerpoint/2010/main" val="510605507"/>
+        <p14:creationId xmlns:p14="http://schemas.microsoft.com/office/powerpoint/2010/main" val="1973688764"/>
       </p:ext>
     </p:extLst>
   </p:cSld>
@@ -8287,7 +9355,7 @@
           <a:p>
             <a:r>
               <a:rPr lang="zh-CN" altLang="en-US" dirty="0"/>
-              <a:t>算数运算</a:t>
+              <a:t>只读变量</a:t>
             </a:r>
           </a:p>
         </p:txBody>
@@ -8310,76 +9378,105 @@
         </p:nvSpPr>
         <p:spPr/>
         <p:txBody>
-          <a:bodyPr/>
-          <a:lstStyle/>
-          <a:p>
+          <a:bodyPr>
+            <a:normAutofit/>
+          </a:bodyPr>
+          <a:lstStyle/>
+          <a:p>
+            <a:pPr>
+              <a:lnSpc>
+                <a:spcPct val="120000"/>
+              </a:lnSpc>
+            </a:pPr>
+            <a:r>
+              <a:rPr lang="zh-CN" altLang="en-US" sz="2000" dirty="0"/>
+              <a:t>变量设置后，是可以修改值的：</a:t>
+            </a:r>
+            <a:r>
+              <a:rPr lang="en-US" altLang="zh-CN" sz="2000" dirty="0"/>
+              <a:t>a=12; a=13</a:t>
+            </a:r>
+            <a:r>
+              <a:rPr lang="zh-CN" altLang="en-US" sz="2000" dirty="0"/>
+              <a:t>，此时</a:t>
+            </a:r>
+            <a:r>
+              <a:rPr lang="en-US" altLang="zh-CN" sz="2000" dirty="0"/>
+              <a:t>a</a:t>
+            </a:r>
+            <a:r>
+              <a:rPr lang="zh-CN" altLang="en-US" sz="2000" dirty="0"/>
+              <a:t>的值就是</a:t>
+            </a:r>
+            <a:r>
+              <a:rPr lang="en-US" altLang="zh-CN" sz="2000" dirty="0"/>
+              <a:t>13</a:t>
+            </a:r>
+          </a:p>
+          <a:p>
+            <a:pPr>
+              <a:lnSpc>
+                <a:spcPct val="120000"/>
+              </a:lnSpc>
+            </a:pPr>
+            <a:endParaRPr lang="en-US" altLang="zh-CN" sz="2000" dirty="0"/>
+          </a:p>
+          <a:p>
+            <a:pPr>
+              <a:lnSpc>
+                <a:spcPct val="120000"/>
+              </a:lnSpc>
+            </a:pPr>
+            <a:r>
+              <a:rPr lang="en-US" altLang="zh-CN" sz="2000" dirty="0" err="1"/>
+              <a:t>readonly</a:t>
+            </a:r>
+            <a:r>
+              <a:rPr lang="zh-CN" altLang="en-US" sz="2000" dirty="0"/>
+              <a:t>把变量设置为只读：</a:t>
+            </a:r>
+            <a:r>
+              <a:rPr lang="en-US" altLang="zh-CN" sz="2000" dirty="0" err="1"/>
+              <a:t>readonly</a:t>
+            </a:r>
+            <a:r>
+              <a:rPr lang="en-US" altLang="zh-CN" sz="2000" dirty="0"/>
+              <a:t>  a</a:t>
+            </a:r>
+          </a:p>
+          <a:p>
+            <a:pPr>
+              <a:lnSpc>
+                <a:spcPct val="120000"/>
+              </a:lnSpc>
+            </a:pPr>
+            <a:endParaRPr lang="en-US" altLang="zh-CN" sz="2000" dirty="0"/>
+          </a:p>
+          <a:p>
+            <a:pPr>
+              <a:lnSpc>
+                <a:spcPct val="120000"/>
+              </a:lnSpc>
+            </a:pPr>
+            <a:r>
+              <a:rPr lang="zh-CN" altLang="en-US" sz="2000" dirty="0"/>
+              <a:t>但是设置之后，只读变量就无法更改和清除。除非重置</a:t>
+            </a:r>
             <a:r>
               <a:rPr lang="en-US" altLang="zh-CN" sz="2000" dirty="0"/>
               <a:t>shell</a:t>
             </a:r>
             <a:r>
               <a:rPr lang="zh-CN" altLang="en-US" sz="2000" dirty="0"/>
-              <a:t>支持算术运算，并且</a:t>
-            </a:r>
-            <a:r>
-              <a:rPr lang="en-US" altLang="zh-CN" sz="2000" dirty="0"/>
-              <a:t>shell</a:t>
-            </a:r>
-            <a:r>
-              <a:rPr lang="zh-CN" altLang="en-US" sz="2000" dirty="0"/>
-              <a:t>会对</a:t>
-            </a:r>
-            <a:r>
-              <a:rPr lang="en-US" altLang="zh-CN" sz="2000" dirty="0"/>
-              <a:t>$((····))</a:t>
-            </a:r>
-            <a:r>
-              <a:rPr lang="zh-CN" altLang="en-US" sz="2000" dirty="0"/>
-              <a:t>里的算数表达式进行运算。</a:t>
+              <a:t>环境。</a:t>
             </a:r>
             <a:endParaRPr lang="en-US" altLang="zh-CN" sz="2000" dirty="0"/>
           </a:p>
           <a:p>
-            <a:pPr marL="914400" lvl="2" indent="0">
-              <a:buNone/>
-            </a:pPr>
-            <a:r>
-              <a:rPr lang="en-US" altLang="zh-CN" dirty="0"/>
-              <a:t>a=12;b=14</a:t>
-            </a:r>
-          </a:p>
-          <a:p>
-            <a:pPr marL="914400" lvl="2" indent="0">
-              <a:buNone/>
-            </a:pPr>
-            <a:endParaRPr lang="en-US" altLang="zh-CN" dirty="0"/>
-          </a:p>
-          <a:p>
-            <a:pPr marL="914400" lvl="2" indent="0">
-              <a:buNone/>
-            </a:pPr>
-            <a:r>
-              <a:rPr lang="en-US" altLang="zh-CN" dirty="0"/>
-              <a:t>x=$(($a+$b))</a:t>
-            </a:r>
-          </a:p>
-          <a:p>
-            <a:pPr marL="914400" lvl="2" indent="0">
-              <a:buNone/>
-            </a:pPr>
-            <a:endParaRPr lang="en-US" altLang="zh-CN" dirty="0"/>
-          </a:p>
-          <a:p>
-            <a:pPr marL="914400" lvl="2" indent="0">
-              <a:buNone/>
-            </a:pPr>
-            <a:r>
-              <a:rPr lang="en-US" altLang="zh-CN" dirty="0"/>
-              <a:t>echo  $x</a:t>
-            </a:r>
-          </a:p>
-          <a:p>
             <a:pPr marL="0" indent="0">
+              <a:lnSpc>
+                <a:spcPct val="120000"/>
+              </a:lnSpc>
               <a:buNone/>
             </a:pPr>
             <a:endParaRPr lang="en-US" altLang="zh-CN" sz="2000" dirty="0"/>
@@ -8389,7 +9486,7 @@
     </p:spTree>
     <p:extLst>
       <p:ext uri="{BB962C8B-B14F-4D97-AF65-F5344CB8AC3E}">
-        <p14:creationId xmlns:p14="http://schemas.microsoft.com/office/powerpoint/2010/main" val="3129173604"/>
+        <p14:creationId xmlns:p14="http://schemas.microsoft.com/office/powerpoint/2010/main" val="510605507"/>
       </p:ext>
     </p:extLst>
   </p:cSld>
@@ -8421,7 +9518,7 @@
           <p:cNvPr id="2" name="标题 1">
             <a:extLst>
               <a:ext uri="{FF2B5EF4-FFF2-40B4-BE49-F238E27FC236}">
-                <a16:creationId xmlns:a16="http://schemas.microsoft.com/office/drawing/2014/main" id="{5C87EE67-1862-47A3-8368-16DC248FDC44}"/>
+                <a16:creationId xmlns:a16="http://schemas.microsoft.com/office/drawing/2014/main" id="{8B88BACC-24DE-4087-9AB3-A099CF573089}"/>
               </a:ext>
             </a:extLst>
           </p:cNvPr>
@@ -8439,7 +9536,7 @@
           <a:p>
             <a:r>
               <a:rPr lang="zh-CN" altLang="en-US" dirty="0"/>
-              <a:t>逻辑运算</a:t>
+              <a:t>算数运算</a:t>
             </a:r>
           </a:p>
         </p:txBody>
@@ -8449,7 +9546,7 @@
           <p:cNvPr id="3" name="内容占位符 2">
             <a:extLst>
               <a:ext uri="{FF2B5EF4-FFF2-40B4-BE49-F238E27FC236}">
-                <a16:creationId xmlns:a16="http://schemas.microsoft.com/office/drawing/2014/main" id="{21958A92-EFCF-4BD4-840B-8945E4435A10}"/>
+                <a16:creationId xmlns:a16="http://schemas.microsoft.com/office/drawing/2014/main" id="{0A1C6B17-780B-4799-8193-E52FD817AC0E}"/>
               </a:ext>
             </a:extLst>
           </p:cNvPr>
@@ -8462,186 +9559,150 @@
         </p:nvSpPr>
         <p:spPr/>
         <p:txBody>
-          <a:bodyPr>
-            <a:normAutofit/>
-          </a:bodyPr>
-          <a:lstStyle/>
-          <a:p>
-            <a:r>
-              <a:rPr lang="zh-CN" altLang="en-US" sz="2000" dirty="0"/>
-              <a:t>逻辑运算：</a:t>
-            </a:r>
-            <a:r>
-              <a:rPr lang="en-US" altLang="zh-CN" sz="2000" dirty="0"/>
-              <a:t>&amp;&amp;</a:t>
-            </a:r>
-            <a:r>
-              <a:rPr lang="zh-CN" altLang="en-US" sz="2000" dirty="0"/>
-              <a:t>，</a:t>
-            </a:r>
-            <a:r>
-              <a:rPr lang="en-US" altLang="zh-CN" sz="2000" dirty="0"/>
-              <a:t>||</a:t>
-            </a:r>
-            <a:r>
-              <a:rPr lang="zh-CN" altLang="en-US" sz="2000" dirty="0"/>
-              <a:t>， </a:t>
-            </a:r>
-            <a:r>
-              <a:rPr lang="en-US" altLang="zh-CN" sz="2000" dirty="0"/>
-              <a:t>!</a:t>
-            </a:r>
-            <a:r>
-              <a:rPr lang="zh-CN" altLang="en-US" sz="2000" dirty="0"/>
-              <a:t>。分别是</a:t>
-            </a:r>
-            <a:r>
-              <a:rPr lang="en-US" altLang="zh-CN" sz="2000" dirty="0"/>
-              <a:t>AND</a:t>
-            </a:r>
-            <a:r>
-              <a:rPr lang="zh-CN" altLang="en-US" sz="2000" dirty="0"/>
-              <a:t>，</a:t>
-            </a:r>
-            <a:r>
-              <a:rPr lang="en-US" altLang="zh-CN" sz="2000" dirty="0"/>
-              <a:t>OR</a:t>
-            </a:r>
-            <a:r>
-              <a:rPr lang="zh-CN" altLang="en-US" sz="2000" dirty="0"/>
-              <a:t>，</a:t>
-            </a:r>
-            <a:r>
-              <a:rPr lang="en-US" altLang="zh-CN" sz="2000" dirty="0"/>
-              <a:t>NOT</a:t>
-            </a:r>
-            <a:r>
-              <a:rPr lang="zh-CN" altLang="en-US" sz="2000" dirty="0"/>
+          <a:bodyPr/>
+          <a:lstStyle/>
+          <a:p>
+            <a:r>
+              <a:rPr lang="en-US" altLang="zh-CN" sz="2000" dirty="0"/>
+              <a:t>shell</a:t>
+            </a:r>
+            <a:r>
+              <a:rPr lang="zh-CN" altLang="en-US" sz="2000" dirty="0"/>
+              <a:t>支持算术运算，并且</a:t>
+            </a:r>
+            <a:r>
+              <a:rPr lang="en-US" altLang="zh-CN" sz="2000" dirty="0"/>
+              <a:t>shell</a:t>
+            </a:r>
+            <a:r>
+              <a:rPr lang="zh-CN" altLang="en-US" sz="2000" dirty="0"/>
+              <a:t>会对</a:t>
+            </a:r>
+            <a:r>
+              <a:rPr lang="en-US" altLang="zh-CN" sz="2000" dirty="0"/>
+              <a:t>$((····))</a:t>
+            </a:r>
+            <a:r>
+              <a:rPr lang="zh-CN" altLang="en-US" sz="2000" dirty="0"/>
+              <a:t>里的算数表达式进行运算。</a:t>
+            </a:r>
+            <a:endParaRPr lang="en-US" altLang="zh-CN" sz="2000" dirty="0"/>
+          </a:p>
+          <a:p>
+            <a:pPr marL="914400" lvl="2" indent="0">
+              <a:buNone/>
+            </a:pPr>
+            <a:r>
+              <a:rPr lang="en-US" altLang="zh-CN" dirty="0"/>
+              <a:t>a=12;b=14</a:t>
+            </a:r>
+          </a:p>
+          <a:p>
+            <a:pPr marL="914400" lvl="2" indent="0">
+              <a:buNone/>
+            </a:pPr>
+            <a:endParaRPr lang="en-US" altLang="zh-CN" dirty="0"/>
+          </a:p>
+          <a:p>
+            <a:pPr marL="914400" lvl="2" indent="0">
+              <a:buNone/>
+            </a:pPr>
+            <a:r>
+              <a:rPr lang="en-US" altLang="zh-CN" dirty="0"/>
+              <a:t>x=$(($a+$b))</a:t>
+            </a:r>
+          </a:p>
+          <a:p>
+            <a:pPr marL="914400" lvl="2" indent="0">
+              <a:buNone/>
+            </a:pPr>
+            <a:endParaRPr lang="en-US" altLang="zh-CN" dirty="0"/>
+          </a:p>
+          <a:p>
+            <a:pPr marL="914400" lvl="2" indent="0">
+              <a:buNone/>
+            </a:pPr>
+            <a:r>
+              <a:rPr lang="en-US" altLang="zh-CN" dirty="0"/>
+              <a:t>echo  $x</a:t>
+            </a:r>
+          </a:p>
+          <a:p>
+            <a:pPr marL="914400" lvl="2" indent="0">
+              <a:buNone/>
+            </a:pPr>
+            <a:endParaRPr lang="en-US" altLang="zh-CN" dirty="0"/>
+          </a:p>
+          <a:p>
+            <a:pPr marL="914400" lvl="2" indent="0">
+              <a:buNone/>
+            </a:pPr>
+            <a:r>
+              <a:rPr lang="zh-CN" altLang="en-US" dirty="0"/>
+              <a:t>如果</a:t>
+            </a:r>
+            <a:r>
+              <a:rPr lang="en-US" altLang="zh-CN" dirty="0"/>
+              <a:t>b=12a</a:t>
+            </a:r>
+            <a:r>
+              <a:rPr lang="zh-CN" altLang="en-US" dirty="0"/>
+              <a:t>，此时会报错，但是如果以字母开头的文本，比如</a:t>
+            </a:r>
+            <a:r>
+              <a:rPr lang="en-US" altLang="zh-CN" dirty="0"/>
+              <a:t>b=a12</a:t>
+            </a:r>
+            <a:r>
+              <a:rPr lang="zh-CN" altLang="en-US" dirty="0"/>
+              <a:t>，则</a:t>
+            </a:r>
+            <a:r>
+              <a:rPr lang="en-US" altLang="zh-CN" dirty="0"/>
+              <a:t>x=$(($a+$b))</a:t>
+            </a:r>
+            <a:r>
+              <a:rPr lang="zh-CN" altLang="en-US" dirty="0"/>
+              <a:t>则直接就计算为</a:t>
+            </a:r>
+            <a:r>
+              <a:rPr lang="en-US" altLang="zh-CN" dirty="0"/>
+              <a:t>a</a:t>
+            </a:r>
+            <a:r>
+              <a:rPr lang="zh-CN" altLang="en-US" dirty="0"/>
+              <a:t>的数值，</a:t>
+            </a:r>
+            <a:r>
+              <a:rPr lang="en-US" altLang="zh-CN" dirty="0"/>
+              <a:t>b</a:t>
+            </a:r>
+            <a:r>
+              <a:rPr lang="zh-CN" altLang="en-US" dirty="0"/>
+              <a:t>转成数字为</a:t>
+            </a:r>
+            <a:r>
+              <a:rPr lang="en-US" altLang="zh-CN" dirty="0"/>
+              <a:t>0</a:t>
+            </a:r>
+            <a:r>
+              <a:rPr lang="zh-CN" altLang="en-US" dirty="0"/>
               <a:t>。</a:t>
             </a:r>
+            <a:endParaRPr lang="en-US" altLang="zh-CN" dirty="0"/>
+          </a:p>
+          <a:p>
+            <a:pPr marL="0" indent="0">
+              <a:buNone/>
+            </a:pPr>
             <a:endParaRPr lang="en-US" altLang="zh-CN" sz="2000" dirty="0"/>
-          </a:p>
-          <a:p>
-            <a:endParaRPr lang="en-US" altLang="zh-CN" sz="2000" dirty="0"/>
-          </a:p>
-          <a:p>
-            <a:r>
-              <a:rPr lang="zh-CN" altLang="en-US" sz="2000" dirty="0"/>
-              <a:t>对逻辑运算来说，任何非</a:t>
-            </a:r>
-            <a:r>
-              <a:rPr lang="en-US" altLang="zh-CN" sz="2000" dirty="0"/>
-              <a:t>0</a:t>
-            </a:r>
-            <a:r>
-              <a:rPr lang="zh-CN" altLang="en-US" sz="2000" dirty="0"/>
-              <a:t>值都是真。</a:t>
-            </a:r>
-            <a:endParaRPr lang="en-US" altLang="zh-CN" sz="2000" dirty="0"/>
-          </a:p>
-          <a:p>
-            <a:endParaRPr lang="en-US" altLang="zh-CN" sz="2000" dirty="0"/>
-          </a:p>
-          <a:p>
-            <a:r>
-              <a:rPr lang="zh-CN" altLang="en-US" sz="2000" dirty="0"/>
-              <a:t>示例：</a:t>
-            </a:r>
-            <a:r>
-              <a:rPr lang="en-US" altLang="zh-CN" sz="2000" dirty="0"/>
-              <a:t>echo  $((1&amp;&amp;0))  ;  echo $(( 2 || 0))</a:t>
-            </a:r>
-          </a:p>
-          <a:p>
-            <a:endParaRPr lang="en-US" altLang="zh-CN" sz="2000" dirty="0"/>
-          </a:p>
-          <a:p>
-            <a:r>
-              <a:rPr lang="zh-CN" altLang="en-US" sz="2000" dirty="0"/>
-              <a:t>非数字格式逻辑运算：</a:t>
-            </a:r>
-            <a:endParaRPr lang="en-US" altLang="zh-CN" sz="2000" dirty="0"/>
-          </a:p>
-          <a:p>
-            <a:pPr marL="457200" lvl="1" indent="0">
-              <a:buNone/>
-            </a:pPr>
-            <a:r>
-              <a:rPr lang="en-US" altLang="zh-CN" sz="1800" dirty="0"/>
-              <a:t>b=</a:t>
-            </a:r>
-            <a:r>
-              <a:rPr lang="en-US" altLang="zh-CN" sz="1800" dirty="0" err="1"/>
-              <a:t>abc</a:t>
-            </a:r>
-            <a:endParaRPr lang="en-US" altLang="zh-CN" sz="1800" dirty="0"/>
-          </a:p>
-          <a:p>
-            <a:pPr marL="457200" lvl="1" indent="0">
-              <a:buNone/>
-            </a:pPr>
-            <a:r>
-              <a:rPr lang="en-US" altLang="zh-CN" sz="1800" dirty="0"/>
-              <a:t>echo  $(( 1 &amp;&amp; $b ))  //</a:t>
-            </a:r>
-            <a:r>
-              <a:rPr lang="zh-CN" altLang="en-US" sz="1800" dirty="0"/>
-              <a:t>输出是</a:t>
-            </a:r>
-            <a:r>
-              <a:rPr lang="en-US" altLang="zh-CN" sz="1800" dirty="0"/>
-              <a:t>0</a:t>
-            </a:r>
-          </a:p>
-          <a:p>
-            <a:pPr marL="457200" lvl="1" indent="0">
-              <a:buNone/>
-            </a:pPr>
-            <a:r>
-              <a:rPr lang="en-US" altLang="zh-CN" sz="1800" dirty="0"/>
-              <a:t>/</a:t>
-            </a:r>
-            <a:r>
-              <a:rPr lang="zh-CN" altLang="en-US" sz="1800" dirty="0"/>
-              <a:t>*************</a:t>
-            </a:r>
-            <a:r>
-              <a:rPr lang="en-US" altLang="zh-CN" sz="1800" dirty="0"/>
-              <a:t>/</a:t>
-            </a:r>
-          </a:p>
-          <a:p>
-            <a:pPr marL="457200" lvl="1" indent="0">
-              <a:buNone/>
-            </a:pPr>
-            <a:r>
-              <a:rPr lang="en-US" altLang="zh-CN" sz="1800" dirty="0"/>
-              <a:t>b=12a</a:t>
-            </a:r>
-          </a:p>
-          <a:p>
-            <a:pPr marL="457200" lvl="1" indent="0">
-              <a:buNone/>
-            </a:pPr>
-            <a:r>
-              <a:rPr lang="en-US" altLang="zh-CN" sz="1800" dirty="0"/>
-              <a:t>echo $(( 1 &amp;&amp; $b)) //</a:t>
-            </a:r>
-            <a:r>
-              <a:rPr lang="zh-CN" altLang="en-US" sz="1800" dirty="0"/>
-              <a:t>提示错误</a:t>
-            </a:r>
-            <a:endParaRPr lang="en-US" altLang="zh-CN" sz="1800" dirty="0"/>
-          </a:p>
-          <a:p>
-            <a:endParaRPr lang="zh-CN" altLang="en-US" sz="2000" dirty="0"/>
           </a:p>
         </p:txBody>
       </p:sp>
     </p:spTree>
     <p:extLst>
       <p:ext uri="{BB962C8B-B14F-4D97-AF65-F5344CB8AC3E}">
-        <p14:creationId xmlns:p14="http://schemas.microsoft.com/office/powerpoint/2010/main" val="1261303279"/>
+        <p14:creationId xmlns:p14="http://schemas.microsoft.com/office/powerpoint/2010/main" val="3129173604"/>
       </p:ext>
     </p:extLst>
   </p:cSld>
@@ -8673,7 +9734,7 @@
           <p:cNvPr id="2" name="标题 1">
             <a:extLst>
               <a:ext uri="{FF2B5EF4-FFF2-40B4-BE49-F238E27FC236}">
-                <a16:creationId xmlns:a16="http://schemas.microsoft.com/office/drawing/2014/main" id="{0C00CA4B-9B33-4A7A-B5C8-EBEFD26C924A}"/>
+                <a16:creationId xmlns:a16="http://schemas.microsoft.com/office/drawing/2014/main" id="{5C87EE67-1862-47A3-8368-16DC248FDC44}"/>
               </a:ext>
             </a:extLst>
           </p:cNvPr>
@@ -8691,7 +9752,7 @@
           <a:p>
             <a:r>
               <a:rPr lang="zh-CN" altLang="en-US" dirty="0"/>
-              <a:t>放进环境变量</a:t>
+              <a:t>逻辑运算</a:t>
             </a:r>
           </a:p>
         </p:txBody>
@@ -8701,7 +9762,7 @@
           <p:cNvPr id="3" name="内容占位符 2">
             <a:extLst>
               <a:ext uri="{FF2B5EF4-FFF2-40B4-BE49-F238E27FC236}">
-                <a16:creationId xmlns:a16="http://schemas.microsoft.com/office/drawing/2014/main" id="{D9310E58-FE8C-494D-B407-80E802EA0D90}"/>
+                <a16:creationId xmlns:a16="http://schemas.microsoft.com/office/drawing/2014/main" id="{21958A92-EFCF-4BD4-840B-8945E4435A10}"/>
               </a:ext>
             </a:extLst>
           </p:cNvPr>
@@ -8714,20 +9775,62 @@
         </p:nvSpPr>
         <p:spPr/>
         <p:txBody>
-          <a:bodyPr/>
-          <a:lstStyle/>
-          <a:p>
-            <a:r>
-              <a:rPr lang="zh-CN" altLang="en-US" sz="2000" dirty="0"/>
-              <a:t>环境变量是全局存在的，在任何</a:t>
-            </a:r>
-            <a:r>
-              <a:rPr lang="en-US" altLang="zh-CN" sz="2000" dirty="0"/>
-              <a:t>shell</a:t>
-            </a:r>
-            <a:r>
-              <a:rPr lang="zh-CN" altLang="en-US" sz="2000" dirty="0"/>
-              <a:t>脚本中都可以直接使用。</a:t>
+          <a:bodyPr>
+            <a:normAutofit/>
+          </a:bodyPr>
+          <a:lstStyle/>
+          <a:p>
+            <a:r>
+              <a:rPr lang="zh-CN" altLang="en-US" sz="2000" dirty="0"/>
+              <a:t>逻辑运算：</a:t>
+            </a:r>
+            <a:r>
+              <a:rPr lang="en-US" altLang="zh-CN" sz="2000" dirty="0"/>
+              <a:t>&amp;&amp;</a:t>
+            </a:r>
+            <a:r>
+              <a:rPr lang="zh-CN" altLang="en-US" sz="2000" dirty="0"/>
+              <a:t>，</a:t>
+            </a:r>
+            <a:r>
+              <a:rPr lang="en-US" altLang="zh-CN" sz="2000" dirty="0"/>
+              <a:t>||</a:t>
+            </a:r>
+            <a:r>
+              <a:rPr lang="zh-CN" altLang="en-US" sz="2000" dirty="0"/>
+              <a:t>， </a:t>
+            </a:r>
+            <a:r>
+              <a:rPr lang="en-US" altLang="zh-CN" sz="2000" dirty="0"/>
+              <a:t>!</a:t>
+            </a:r>
+            <a:r>
+              <a:rPr lang="zh-CN" altLang="en-US" sz="2000" dirty="0"/>
+              <a:t>。分别是</a:t>
+            </a:r>
+            <a:r>
+              <a:rPr lang="en-US" altLang="zh-CN" sz="2000" dirty="0"/>
+              <a:t>AND</a:t>
+            </a:r>
+            <a:r>
+              <a:rPr lang="zh-CN" altLang="en-US" sz="2000" dirty="0"/>
+              <a:t>，</a:t>
+            </a:r>
+            <a:r>
+              <a:rPr lang="en-US" altLang="zh-CN" sz="2000" dirty="0"/>
+              <a:t>OR</a:t>
+            </a:r>
+            <a:r>
+              <a:rPr lang="zh-CN" altLang="en-US" sz="2000" dirty="0"/>
+              <a:t>，</a:t>
+            </a:r>
+            <a:r>
+              <a:rPr lang="en-US" altLang="zh-CN" sz="2000" dirty="0"/>
+              <a:t>NOT</a:t>
+            </a:r>
+            <a:r>
+              <a:rPr lang="zh-CN" altLang="en-US" sz="2000" dirty="0"/>
+              <a:t>。</a:t>
             </a:r>
             <a:endParaRPr lang="en-US" altLang="zh-CN" sz="2000" dirty="0"/>
           </a:p>
@@ -8737,55 +9840,71 @@
           <a:p>
             <a:r>
               <a:rPr lang="zh-CN" altLang="en-US" sz="2000" dirty="0"/>
-              <a:t>使用</a:t>
-            </a:r>
-            <a:r>
-              <a:rPr lang="en-US" altLang="zh-CN" sz="2000" dirty="0" err="1"/>
-              <a:t>env</a:t>
-            </a:r>
-            <a:r>
-              <a:rPr lang="zh-CN" altLang="en-US" sz="2000" dirty="0"/>
-              <a:t>查看环境变量。</a:t>
+              <a:t>对逻辑运算来说，任何非</a:t>
+            </a:r>
+            <a:r>
+              <a:rPr lang="en-US" altLang="zh-CN" sz="2000" dirty="0"/>
+              <a:t>0</a:t>
+            </a:r>
+            <a:r>
+              <a:rPr lang="zh-CN" altLang="en-US" sz="2000" dirty="0"/>
+              <a:t>值都是真。</a:t>
             </a:r>
             <a:endParaRPr lang="en-US" altLang="zh-CN" sz="2000" dirty="0"/>
           </a:p>
           <a:p>
-            <a:pPr marL="0" indent="0">
+            <a:endParaRPr lang="en-US" altLang="zh-CN" sz="2000" dirty="0"/>
+          </a:p>
+          <a:p>
+            <a:r>
+              <a:rPr lang="zh-CN" altLang="en-US" sz="2000" dirty="0"/>
+              <a:t>示例：</a:t>
+            </a:r>
+            <a:r>
+              <a:rPr lang="en-US" altLang="zh-CN" sz="2000" dirty="0"/>
+              <a:t>echo  $((1&amp;&amp;0))  ;  echo $(( 2 || 0))</a:t>
+            </a:r>
+          </a:p>
+          <a:p>
+            <a:endParaRPr lang="en-US" altLang="zh-CN" sz="2000" dirty="0"/>
+          </a:p>
+          <a:p>
+            <a:r>
+              <a:rPr lang="zh-CN" altLang="en-US" sz="2000" dirty="0"/>
+              <a:t>非数字格式逻辑运算：</a:t>
+            </a:r>
+            <a:endParaRPr lang="en-US" altLang="zh-CN" sz="2000" dirty="0"/>
+          </a:p>
+          <a:p>
+            <a:pPr marL="457200" lvl="1" indent="0">
               <a:buNone/>
             </a:pPr>
-            <a:endParaRPr lang="en-US" altLang="zh-CN" sz="2000" dirty="0"/>
-          </a:p>
-          <a:p>
-            <a:r>
-              <a:rPr lang="en-US" altLang="zh-CN" sz="2000" dirty="0"/>
-              <a:t>export  a</a:t>
-            </a:r>
-            <a:r>
-              <a:rPr lang="zh-CN" altLang="en-US" sz="2000" dirty="0"/>
-              <a:t>：把变量放到环境变量，环境变量是一个名称与值的简单列表。</a:t>
-            </a:r>
-            <a:endParaRPr lang="en-US" altLang="zh-CN" sz="2000" dirty="0"/>
-          </a:p>
-          <a:p>
-            <a:pPr marL="0" indent="0">
+            <a:r>
+              <a:rPr lang="en-US" altLang="zh-CN" sz="1800" dirty="0"/>
+              <a:t>b=</a:t>
+            </a:r>
+            <a:r>
+              <a:rPr lang="en-US" altLang="zh-CN" sz="1800" dirty="0" err="1"/>
+              <a:t>abc</a:t>
+            </a:r>
+            <a:endParaRPr lang="en-US" altLang="zh-CN" sz="1800" dirty="0"/>
+          </a:p>
+          <a:p>
+            <a:pPr marL="457200" lvl="1" indent="0">
               <a:buNone/>
             </a:pPr>
-            <a:endParaRPr lang="en-US" altLang="zh-CN" sz="2000" dirty="0"/>
-          </a:p>
-          <a:p>
-            <a:r>
-              <a:rPr lang="zh-CN" altLang="en-US" sz="2000" dirty="0"/>
-              <a:t>创建脚本</a:t>
-            </a:r>
-            <a:r>
-              <a:rPr lang="en-US" altLang="zh-CN" sz="2000" dirty="0"/>
-              <a:t>vartest.sh</a:t>
-            </a:r>
-            <a:r>
-              <a:rPr lang="zh-CN" altLang="en-US" sz="2000"/>
-              <a:t>写入以下代码，保存并设置可执行权限，查看运行结果：</a:t>
-            </a:r>
-            <a:endParaRPr lang="en-US" altLang="zh-CN" sz="2000" dirty="0"/>
+            <a:r>
+              <a:rPr lang="en-US" altLang="zh-CN" sz="1800" dirty="0"/>
+              <a:t>echo  $(( 1 &amp;&amp; $b ))  //</a:t>
+            </a:r>
+            <a:r>
+              <a:rPr lang="zh-CN" altLang="en-US" sz="1800" dirty="0"/>
+              <a:t>输出是</a:t>
+            </a:r>
+            <a:r>
+              <a:rPr lang="en-US" altLang="zh-CN" sz="1800" dirty="0"/>
+              <a:t>0</a:t>
+            </a:r>
           </a:p>
           <a:p>
             <a:pPr marL="457200" lvl="1" indent="0">
@@ -8793,23 +9912,24 @@
             </a:pPr>
             <a:r>
               <a:rPr lang="en-US" altLang="zh-CN" sz="1800" dirty="0"/>
-              <a:t>a=`</a:t>
-            </a:r>
-            <a:r>
-              <a:rPr lang="en-US" altLang="zh-CN" sz="1800" dirty="0" err="1"/>
-              <a:t>env</a:t>
+              <a:t>/</a:t>
+            </a:r>
+            <a:r>
+              <a:rPr lang="zh-CN" altLang="en-US" sz="1800" dirty="0"/>
+              <a:t>*************</a:t>
             </a:r>
             <a:r>
               <a:rPr lang="en-US" altLang="zh-CN" sz="1800" dirty="0"/>
-              <a:t> | grep  </a:t>
-            </a:r>
-            <a:r>
-              <a:rPr lang="en-US" altLang="zh-CN" sz="1800" dirty="0" err="1"/>
-              <a:t>linux</a:t>
-            </a:r>
+              <a:t>/</a:t>
+            </a:r>
+          </a:p>
+          <a:p>
+            <a:pPr marL="457200" lvl="1" indent="0">
+              <a:buNone/>
+            </a:pPr>
             <a:r>
               <a:rPr lang="en-US" altLang="zh-CN" sz="1800" dirty="0"/>
-              <a:t>`</a:t>
+              <a:t>b=12a</a:t>
             </a:r>
           </a:p>
           <a:p>
@@ -8817,97 +9937,24 @@
               <a:buNone/>
             </a:pPr>
             <a:r>
-              <a:rPr lang="en-US" altLang="zh-CN" sz="1800" dirty="0" err="1"/>
-              <a:t>linux</a:t>
-            </a:r>
-            <a:r>
               <a:rPr lang="en-US" altLang="zh-CN" sz="1800" dirty="0"/>
-              <a:t>=1</a:t>
-            </a:r>
-          </a:p>
-          <a:p>
-            <a:pPr marL="457200" lvl="1" indent="0">
-              <a:buNone/>
-            </a:pPr>
-            <a:r>
-              <a:rPr lang="en-US" altLang="zh-CN" sz="1800" dirty="0"/>
-              <a:t>export </a:t>
-            </a:r>
-            <a:r>
-              <a:rPr lang="en-US" altLang="zh-CN" sz="1800" dirty="0" err="1"/>
-              <a:t>linux</a:t>
+              <a:t>echo $(( 1 &amp;&amp; $b)) //</a:t>
+            </a:r>
+            <a:r>
+              <a:rPr lang="zh-CN" altLang="en-US" sz="1800" dirty="0"/>
+              <a:t>提示错误</a:t>
             </a:r>
             <a:endParaRPr lang="en-US" altLang="zh-CN" sz="1800" dirty="0"/>
           </a:p>
           <a:p>
-            <a:pPr marL="457200" lvl="1" indent="0">
-              <a:buNone/>
-            </a:pPr>
-            <a:r>
-              <a:rPr lang="en-US" altLang="zh-CN" sz="1800" dirty="0"/>
-              <a:t>b=`</a:t>
-            </a:r>
-            <a:r>
-              <a:rPr lang="en-US" altLang="zh-CN" sz="1800" dirty="0" err="1"/>
-              <a:t>env</a:t>
-            </a:r>
-            <a:r>
-              <a:rPr lang="en-US" altLang="zh-CN" sz="1800" dirty="0"/>
-              <a:t> | grep </a:t>
-            </a:r>
-            <a:r>
-              <a:rPr lang="en-US" altLang="zh-CN" sz="1800" dirty="0" err="1"/>
-              <a:t>linux</a:t>
-            </a:r>
-            <a:r>
-              <a:rPr lang="en-US" altLang="zh-CN" sz="1800" dirty="0"/>
-              <a:t>`</a:t>
-            </a:r>
-          </a:p>
-          <a:p>
-            <a:pPr marL="457200" lvl="1" indent="0">
-              <a:buNone/>
-            </a:pPr>
-            <a:r>
-              <a:rPr lang="en-US" altLang="zh-CN" sz="1800" dirty="0"/>
-              <a:t>echo “a :</a:t>
-            </a:r>
-            <a:r>
-              <a:rPr lang="zh-CN" altLang="en-US" sz="1800" dirty="0"/>
-              <a:t> </a:t>
-            </a:r>
-            <a:r>
-              <a:rPr lang="en-US" altLang="zh-CN" sz="1800" dirty="0"/>
-              <a:t>$a”</a:t>
-            </a:r>
-          </a:p>
-          <a:p>
-            <a:pPr marL="457200" lvl="1" indent="0">
-              <a:buNone/>
-            </a:pPr>
-            <a:r>
-              <a:rPr lang="en-US" altLang="zh-CN" sz="1800" dirty="0"/>
-              <a:t>echo “b : $b”</a:t>
-            </a:r>
-          </a:p>
-          <a:p>
-            <a:pPr marL="457200" lvl="1" indent="0">
-              <a:buNone/>
-            </a:pPr>
-            <a:endParaRPr lang="en-US" altLang="zh-CN" sz="1800" dirty="0"/>
-          </a:p>
-          <a:p>
-            <a:pPr marL="457200" lvl="1" indent="0">
-              <a:buNone/>
-            </a:pPr>
-            <a:endParaRPr lang="en-US" altLang="zh-CN" sz="1800" dirty="0"/>
+            <a:endParaRPr lang="zh-CN" altLang="en-US" sz="2000" dirty="0"/>
           </a:p>
         </p:txBody>
       </p:sp>
     </p:spTree>
     <p:extLst>
       <p:ext uri="{BB962C8B-B14F-4D97-AF65-F5344CB8AC3E}">
-        <p14:creationId xmlns:p14="http://schemas.microsoft.com/office/powerpoint/2010/main" val="3936334075"/>
+        <p14:creationId xmlns:p14="http://schemas.microsoft.com/office/powerpoint/2010/main" val="1261303279"/>
       </p:ext>
     </p:extLst>
   </p:cSld>

--- a/materials/slides/ch12-basic-shell-script-variables.pptx
+++ b/materials/slides/ch12-basic-shell-script-variables.pptx
@@ -7,17 +7,17 @@
   </p:sldMasterIdLst>
   <p:sldIdLst>
     <p:sldId id="260" r:id="rId3"/>
-    <p:sldId id="272" r:id="rId4"/>
-    <p:sldId id="261" r:id="rId5"/>
-    <p:sldId id="265" r:id="rId6"/>
-    <p:sldId id="269" r:id="rId7"/>
-    <p:sldId id="273" r:id="rId8"/>
-    <p:sldId id="268" r:id="rId9"/>
-    <p:sldId id="266" r:id="rId10"/>
-    <p:sldId id="270" r:id="rId11"/>
-    <p:sldId id="271" r:id="rId12"/>
-    <p:sldId id="275" r:id="rId13"/>
-    <p:sldId id="274" r:id="rId14"/>
+    <p:sldId id="261" r:id="rId4"/>
+    <p:sldId id="265" r:id="rId5"/>
+    <p:sldId id="269" r:id="rId6"/>
+    <p:sldId id="273" r:id="rId7"/>
+    <p:sldId id="268" r:id="rId8"/>
+    <p:sldId id="266" r:id="rId9"/>
+    <p:sldId id="270" r:id="rId10"/>
+    <p:sldId id="271" r:id="rId11"/>
+    <p:sldId id="275" r:id="rId12"/>
+    <p:sldId id="274" r:id="rId13"/>
+    <p:sldId id="272" r:id="rId14"/>
   </p:sldIdLst>
   <p:sldSz cx="12192000" cy="6858000"/>
   <p:notesSz cx="6858000" cy="9144000"/>
@@ -279,7 +279,7 @@
           <a:p>
             <a:fld id="{02E60DA2-A0BC-48C9-AA88-75C78721B420}" type="datetimeFigureOut">
               <a:rPr lang="zh-CN" altLang="en-US" smtClean="0"/>
-              <a:t>2018/3/1</a:t>
+              <a:t>2018/3/3</a:t>
             </a:fld>
             <a:endParaRPr lang="zh-CN" altLang="en-US"/>
           </a:p>
@@ -501,7 +501,7 @@
           <a:p>
             <a:fld id="{02E60DA2-A0BC-48C9-AA88-75C78721B420}" type="datetimeFigureOut">
               <a:rPr lang="zh-CN" altLang="en-US" smtClean="0"/>
-              <a:t>2018/3/1</a:t>
+              <a:t>2018/3/3</a:t>
             </a:fld>
             <a:endParaRPr lang="zh-CN" altLang="en-US"/>
           </a:p>
@@ -733,7 +733,7 @@
           <a:p>
             <a:fld id="{02E60DA2-A0BC-48C9-AA88-75C78721B420}" type="datetimeFigureOut">
               <a:rPr lang="zh-CN" altLang="en-US" smtClean="0"/>
-              <a:t>2018/3/1</a:t>
+              <a:t>2018/3/3</a:t>
             </a:fld>
             <a:endParaRPr lang="zh-CN" altLang="en-US"/>
           </a:p>
@@ -983,7 +983,7 @@
           <a:p>
             <a:fld id="{02E60DA2-A0BC-48C9-AA88-75C78721B420}" type="datetimeFigureOut">
               <a:rPr lang="zh-CN" altLang="en-US" smtClean="0"/>
-              <a:t>2018/3/1</a:t>
+              <a:t>2018/3/3</a:t>
             </a:fld>
             <a:endParaRPr lang="zh-CN" altLang="en-US"/>
           </a:p>
@@ -1221,7 +1221,7 @@
           <a:p>
             <a:fld id="{02E60DA2-A0BC-48C9-AA88-75C78721B420}" type="datetimeFigureOut">
               <a:rPr lang="zh-CN" altLang="en-US" smtClean="0"/>
-              <a:t>2018/3/1</a:t>
+              <a:t>2018/3/3</a:t>
             </a:fld>
             <a:endParaRPr lang="zh-CN" altLang="en-US"/>
           </a:p>
@@ -1526,7 +1526,7 @@
           <a:p>
             <a:fld id="{02E60DA2-A0BC-48C9-AA88-75C78721B420}" type="datetimeFigureOut">
               <a:rPr lang="zh-CN" altLang="en-US" smtClean="0"/>
-              <a:t>2018/3/1</a:t>
+              <a:t>2018/3/3</a:t>
             </a:fld>
             <a:endParaRPr lang="zh-CN" altLang="en-US"/>
           </a:p>
@@ -1829,7 +1829,7 @@
           <a:p>
             <a:fld id="{02E60DA2-A0BC-48C9-AA88-75C78721B420}" type="datetimeFigureOut">
               <a:rPr lang="zh-CN" altLang="en-US" smtClean="0"/>
-              <a:t>2018/3/1</a:t>
+              <a:t>2018/3/3</a:t>
             </a:fld>
             <a:endParaRPr lang="zh-CN" altLang="en-US"/>
           </a:p>
@@ -2280,7 +2280,7 @@
           <a:p>
             <a:fld id="{02E60DA2-A0BC-48C9-AA88-75C78721B420}" type="datetimeFigureOut">
               <a:rPr lang="zh-CN" altLang="en-US" smtClean="0"/>
-              <a:t>2018/3/1</a:t>
+              <a:t>2018/3/3</a:t>
             </a:fld>
             <a:endParaRPr lang="zh-CN" altLang="en-US"/>
           </a:p>
@@ -2453,7 +2453,7 @@
           <a:p>
             <a:fld id="{02E60DA2-A0BC-48C9-AA88-75C78721B420}" type="datetimeFigureOut">
               <a:rPr lang="zh-CN" altLang="en-US" smtClean="0"/>
-              <a:t>2018/3/1</a:t>
+              <a:t>2018/3/3</a:t>
             </a:fld>
             <a:endParaRPr lang="zh-CN" altLang="en-US"/>
           </a:p>
@@ -2590,7 +2590,7 @@
           <a:p>
             <a:fld id="{02E60DA2-A0BC-48C9-AA88-75C78721B420}" type="datetimeFigureOut">
               <a:rPr lang="zh-CN" altLang="en-US" smtClean="0"/>
-              <a:t>2018/3/1</a:t>
+              <a:t>2018/3/3</a:t>
             </a:fld>
             <a:endParaRPr lang="zh-CN" altLang="en-US"/>
           </a:p>
@@ -2934,7 +2934,7 @@
           <a:p>
             <a:fld id="{02E60DA2-A0BC-48C9-AA88-75C78721B420}" type="datetimeFigureOut">
               <a:rPr lang="zh-CN" altLang="en-US" smtClean="0"/>
-              <a:t>2018/3/1</a:t>
+              <a:t>2018/3/3</a:t>
             </a:fld>
             <a:endParaRPr lang="zh-CN" altLang="en-US"/>
           </a:p>
@@ -3156,7 +3156,7 @@
           <a:p>
             <a:fld id="{02E60DA2-A0BC-48C9-AA88-75C78721B420}" type="datetimeFigureOut">
               <a:rPr lang="zh-CN" altLang="en-US" smtClean="0"/>
-              <a:t>2018/3/1</a:t>
+              <a:t>2018/3/3</a:t>
             </a:fld>
             <a:endParaRPr lang="zh-CN" altLang="en-US"/>
           </a:p>
@@ -3477,7 +3477,7 @@
           <a:p>
             <a:fld id="{02E60DA2-A0BC-48C9-AA88-75C78721B420}" type="datetimeFigureOut">
               <a:rPr lang="zh-CN" altLang="en-US" smtClean="0"/>
-              <a:t>2018/3/1</a:t>
+              <a:t>2018/3/3</a:t>
             </a:fld>
             <a:endParaRPr lang="zh-CN" altLang="en-US"/>
           </a:p>
@@ -3715,7 +3715,7 @@
           <a:p>
             <a:fld id="{02E60DA2-A0BC-48C9-AA88-75C78721B420}" type="datetimeFigureOut">
               <a:rPr lang="zh-CN" altLang="en-US" smtClean="0"/>
-              <a:t>2018/3/1</a:t>
+              <a:t>2018/3/3</a:t>
             </a:fld>
             <a:endParaRPr lang="zh-CN" altLang="en-US"/>
           </a:p>
@@ -3953,7 +3953,7 @@
           <a:p>
             <a:fld id="{02E60DA2-A0BC-48C9-AA88-75C78721B420}" type="datetimeFigureOut">
               <a:rPr lang="zh-CN" altLang="en-US" smtClean="0"/>
-              <a:t>2018/3/1</a:t>
+              <a:t>2018/3/3</a:t>
             </a:fld>
             <a:endParaRPr lang="zh-CN" altLang="en-US"/>
           </a:p>
@@ -4252,7 +4252,7 @@
           <a:p>
             <a:fld id="{02E60DA2-A0BC-48C9-AA88-75C78721B420}" type="datetimeFigureOut">
               <a:rPr lang="zh-CN" altLang="en-US" smtClean="0"/>
-              <a:t>2018/3/1</a:t>
+              <a:t>2018/3/3</a:t>
             </a:fld>
             <a:endParaRPr lang="zh-CN" altLang="en-US"/>
           </a:p>
@@ -4541,7 +4541,7 @@
           <a:p>
             <a:fld id="{02E60DA2-A0BC-48C9-AA88-75C78721B420}" type="datetimeFigureOut">
               <a:rPr lang="zh-CN" altLang="en-US" smtClean="0"/>
-              <a:t>2018/3/1</a:t>
+              <a:t>2018/3/3</a:t>
             </a:fld>
             <a:endParaRPr lang="zh-CN" altLang="en-US"/>
           </a:p>
@@ -4977,7 +4977,7 @@
           <a:p>
             <a:fld id="{02E60DA2-A0BC-48C9-AA88-75C78721B420}" type="datetimeFigureOut">
               <a:rPr lang="zh-CN" altLang="en-US" smtClean="0"/>
-              <a:t>2018/3/1</a:t>
+              <a:t>2018/3/3</a:t>
             </a:fld>
             <a:endParaRPr lang="zh-CN" altLang="en-US"/>
           </a:p>
@@ -5142,7 +5142,7 @@
           <a:p>
             <a:fld id="{02E60DA2-A0BC-48C9-AA88-75C78721B420}" type="datetimeFigureOut">
               <a:rPr lang="zh-CN" altLang="en-US" smtClean="0"/>
-              <a:t>2018/3/1</a:t>
+              <a:t>2018/3/3</a:t>
             </a:fld>
             <a:endParaRPr lang="zh-CN" altLang="en-US"/>
           </a:p>
@@ -5279,7 +5279,7 @@
           <a:p>
             <a:fld id="{02E60DA2-A0BC-48C9-AA88-75C78721B420}" type="datetimeFigureOut">
               <a:rPr lang="zh-CN" altLang="en-US" smtClean="0"/>
-              <a:t>2018/3/1</a:t>
+              <a:t>2018/3/3</a:t>
             </a:fld>
             <a:endParaRPr lang="zh-CN" altLang="en-US"/>
           </a:p>
@@ -5614,7 +5614,7 @@
           <a:p>
             <a:fld id="{02E60DA2-A0BC-48C9-AA88-75C78721B420}" type="datetimeFigureOut">
               <a:rPr lang="zh-CN" altLang="en-US" smtClean="0"/>
-              <a:t>2018/3/1</a:t>
+              <a:t>2018/3/3</a:t>
             </a:fld>
             <a:endParaRPr lang="zh-CN" altLang="en-US"/>
           </a:p>
@@ -5926,7 +5926,7 @@
           <a:p>
             <a:fld id="{02E60DA2-A0BC-48C9-AA88-75C78721B420}" type="datetimeFigureOut">
               <a:rPr lang="zh-CN" altLang="en-US" smtClean="0"/>
-              <a:t>2018/3/1</a:t>
+              <a:t>2018/3/3</a:t>
             </a:fld>
             <a:endParaRPr lang="zh-CN" altLang="en-US"/>
           </a:p>
@@ -7075,8 +7075,9 @@
             <a:r>
               <a:rPr lang="zh-CN" altLang="en-US" sz="3600" dirty="0">
                 <a:solidFill>
-                  <a:schemeClr val="tx2">
-                    <a:lumMod val="50000"/>
+                  <a:schemeClr val="tx1">
+                    <a:lumMod val="95000"/>
+                    <a:lumOff val="5000"/>
                   </a:schemeClr>
                 </a:solidFill>
               </a:rPr>
@@ -7085,7 +7086,10 @@
             <a:r>
               <a:rPr lang="en-US" altLang="zh-CN" sz="3600" dirty="0">
                 <a:solidFill>
-                  <a:srgbClr val="C00000"/>
+                  <a:schemeClr val="tx1">
+                    <a:lumMod val="95000"/>
+                    <a:lumOff val="5000"/>
+                  </a:schemeClr>
                 </a:solidFill>
               </a:rPr>
               <a:t>shell</a:t>
@@ -7093,7 +7097,10 @@
             <a:r>
               <a:rPr lang="zh-CN" altLang="en-US" sz="3600" dirty="0">
                 <a:solidFill>
-                  <a:srgbClr val="C00000"/>
+                  <a:schemeClr val="tx1">
+                    <a:lumMod val="95000"/>
+                    <a:lumOff val="5000"/>
+                  </a:schemeClr>
                 </a:solidFill>
               </a:rPr>
               <a:t>脚本基础</a:t>
@@ -7101,7 +7108,10 @@
             <a:r>
               <a:rPr lang="en-US" altLang="zh-CN" sz="3600" dirty="0">
                 <a:solidFill>
-                  <a:srgbClr val="C00000"/>
+                  <a:schemeClr val="tx1">
+                    <a:lumMod val="95000"/>
+                    <a:lumOff val="5000"/>
+                  </a:schemeClr>
                 </a:solidFill>
               </a:rPr>
               <a:t>-</a:t>
@@ -7109,7 +7119,10 @@
             <a:r>
               <a:rPr lang="zh-CN" altLang="en-US" sz="3600" dirty="0">
                 <a:solidFill>
-                  <a:srgbClr val="C00000"/>
+                  <a:schemeClr val="tx1">
+                    <a:lumMod val="95000"/>
+                    <a:lumOff val="5000"/>
+                  </a:schemeClr>
                 </a:solidFill>
               </a:rPr>
               <a:t>变量</a:t>
@@ -7149,13 +7162,7 @@
       </p:grpSpPr>
       <p:sp>
         <p:nvSpPr>
-          <p:cNvPr id="2" name="标题 1">
-            <a:extLst>
-              <a:ext uri="{FF2B5EF4-FFF2-40B4-BE49-F238E27FC236}">
-                <a16:creationId xmlns:a16="http://schemas.microsoft.com/office/drawing/2014/main" id="{0C00CA4B-9B33-4A7A-B5C8-EBEFD26C924A}"/>
-              </a:ext>
-            </a:extLst>
-          </p:cNvPr>
+          <p:cNvPr id="2" name="标题 1"/>
           <p:cNvSpPr>
             <a:spLocks noGrp="1"/>
           </p:cNvSpPr>
@@ -7170,20 +7177,14 @@
           <a:p>
             <a:r>
               <a:rPr lang="zh-CN" altLang="en-US" dirty="0"/>
-              <a:t>放进环境变量</a:t>
-            </a:r>
-          </a:p>
-        </p:txBody>
-      </p:sp>
-      <p:sp>
-        <p:nvSpPr>
-          <p:cNvPr id="3" name="内容占位符 2">
-            <a:extLst>
-              <a:ext uri="{FF2B5EF4-FFF2-40B4-BE49-F238E27FC236}">
-                <a16:creationId xmlns:a16="http://schemas.microsoft.com/office/drawing/2014/main" id="{D9310E58-FE8C-494D-B407-80E802EA0D90}"/>
-              </a:ext>
-            </a:extLst>
-          </p:cNvPr>
+              <a:t>变量的引用</a:t>
+            </a:r>
+          </a:p>
+        </p:txBody>
+      </p:sp>
+      <p:sp>
+        <p:nvSpPr>
+          <p:cNvPr id="3" name="内容占位符 2"/>
           <p:cNvSpPr>
             <a:spLocks noGrp="1"/>
           </p:cNvSpPr>
@@ -7193,200 +7194,378 @@
         </p:nvSpPr>
         <p:spPr/>
         <p:txBody>
-          <a:bodyPr/>
-          <a:lstStyle/>
-          <a:p>
-            <a:r>
-              <a:rPr lang="zh-CN" altLang="en-US" sz="2000" dirty="0"/>
-              <a:t>环境变量是全局存在的，在任何</a:t>
-            </a:r>
-            <a:r>
-              <a:rPr lang="en-US" altLang="zh-CN" sz="2000" dirty="0"/>
-              <a:t>shell</a:t>
-            </a:r>
-            <a:r>
-              <a:rPr lang="zh-CN" altLang="en-US" sz="2000" dirty="0"/>
-              <a:t>脚本中都可以直接使用。</a:t>
+          <a:bodyPr>
+            <a:normAutofit/>
+          </a:bodyPr>
+          <a:lstStyle/>
+          <a:p>
+            <a:r>
+              <a:rPr lang="en-US" altLang="zh-CN" sz="2000" dirty="0"/>
+              <a:t>$</a:t>
+            </a:r>
+            <a:r>
+              <a:rPr lang="en-US" altLang="zh-CN" sz="2000" dirty="0" err="1"/>
+              <a:t>var</a:t>
+            </a:r>
+            <a:r>
+              <a:rPr lang="en-US" altLang="zh-CN" sz="2000" dirty="0"/>
+              <a:t>/${</a:t>
+            </a:r>
+            <a:r>
+              <a:rPr lang="en-US" altLang="zh-CN" sz="2000" dirty="0" err="1"/>
+              <a:t>var</a:t>
+            </a:r>
+            <a:r>
+              <a:rPr lang="en-US" altLang="zh-CN" sz="2000" dirty="0"/>
+              <a:t>}:</a:t>
+            </a:r>
+            <a:r>
+              <a:rPr lang="zh-CN" altLang="en-US" sz="2000" dirty="0"/>
+              <a:t>返回变量值</a:t>
+            </a:r>
+          </a:p>
+          <a:p>
+            <a:r>
+              <a:rPr lang="en-US" altLang="zh-CN" sz="2000" dirty="0"/>
+              <a:t>${#</a:t>
+            </a:r>
+            <a:r>
+              <a:rPr lang="en-US" altLang="zh-CN" sz="2000" dirty="0" err="1"/>
+              <a:t>var</a:t>
+            </a:r>
+            <a:r>
+              <a:rPr lang="en-US" altLang="zh-CN" sz="2000" dirty="0"/>
+              <a:t>}:</a:t>
+            </a:r>
+            <a:r>
+              <a:rPr lang="zh-CN" altLang="en-US" sz="2000" dirty="0"/>
+              <a:t>返回变量值（字符串）的长度</a:t>
+            </a:r>
+          </a:p>
+          <a:p>
+            <a:r>
+              <a:rPr lang="en-US" altLang="zh-CN" sz="2000" dirty="0"/>
+              <a:t>${</a:t>
+            </a:r>
+            <a:r>
+              <a:rPr lang="en-US" altLang="zh-CN" sz="2000" dirty="0" err="1"/>
+              <a:t>var:start_index</a:t>
+            </a:r>
+            <a:r>
+              <a:rPr lang="en-US" altLang="zh-CN" sz="2000" dirty="0"/>
+              <a:t>}:</a:t>
+            </a:r>
+            <a:r>
+              <a:rPr lang="zh-CN" altLang="en-US" sz="2000" dirty="0"/>
+              <a:t>返回从</a:t>
+            </a:r>
+            <a:r>
+              <a:rPr lang="en-US" altLang="zh-CN" sz="2000" dirty="0" err="1"/>
+              <a:t>start_index</a:t>
+            </a:r>
+            <a:r>
+              <a:rPr lang="zh-CN" altLang="en-US" sz="2000" dirty="0"/>
+              <a:t>开始一直到字符串结尾的字符串</a:t>
+            </a:r>
+          </a:p>
+          <a:p>
+            <a:r>
+              <a:rPr lang="en-US" altLang="zh-CN" sz="2000" dirty="0"/>
+              <a:t>${</a:t>
+            </a:r>
+            <a:r>
+              <a:rPr lang="en-US" altLang="zh-CN" sz="2000" dirty="0" err="1"/>
+              <a:t>var:start_index:length</a:t>
+            </a:r>
+            <a:r>
+              <a:rPr lang="en-US" altLang="zh-CN" sz="2000" dirty="0"/>
+              <a:t>}:</a:t>
+            </a:r>
+            <a:r>
+              <a:rPr lang="zh-CN" altLang="en-US" sz="2000" dirty="0"/>
+              <a:t>返回从</a:t>
+            </a:r>
+            <a:r>
+              <a:rPr lang="en-US" altLang="zh-CN" sz="2000" dirty="0" err="1"/>
+              <a:t>start_index</a:t>
+            </a:r>
+            <a:r>
+              <a:rPr lang="zh-CN" altLang="en-US" sz="2000" dirty="0"/>
+              <a:t>开始的</a:t>
+            </a:r>
+            <a:r>
+              <a:rPr lang="en-US" altLang="zh-CN" sz="2000" dirty="0"/>
+              <a:t>length</a:t>
+            </a:r>
+            <a:r>
+              <a:rPr lang="zh-CN" altLang="en-US" sz="2000" dirty="0"/>
+              <a:t>个字符</a:t>
             </a:r>
             <a:endParaRPr lang="en-US" altLang="zh-CN" sz="2000" dirty="0"/>
           </a:p>
           <a:p>
+            <a:r>
+              <a:rPr lang="en-US" altLang="zh-CN" sz="2000" dirty="0"/>
+              <a:t>${</a:t>
+            </a:r>
+            <a:r>
+              <a:rPr lang="en-US" altLang="zh-CN" sz="2000" dirty="0" err="1"/>
+              <a:t>var</a:t>
+            </a:r>
+            <a:r>
+              <a:rPr lang="en-US" altLang="zh-CN" sz="2000" dirty="0"/>
+              <a:t>:-</a:t>
+            </a:r>
+            <a:r>
+              <a:rPr lang="en-US" altLang="zh-CN" sz="2000" dirty="0" err="1"/>
+              <a:t>newstring</a:t>
+            </a:r>
+            <a:r>
+              <a:rPr lang="en-US" altLang="zh-CN" sz="2000" dirty="0"/>
+              <a:t>}:</a:t>
+            </a:r>
+            <a:r>
+              <a:rPr lang="zh-CN" altLang="en-US" sz="2000" dirty="0"/>
+              <a:t>如果</a:t>
+            </a:r>
+            <a:r>
+              <a:rPr lang="en-US" altLang="zh-CN" sz="2000" dirty="0" err="1"/>
+              <a:t>var</a:t>
+            </a:r>
+            <a:r>
+              <a:rPr lang="zh-CN" altLang="en-US" sz="2000" dirty="0"/>
+              <a:t>未定义或为空值，则返回</a:t>
+            </a:r>
+            <a:r>
+              <a:rPr lang="en-US" altLang="zh-CN" sz="2000" dirty="0" err="1"/>
+              <a:t>newstring</a:t>
+            </a:r>
+            <a:r>
+              <a:rPr lang="zh-CN" altLang="en-US" sz="2000" dirty="0"/>
+              <a:t>；否则返回</a:t>
+            </a:r>
+            <a:r>
+              <a:rPr lang="en-US" altLang="zh-CN" sz="2000" dirty="0" err="1"/>
+              <a:t>var</a:t>
+            </a:r>
+            <a:r>
+              <a:rPr lang="zh-CN" altLang="en-US" sz="2000" dirty="0"/>
+              <a:t>的值</a:t>
+            </a:r>
+          </a:p>
+          <a:p>
+            <a:r>
+              <a:rPr lang="en-US" altLang="zh-CN" sz="2000" dirty="0"/>
+              <a:t>${</a:t>
+            </a:r>
+            <a:r>
+              <a:rPr lang="en-US" altLang="zh-CN" sz="2000" dirty="0" err="1"/>
+              <a:t>var</a:t>
+            </a:r>
+            <a:r>
+              <a:rPr lang="en-US" altLang="zh-CN" sz="2000" dirty="0"/>
+              <a:t>:=</a:t>
+            </a:r>
+            <a:r>
+              <a:rPr lang="en-US" altLang="zh-CN" sz="2000" dirty="0" err="1"/>
+              <a:t>newstring</a:t>
+            </a:r>
+            <a:r>
+              <a:rPr lang="en-US" altLang="zh-CN" sz="2000" dirty="0"/>
+              <a:t>}:</a:t>
+            </a:r>
+            <a:r>
+              <a:rPr lang="zh-CN" altLang="en-US" sz="2000" dirty="0"/>
+              <a:t>如果</a:t>
+            </a:r>
+            <a:r>
+              <a:rPr lang="en-US" altLang="zh-CN" sz="2000" dirty="0" err="1"/>
+              <a:t>var</a:t>
+            </a:r>
+            <a:r>
+              <a:rPr lang="zh-CN" altLang="en-US" sz="2000" dirty="0"/>
+              <a:t>未定义或为空值，则返回</a:t>
+            </a:r>
+            <a:r>
+              <a:rPr lang="en-US" altLang="zh-CN" sz="2000" dirty="0" err="1"/>
+              <a:t>newstring</a:t>
+            </a:r>
+            <a:r>
+              <a:rPr lang="zh-CN" altLang="en-US" sz="2000" dirty="0"/>
+              <a:t>，并把</a:t>
+            </a:r>
+            <a:r>
+              <a:rPr lang="en-US" altLang="zh-CN" sz="2000" dirty="0" err="1"/>
+              <a:t>newstring</a:t>
+            </a:r>
+            <a:r>
+              <a:rPr lang="zh-CN" altLang="en-US" sz="2000" dirty="0"/>
+              <a:t>赋给</a:t>
+            </a:r>
+            <a:r>
+              <a:rPr lang="en-US" altLang="zh-CN" sz="2000" dirty="0" err="1"/>
+              <a:t>var</a:t>
+            </a:r>
+            <a:r>
+              <a:rPr lang="zh-CN" altLang="en-US" sz="2000" dirty="0"/>
+              <a:t>；否则返回</a:t>
+            </a:r>
+            <a:r>
+              <a:rPr lang="en-US" altLang="zh-CN" sz="2000" dirty="0" err="1"/>
+              <a:t>var</a:t>
+            </a:r>
+            <a:r>
+              <a:rPr lang="zh-CN" altLang="en-US" sz="2000" dirty="0"/>
+              <a:t>的值</a:t>
+            </a:r>
+          </a:p>
+          <a:p>
+            <a:r>
+              <a:rPr lang="en-US" altLang="zh-CN" sz="2000" dirty="0"/>
+              <a:t>${</a:t>
+            </a:r>
+            <a:r>
+              <a:rPr lang="en-US" altLang="zh-CN" sz="2000" dirty="0" err="1"/>
+              <a:t>var</a:t>
+            </a:r>
+            <a:r>
+              <a:rPr lang="en-US" altLang="zh-CN" sz="2000" dirty="0"/>
+              <a:t>:+</a:t>
+            </a:r>
+            <a:r>
+              <a:rPr lang="en-US" altLang="zh-CN" sz="2000" dirty="0" err="1"/>
+              <a:t>newstring</a:t>
+            </a:r>
+            <a:r>
+              <a:rPr lang="en-US" altLang="zh-CN" sz="2000" dirty="0"/>
+              <a:t>}:</a:t>
+            </a:r>
+            <a:r>
+              <a:rPr lang="zh-CN" altLang="en-US" sz="2000" dirty="0"/>
+              <a:t>如果</a:t>
+            </a:r>
+            <a:r>
+              <a:rPr lang="en-US" altLang="zh-CN" sz="2000" dirty="0" err="1"/>
+              <a:t>var</a:t>
+            </a:r>
+            <a:r>
+              <a:rPr lang="zh-CN" altLang="en-US" sz="2000" dirty="0"/>
+              <a:t>不为空，则返回</a:t>
+            </a:r>
+            <a:r>
+              <a:rPr lang="en-US" altLang="zh-CN" sz="2000" dirty="0" err="1"/>
+              <a:t>newstring</a:t>
+            </a:r>
+            <a:r>
+              <a:rPr lang="zh-CN" altLang="en-US" sz="2000" dirty="0"/>
+              <a:t>；否则返回空值（其实也是</a:t>
+            </a:r>
+            <a:r>
+              <a:rPr lang="en-US" altLang="zh-CN" sz="2000" dirty="0" err="1"/>
+              <a:t>var</a:t>
+            </a:r>
+            <a:r>
+              <a:rPr lang="zh-CN" altLang="en-US" sz="2000" dirty="0"/>
+              <a:t>的值）</a:t>
+            </a:r>
+          </a:p>
+          <a:p>
+            <a:r>
+              <a:rPr lang="en-US" altLang="zh-CN" sz="2000" dirty="0"/>
+              <a:t>${</a:t>
+            </a:r>
+            <a:r>
+              <a:rPr lang="en-US" altLang="zh-CN" sz="2000" dirty="0" err="1"/>
+              <a:t>var</a:t>
+            </a:r>
+            <a:r>
+              <a:rPr lang="en-US" altLang="zh-CN" sz="2000" dirty="0"/>
+              <a:t>:?</a:t>
+            </a:r>
+            <a:r>
+              <a:rPr lang="en-US" altLang="zh-CN" sz="2000" dirty="0" err="1"/>
+              <a:t>newstring</a:t>
+            </a:r>
+            <a:r>
+              <a:rPr lang="en-US" altLang="zh-CN" sz="2000" dirty="0"/>
+              <a:t>}:</a:t>
+            </a:r>
+            <a:r>
+              <a:rPr lang="zh-CN" altLang="en-US" sz="2000" dirty="0"/>
+              <a:t>如果</a:t>
+            </a:r>
+            <a:r>
+              <a:rPr lang="en-US" altLang="zh-CN" sz="2000" dirty="0" err="1"/>
+              <a:t>var</a:t>
+            </a:r>
+            <a:r>
+              <a:rPr lang="zh-CN" altLang="en-US" sz="2000" dirty="0"/>
+              <a:t>未定义或为空值，则将</a:t>
+            </a:r>
+            <a:r>
+              <a:rPr lang="en-US" altLang="zh-CN" sz="2000" dirty="0" err="1"/>
+              <a:t>newstring</a:t>
+            </a:r>
+            <a:r>
+              <a:rPr lang="zh-CN" altLang="en-US" sz="2000" dirty="0"/>
+              <a:t>写入标准错误，本语句失败；否则返回</a:t>
+            </a:r>
+            <a:r>
+              <a:rPr lang="en-US" altLang="zh-CN" sz="2000" dirty="0" err="1"/>
+              <a:t>var</a:t>
+            </a:r>
+            <a:r>
+              <a:rPr lang="zh-CN" altLang="en-US" sz="2000" dirty="0"/>
+              <a:t>的值</a:t>
+            </a:r>
             <a:endParaRPr lang="en-US" altLang="zh-CN" sz="2000" dirty="0"/>
           </a:p>
           <a:p>
             <a:r>
-              <a:rPr lang="zh-CN" altLang="en-US" sz="2000" dirty="0"/>
-              <a:t>使用</a:t>
-            </a:r>
-            <a:r>
-              <a:rPr lang="en-US" altLang="zh-CN" sz="2000" dirty="0" err="1"/>
-              <a:t>env</a:t>
-            </a:r>
-            <a:r>
-              <a:rPr lang="zh-CN" altLang="en-US" sz="2000" dirty="0"/>
-              <a:t>查看环境变量。</a:t>
-            </a:r>
-            <a:endParaRPr lang="en-US" altLang="zh-CN" sz="2000" dirty="0"/>
-          </a:p>
-          <a:p>
-            <a:pPr marL="0" indent="0">
-              <a:buNone/>
-            </a:pPr>
-            <a:endParaRPr lang="en-US" altLang="zh-CN" sz="2000" dirty="0"/>
-          </a:p>
-          <a:p>
-            <a:r>
-              <a:rPr lang="en-US" altLang="zh-CN" sz="2000" dirty="0"/>
-              <a:t>export  a</a:t>
-            </a:r>
-            <a:r>
-              <a:rPr lang="zh-CN" altLang="en-US" sz="2000" dirty="0"/>
-              <a:t>：把变量放到环境变量，环境变量是一个名称与值的简单列表。</a:t>
-            </a:r>
-            <a:endParaRPr lang="en-US" altLang="zh-CN" sz="2000" dirty="0"/>
-          </a:p>
-          <a:p>
-            <a:pPr marL="0" indent="0">
-              <a:buNone/>
-            </a:pPr>
-            <a:endParaRPr lang="en-US" altLang="zh-CN" sz="2000" dirty="0"/>
-          </a:p>
-          <a:p>
-            <a:r>
-              <a:rPr lang="zh-CN" altLang="en-US" sz="2000" dirty="0"/>
-              <a:t>创建脚本</a:t>
-            </a:r>
-            <a:r>
-              <a:rPr lang="en-US" altLang="zh-CN" sz="2000" dirty="0"/>
-              <a:t>vartest.sh</a:t>
-            </a:r>
-            <a:r>
-              <a:rPr lang="zh-CN" altLang="en-US" sz="2000"/>
-              <a:t>写入以下代码，保存并设置可执行权限，查看运行结果：</a:t>
-            </a:r>
-            <a:endParaRPr lang="en-US" altLang="zh-CN" sz="2000" dirty="0"/>
-          </a:p>
-          <a:p>
-            <a:pPr marL="457200" lvl="1" indent="0">
-              <a:buNone/>
-            </a:pPr>
-            <a:r>
-              <a:rPr lang="en-US" altLang="zh-CN" sz="1800" dirty="0"/>
-              <a:t>a=`</a:t>
-            </a:r>
-            <a:r>
-              <a:rPr lang="en-US" altLang="zh-CN" sz="1800" dirty="0" err="1"/>
-              <a:t>env</a:t>
-            </a:r>
-            <a:r>
-              <a:rPr lang="en-US" altLang="zh-CN" sz="1800" dirty="0"/>
-              <a:t> | grep  </a:t>
-            </a:r>
-            <a:r>
-              <a:rPr lang="en-US" altLang="zh-CN" sz="1800" dirty="0" err="1"/>
-              <a:t>linux</a:t>
-            </a:r>
-            <a:r>
-              <a:rPr lang="en-US" altLang="zh-CN" sz="1800" dirty="0"/>
-              <a:t>`</a:t>
-            </a:r>
-          </a:p>
-          <a:p>
-            <a:pPr marL="457200" lvl="1" indent="0">
-              <a:buNone/>
-            </a:pPr>
-            <a:r>
-              <a:rPr lang="en-US" altLang="zh-CN" sz="1800" dirty="0" err="1"/>
-              <a:t>linux</a:t>
-            </a:r>
-            <a:r>
-              <a:rPr lang="en-US" altLang="zh-CN" sz="1800" dirty="0"/>
-              <a:t>=1</a:t>
-            </a:r>
-          </a:p>
-          <a:p>
-            <a:pPr marL="457200" lvl="1" indent="0">
-              <a:buNone/>
-            </a:pPr>
-            <a:r>
-              <a:rPr lang="en-US" altLang="zh-CN" sz="1800" dirty="0"/>
-              <a:t>export </a:t>
-            </a:r>
-            <a:r>
-              <a:rPr lang="en-US" altLang="zh-CN" sz="1800" dirty="0" err="1"/>
-              <a:t>linux</a:t>
-            </a:r>
-            <a:endParaRPr lang="en-US" altLang="zh-CN" sz="1800" dirty="0"/>
-          </a:p>
-          <a:p>
-            <a:pPr marL="457200" lvl="1" indent="0">
-              <a:buNone/>
-            </a:pPr>
-            <a:r>
-              <a:rPr lang="en-US" altLang="zh-CN" sz="1800" dirty="0"/>
-              <a:t>b=`</a:t>
-            </a:r>
-            <a:r>
-              <a:rPr lang="en-US" altLang="zh-CN" sz="1800" dirty="0" err="1"/>
-              <a:t>env</a:t>
-            </a:r>
-            <a:r>
-              <a:rPr lang="en-US" altLang="zh-CN" sz="1800" dirty="0"/>
-              <a:t> | grep </a:t>
-            </a:r>
-            <a:r>
-              <a:rPr lang="en-US" altLang="zh-CN" sz="1800" dirty="0" err="1"/>
-              <a:t>linux</a:t>
-            </a:r>
-            <a:r>
-              <a:rPr lang="en-US" altLang="zh-CN" sz="1800" dirty="0"/>
-              <a:t>`</a:t>
-            </a:r>
-          </a:p>
-          <a:p>
-            <a:pPr marL="457200" lvl="1" indent="0">
-              <a:buNone/>
-            </a:pPr>
-            <a:r>
-              <a:rPr lang="en-US" altLang="zh-CN" sz="1800" dirty="0"/>
-              <a:t>echo “a :</a:t>
-            </a:r>
-            <a:r>
-              <a:rPr lang="zh-CN" altLang="en-US" sz="1800" dirty="0"/>
-              <a:t> </a:t>
-            </a:r>
-            <a:r>
-              <a:rPr lang="en-US" altLang="zh-CN" sz="1800" dirty="0"/>
-              <a:t>$a”</a:t>
-            </a:r>
-          </a:p>
-          <a:p>
-            <a:pPr marL="457200" lvl="1" indent="0">
-              <a:buNone/>
-            </a:pPr>
-            <a:r>
-              <a:rPr lang="en-US" altLang="zh-CN" sz="1800" dirty="0"/>
-              <a:t>echo “b : $b”</a:t>
-            </a:r>
-          </a:p>
-          <a:p>
-            <a:pPr marL="457200" lvl="1" indent="0">
-              <a:buNone/>
-            </a:pPr>
-            <a:endParaRPr lang="en-US" altLang="zh-CN" sz="1800" dirty="0"/>
-          </a:p>
-          <a:p>
-            <a:pPr marL="457200" lvl="1" indent="0">
-              <a:buNone/>
-            </a:pPr>
-            <a:endParaRPr lang="en-US" altLang="zh-CN" sz="1800" dirty="0"/>
+              <a:rPr lang="en-US" altLang="zh-CN" sz="2000" dirty="0"/>
+              <a:t>$(command):</a:t>
+            </a:r>
+            <a:r>
+              <a:rPr lang="zh-CN" altLang="en-US" sz="2000" dirty="0"/>
+              <a:t>返回</a:t>
+            </a:r>
+            <a:r>
+              <a:rPr lang="en-US" altLang="zh-CN" sz="2000" dirty="0"/>
+              <a:t>command</a:t>
+            </a:r>
+            <a:r>
+              <a:rPr lang="zh-CN" altLang="en-US" sz="2000" dirty="0"/>
+              <a:t>命令执行后所输出的结果，相当于 </a:t>
+            </a:r>
+            <a:r>
+              <a:rPr lang="en-US" altLang="zh-CN" sz="2000" dirty="0"/>
+              <a:t>`command`</a:t>
+            </a:r>
+          </a:p>
+          <a:p>
+            <a:r>
+              <a:rPr lang="en-US" altLang="zh-CN" sz="2000" dirty="0"/>
+              <a:t>$((</a:t>
+            </a:r>
+            <a:r>
+              <a:rPr lang="zh-CN" altLang="en-US" sz="2000" dirty="0"/>
+              <a:t>算术表达式</a:t>
+            </a:r>
+            <a:r>
+              <a:rPr lang="en-US" altLang="zh-CN" sz="2000" dirty="0"/>
+              <a:t>)):</a:t>
+            </a:r>
+            <a:r>
+              <a:rPr lang="zh-CN" altLang="en-US" sz="2000" dirty="0"/>
+              <a:t>返回双括号内算术运算的结果。</a:t>
+            </a:r>
           </a:p>
         </p:txBody>
       </p:sp>
     </p:spTree>
     <p:extLst>
       <p:ext uri="{BB962C8B-B14F-4D97-AF65-F5344CB8AC3E}">
-        <p14:creationId xmlns:p14="http://schemas.microsoft.com/office/powerpoint/2010/main" val="3936334075"/>
+        <p14:creationId xmlns:p14="http://schemas.microsoft.com/office/powerpoint/2010/main" val="499639104"/>
       </p:ext>
     </p:extLst>
   </p:cSld>
@@ -7430,7 +7609,7 @@
           <a:p>
             <a:r>
               <a:rPr lang="zh-CN" altLang="en-US" dirty="0"/>
-              <a:t>变量的引用</a:t>
+              <a:t>脚本的特殊变量</a:t>
             </a:r>
           </a:p>
         </p:txBody>
@@ -7448,377 +7627,262 @@
         <p:spPr/>
         <p:txBody>
           <a:bodyPr>
-            <a:normAutofit/>
+            <a:noAutofit/>
           </a:bodyPr>
           <a:lstStyle/>
           <a:p>
             <a:r>
               <a:rPr lang="en-US" altLang="zh-CN" sz="2000" dirty="0"/>
-              <a:t>$</a:t>
+              <a:t>$0</a:t>
+            </a:r>
+            <a:r>
+              <a:rPr lang="zh-CN" altLang="en-US" sz="2000" dirty="0"/>
+              <a:t>：当前脚本的文件名</a:t>
+            </a:r>
+            <a:r>
+              <a:rPr lang="en-US" altLang="zh-CN" sz="2000" dirty="0"/>
+              <a:t>/</a:t>
+            </a:r>
+            <a:r>
+              <a:rPr lang="zh-CN" altLang="en-US" sz="2000" dirty="0"/>
+              <a:t>当前执行的进程</a:t>
+            </a:r>
+            <a:r>
+              <a:rPr lang="en-US" altLang="zh-CN" sz="2000" dirty="0"/>
+              <a:t>/</a:t>
+            </a:r>
+            <a:r>
+              <a:rPr lang="zh-CN" altLang="en-US" sz="2000" dirty="0"/>
+              <a:t>程序名</a:t>
+            </a:r>
+          </a:p>
+          <a:p>
+            <a:r>
+              <a:rPr lang="en-US" altLang="zh-CN" sz="2000" dirty="0"/>
+              <a:t>$n</a:t>
+            </a:r>
+            <a:r>
+              <a:rPr lang="zh-CN" altLang="en-US" sz="2000" dirty="0"/>
+              <a:t>：</a:t>
+            </a:r>
+            <a:r>
+              <a:rPr lang="en-US" altLang="zh-CN" sz="2000" dirty="0"/>
+              <a:t>n</a:t>
+            </a:r>
+            <a:r>
+              <a:rPr lang="zh-CN" altLang="en-US" sz="2000" dirty="0"/>
+              <a:t>为从</a:t>
+            </a:r>
+            <a:r>
+              <a:rPr lang="en-US" altLang="zh-CN" sz="2000" dirty="0"/>
+              <a:t>1</a:t>
+            </a:r>
+            <a:r>
+              <a:rPr lang="zh-CN" altLang="en-US" sz="2000" dirty="0"/>
+              <a:t>开始的数字，</a:t>
+            </a:r>
+            <a:r>
+              <a:rPr lang="en-US" altLang="zh-CN" sz="2000" dirty="0"/>
+              <a:t>$1</a:t>
+            </a:r>
+            <a:r>
+              <a:rPr lang="zh-CN" altLang="en-US" sz="2000" dirty="0"/>
+              <a:t>是第一个参数，</a:t>
+            </a:r>
+            <a:r>
+              <a:rPr lang="en-US" altLang="zh-CN" sz="2000" dirty="0"/>
+              <a:t>$2</a:t>
+            </a:r>
+            <a:r>
+              <a:rPr lang="zh-CN" altLang="en-US" sz="2000" dirty="0"/>
+              <a:t>是第二个参数，</a:t>
+            </a:r>
+            <a:r>
+              <a:rPr lang="en-US" altLang="zh-CN" sz="2000" dirty="0"/>
+              <a:t>${10}</a:t>
+            </a:r>
+            <a:r>
+              <a:rPr lang="zh-CN" altLang="en-US" sz="2000" dirty="0"/>
+              <a:t>是第十个参数（从</a:t>
+            </a:r>
+            <a:r>
+              <a:rPr lang="en-US" altLang="zh-CN" sz="2000" dirty="0"/>
+              <a:t>${10}</a:t>
+            </a:r>
+            <a:r>
+              <a:rPr lang="zh-CN" altLang="en-US" sz="2000" dirty="0"/>
+              <a:t>开始参数号需要用花括号括起来）</a:t>
+            </a:r>
+            <a:endParaRPr lang="en-US" altLang="zh-CN" sz="2000" dirty="0"/>
+          </a:p>
+          <a:p>
+            <a:endParaRPr lang="zh-CN" altLang="en-US" sz="2000" dirty="0"/>
+          </a:p>
+          <a:p>
+            <a:r>
+              <a:rPr lang="en-US" altLang="zh-CN" sz="2000" dirty="0"/>
+              <a:t>$#</a:t>
+            </a:r>
+            <a:r>
+              <a:rPr lang="zh-CN" altLang="en-US" sz="2000" dirty="0"/>
+              <a:t>：传入脚本的参数的个数</a:t>
+            </a:r>
+          </a:p>
+          <a:p>
+            <a:r>
+              <a:rPr lang="en-US" altLang="zh-CN" sz="2000" dirty="0"/>
+              <a:t>$*</a:t>
+            </a:r>
+            <a:r>
+              <a:rPr lang="zh-CN" altLang="en-US" sz="2000" dirty="0"/>
+              <a:t>：所有的位置参数</a:t>
+            </a:r>
+            <a:r>
+              <a:rPr lang="en-US" altLang="zh-CN" sz="2000" dirty="0"/>
+              <a:t>(</a:t>
+            </a:r>
+            <a:r>
+              <a:rPr lang="zh-CN" altLang="en-US" sz="2000" dirty="0"/>
+              <a:t>作为单个字符串</a:t>
+            </a:r>
+            <a:r>
+              <a:rPr lang="en-US" altLang="zh-CN" sz="2000" dirty="0"/>
+              <a:t>)</a:t>
+            </a:r>
+          </a:p>
+          <a:p>
+            <a:r>
+              <a:rPr lang="en-US" altLang="zh-CN" sz="2000" dirty="0"/>
+              <a:t>$@</a:t>
+            </a:r>
+            <a:r>
+              <a:rPr lang="zh-CN" altLang="en-US" sz="2000" dirty="0"/>
+              <a:t>：所有的位置参数</a:t>
+            </a:r>
+            <a:r>
+              <a:rPr lang="en-US" altLang="zh-CN" sz="2000" dirty="0"/>
+              <a:t>(</a:t>
+            </a:r>
+            <a:r>
+              <a:rPr lang="zh-CN" altLang="en-US" sz="2000" dirty="0"/>
+              <a:t>每个都作为独立的字符串</a:t>
+            </a:r>
+            <a:r>
+              <a:rPr lang="en-US" altLang="zh-CN" sz="2000" dirty="0"/>
+              <a:t>)</a:t>
+            </a:r>
+            <a:r>
+              <a:rPr lang="zh-CN" altLang="en-US" sz="2000" dirty="0"/>
+              <a:t>。</a:t>
+            </a:r>
+          </a:p>
+          <a:p>
+            <a:r>
+              <a:rPr lang="en-US" altLang="zh-CN" sz="2000" dirty="0"/>
+              <a:t>$?</a:t>
+            </a:r>
+            <a:r>
+              <a:rPr lang="zh-CN" altLang="en-US" sz="2000" dirty="0"/>
+              <a:t>：当前</a:t>
+            </a:r>
+            <a:r>
+              <a:rPr lang="en-US" altLang="zh-CN" sz="2000" dirty="0"/>
+              <a:t>shell</a:t>
+            </a:r>
+            <a:r>
+              <a:rPr lang="zh-CN" altLang="en-US" sz="2000" dirty="0"/>
+              <a:t>进程中，上一个命令的返回值，如果上一个命令成功执行则</a:t>
+            </a:r>
+            <a:r>
+              <a:rPr lang="en-US" altLang="zh-CN" sz="2000" dirty="0"/>
+              <a:t>$?</a:t>
+            </a:r>
+            <a:r>
+              <a:rPr lang="zh-CN" altLang="en-US" sz="2000" dirty="0"/>
+              <a:t>的值为</a:t>
+            </a:r>
+            <a:r>
+              <a:rPr lang="en-US" altLang="zh-CN" sz="2000" dirty="0"/>
+              <a:t>0</a:t>
+            </a:r>
+            <a:r>
+              <a:rPr lang="zh-CN" altLang="en-US" sz="2000" dirty="0"/>
+              <a:t>，否则</a:t>
+            </a:r>
+            <a:endParaRPr lang="en-US" altLang="zh-CN" sz="2000" dirty="0"/>
+          </a:p>
+          <a:p>
+            <a:pPr marL="0" indent="0">
+              <a:buNone/>
+            </a:pPr>
+            <a:r>
+              <a:rPr lang="en-US" altLang="zh-CN" sz="2000" dirty="0"/>
+              <a:t>           </a:t>
+            </a:r>
+            <a:r>
+              <a:rPr lang="zh-CN" altLang="en-US" sz="2000" dirty="0"/>
+              <a:t>为其他非零值，常用做</a:t>
+            </a:r>
+            <a:r>
+              <a:rPr lang="en-US" altLang="zh-CN" sz="2000" dirty="0"/>
+              <a:t>if</a:t>
+            </a:r>
+            <a:r>
+              <a:rPr lang="zh-CN" altLang="en-US" sz="2000" dirty="0"/>
+              <a:t>语句条件</a:t>
+            </a:r>
+            <a:endParaRPr lang="en-US" altLang="zh-CN" sz="2000" dirty="0"/>
+          </a:p>
+          <a:p>
+            <a:pPr marL="0" indent="0">
+              <a:buNone/>
+            </a:pPr>
+            <a:endParaRPr lang="zh-CN" altLang="en-US" sz="2000" dirty="0"/>
+          </a:p>
+          <a:p>
+            <a:r>
+              <a:rPr lang="en-US" altLang="zh-CN" sz="2000" dirty="0"/>
+              <a:t>$$</a:t>
+            </a:r>
+            <a:r>
+              <a:rPr lang="zh-CN" altLang="en-US" sz="2000" dirty="0"/>
+              <a:t>：当前</a:t>
+            </a:r>
+            <a:r>
+              <a:rPr lang="en-US" altLang="zh-CN" sz="2000" dirty="0"/>
+              <a:t>shell</a:t>
+            </a:r>
+            <a:r>
+              <a:rPr lang="zh-CN" altLang="en-US" sz="2000" dirty="0"/>
+              <a:t>进程的</a:t>
             </a:r>
             <a:r>
               <a:rPr lang="en-US" altLang="zh-CN" sz="2000" dirty="0" err="1"/>
-              <a:t>var</a:t>
-            </a:r>
-            <a:r>
-              <a:rPr lang="en-US" altLang="zh-CN" sz="2000" dirty="0"/>
-              <a:t>/${</a:t>
+              <a:t>pid</a:t>
+            </a:r>
+            <a:endParaRPr lang="en-US" altLang="zh-CN" sz="2000" dirty="0"/>
+          </a:p>
+          <a:p>
+            <a:r>
+              <a:rPr lang="en-US" altLang="zh-CN" sz="2000" dirty="0"/>
+              <a:t>$!</a:t>
+            </a:r>
+            <a:r>
+              <a:rPr lang="zh-CN" altLang="en-US" sz="2000" dirty="0"/>
+              <a:t>：后台运行的最后一个进程的</a:t>
             </a:r>
             <a:r>
               <a:rPr lang="en-US" altLang="zh-CN" sz="2000" dirty="0" err="1"/>
-              <a:t>var</a:t>
-            </a:r>
-            <a:r>
-              <a:rPr lang="en-US" altLang="zh-CN" sz="2000" dirty="0"/>
-              <a:t>}:</a:t>
-            </a:r>
-            <a:r>
-              <a:rPr lang="zh-CN" altLang="en-US" sz="2000" dirty="0"/>
-              <a:t>返回变量值</a:t>
-            </a:r>
-          </a:p>
-          <a:p>
-            <a:r>
-              <a:rPr lang="en-US" altLang="zh-CN" sz="2000" dirty="0"/>
-              <a:t>${#</a:t>
-            </a:r>
-            <a:r>
-              <a:rPr lang="en-US" altLang="zh-CN" sz="2000" dirty="0" err="1"/>
-              <a:t>var</a:t>
-            </a:r>
-            <a:r>
-              <a:rPr lang="en-US" altLang="zh-CN" sz="2000" dirty="0"/>
-              <a:t>}:</a:t>
-            </a:r>
-            <a:r>
-              <a:rPr lang="zh-CN" altLang="en-US" sz="2000" dirty="0"/>
-              <a:t>返回变量值（字符串）的长度</a:t>
-            </a:r>
-          </a:p>
-          <a:p>
-            <a:r>
-              <a:rPr lang="en-US" altLang="zh-CN" sz="2000" dirty="0"/>
-              <a:t>${</a:t>
-            </a:r>
-            <a:r>
-              <a:rPr lang="en-US" altLang="zh-CN" sz="2000" dirty="0" err="1"/>
-              <a:t>var:start_index</a:t>
-            </a:r>
-            <a:r>
-              <a:rPr lang="en-US" altLang="zh-CN" sz="2000" dirty="0"/>
-              <a:t>}:</a:t>
-            </a:r>
-            <a:r>
-              <a:rPr lang="zh-CN" altLang="en-US" sz="2000" dirty="0"/>
-              <a:t>返回从</a:t>
-            </a:r>
-            <a:r>
-              <a:rPr lang="en-US" altLang="zh-CN" sz="2000" dirty="0" err="1"/>
-              <a:t>start_index</a:t>
-            </a:r>
-            <a:r>
-              <a:rPr lang="zh-CN" altLang="en-US" sz="2000" dirty="0"/>
-              <a:t>开始一直到字符串结尾的字符串</a:t>
-            </a:r>
-          </a:p>
-          <a:p>
-            <a:r>
-              <a:rPr lang="en-US" altLang="zh-CN" sz="2000" dirty="0"/>
-              <a:t>${</a:t>
-            </a:r>
-            <a:r>
-              <a:rPr lang="en-US" altLang="zh-CN" sz="2000" dirty="0" err="1"/>
-              <a:t>var:start_index:length</a:t>
-            </a:r>
-            <a:r>
-              <a:rPr lang="en-US" altLang="zh-CN" sz="2000" dirty="0"/>
-              <a:t>}:</a:t>
-            </a:r>
-            <a:r>
-              <a:rPr lang="zh-CN" altLang="en-US" sz="2000" dirty="0"/>
-              <a:t>返回从</a:t>
-            </a:r>
-            <a:r>
-              <a:rPr lang="en-US" altLang="zh-CN" sz="2000" dirty="0" err="1"/>
-              <a:t>start_index</a:t>
-            </a:r>
-            <a:r>
-              <a:rPr lang="zh-CN" altLang="en-US" sz="2000" dirty="0"/>
-              <a:t>开始的</a:t>
-            </a:r>
-            <a:r>
-              <a:rPr lang="en-US" altLang="zh-CN" sz="2000" dirty="0"/>
-              <a:t>length</a:t>
-            </a:r>
-            <a:r>
-              <a:rPr lang="zh-CN" altLang="en-US" sz="2000" dirty="0"/>
-              <a:t>个字符</a:t>
+              <a:t>pid</a:t>
             </a:r>
             <a:endParaRPr lang="en-US" altLang="zh-CN" sz="2000" dirty="0"/>
-          </a:p>
-          <a:p>
-            <a:r>
-              <a:rPr lang="en-US" altLang="zh-CN" sz="2000" dirty="0"/>
-              <a:t>${</a:t>
-            </a:r>
-            <a:r>
-              <a:rPr lang="en-US" altLang="zh-CN" sz="2000" dirty="0" err="1"/>
-              <a:t>var</a:t>
-            </a:r>
-            <a:r>
-              <a:rPr lang="en-US" altLang="zh-CN" sz="2000" dirty="0"/>
-              <a:t>:-</a:t>
-            </a:r>
-            <a:r>
-              <a:rPr lang="en-US" altLang="zh-CN" sz="2000" dirty="0" err="1"/>
-              <a:t>newstring</a:t>
-            </a:r>
-            <a:r>
-              <a:rPr lang="en-US" altLang="zh-CN" sz="2000" dirty="0"/>
-              <a:t>}:</a:t>
-            </a:r>
-            <a:r>
-              <a:rPr lang="zh-CN" altLang="en-US" sz="2000" dirty="0"/>
-              <a:t>如果</a:t>
-            </a:r>
-            <a:r>
-              <a:rPr lang="en-US" altLang="zh-CN" sz="2000" dirty="0" err="1"/>
-              <a:t>var</a:t>
-            </a:r>
-            <a:r>
-              <a:rPr lang="zh-CN" altLang="en-US" sz="2000" dirty="0"/>
-              <a:t>未定义或为空值，则返回</a:t>
-            </a:r>
-            <a:r>
-              <a:rPr lang="en-US" altLang="zh-CN" sz="2000" dirty="0" err="1"/>
-              <a:t>newstring</a:t>
-            </a:r>
-            <a:r>
-              <a:rPr lang="zh-CN" altLang="en-US" sz="2000" dirty="0"/>
-              <a:t>；否则返回</a:t>
-            </a:r>
-            <a:r>
-              <a:rPr lang="en-US" altLang="zh-CN" sz="2000" dirty="0" err="1"/>
-              <a:t>var</a:t>
-            </a:r>
-            <a:r>
-              <a:rPr lang="zh-CN" altLang="en-US" sz="2000" dirty="0"/>
-              <a:t>的值</a:t>
-            </a:r>
-          </a:p>
-          <a:p>
-            <a:r>
-              <a:rPr lang="en-US" altLang="zh-CN" sz="2000" dirty="0"/>
-              <a:t>${</a:t>
-            </a:r>
-            <a:r>
-              <a:rPr lang="en-US" altLang="zh-CN" sz="2000" dirty="0" err="1"/>
-              <a:t>var</a:t>
-            </a:r>
-            <a:r>
-              <a:rPr lang="en-US" altLang="zh-CN" sz="2000" dirty="0"/>
-              <a:t>:=</a:t>
-            </a:r>
-            <a:r>
-              <a:rPr lang="en-US" altLang="zh-CN" sz="2000" dirty="0" err="1"/>
-              <a:t>newstring</a:t>
-            </a:r>
-            <a:r>
-              <a:rPr lang="en-US" altLang="zh-CN" sz="2000" dirty="0"/>
-              <a:t>}:</a:t>
-            </a:r>
-            <a:r>
-              <a:rPr lang="zh-CN" altLang="en-US" sz="2000" dirty="0"/>
-              <a:t>如果</a:t>
-            </a:r>
-            <a:r>
-              <a:rPr lang="en-US" altLang="zh-CN" sz="2000" dirty="0" err="1"/>
-              <a:t>var</a:t>
-            </a:r>
-            <a:r>
-              <a:rPr lang="zh-CN" altLang="en-US" sz="2000" dirty="0"/>
-              <a:t>未定义或为空值，则返回</a:t>
-            </a:r>
-            <a:r>
-              <a:rPr lang="en-US" altLang="zh-CN" sz="2000" dirty="0" err="1"/>
-              <a:t>newstring</a:t>
-            </a:r>
-            <a:r>
-              <a:rPr lang="zh-CN" altLang="en-US" sz="2000" dirty="0"/>
-              <a:t>，并把</a:t>
-            </a:r>
-            <a:r>
-              <a:rPr lang="en-US" altLang="zh-CN" sz="2000" dirty="0" err="1"/>
-              <a:t>newstring</a:t>
-            </a:r>
-            <a:r>
-              <a:rPr lang="zh-CN" altLang="en-US" sz="2000" dirty="0"/>
-              <a:t>赋给</a:t>
-            </a:r>
-            <a:r>
-              <a:rPr lang="en-US" altLang="zh-CN" sz="2000" dirty="0" err="1"/>
-              <a:t>var</a:t>
-            </a:r>
-            <a:r>
-              <a:rPr lang="zh-CN" altLang="en-US" sz="2000" dirty="0"/>
-              <a:t>；否则返回</a:t>
-            </a:r>
-            <a:r>
-              <a:rPr lang="en-US" altLang="zh-CN" sz="2000" dirty="0" err="1"/>
-              <a:t>var</a:t>
-            </a:r>
-            <a:r>
-              <a:rPr lang="zh-CN" altLang="en-US" sz="2000" dirty="0"/>
-              <a:t>的值</a:t>
-            </a:r>
-          </a:p>
-          <a:p>
-            <a:r>
-              <a:rPr lang="en-US" altLang="zh-CN" sz="2000" dirty="0"/>
-              <a:t>${</a:t>
-            </a:r>
-            <a:r>
-              <a:rPr lang="en-US" altLang="zh-CN" sz="2000" dirty="0" err="1"/>
-              <a:t>var</a:t>
-            </a:r>
-            <a:r>
-              <a:rPr lang="en-US" altLang="zh-CN" sz="2000" dirty="0"/>
-              <a:t>:+</a:t>
-            </a:r>
-            <a:r>
-              <a:rPr lang="en-US" altLang="zh-CN" sz="2000" dirty="0" err="1"/>
-              <a:t>newstring</a:t>
-            </a:r>
-            <a:r>
-              <a:rPr lang="en-US" altLang="zh-CN" sz="2000" dirty="0"/>
-              <a:t>}:</a:t>
-            </a:r>
-            <a:r>
-              <a:rPr lang="zh-CN" altLang="en-US" sz="2000" dirty="0"/>
-              <a:t>如果</a:t>
-            </a:r>
-            <a:r>
-              <a:rPr lang="en-US" altLang="zh-CN" sz="2000" dirty="0" err="1"/>
-              <a:t>var</a:t>
-            </a:r>
-            <a:r>
-              <a:rPr lang="zh-CN" altLang="en-US" sz="2000" dirty="0"/>
-              <a:t>不为空，则返回</a:t>
-            </a:r>
-            <a:r>
-              <a:rPr lang="en-US" altLang="zh-CN" sz="2000" dirty="0" err="1"/>
-              <a:t>newstring</a:t>
-            </a:r>
-            <a:r>
-              <a:rPr lang="zh-CN" altLang="en-US" sz="2000" dirty="0"/>
-              <a:t>；否则返回空值（其实也是</a:t>
-            </a:r>
-            <a:r>
-              <a:rPr lang="en-US" altLang="zh-CN" sz="2000" dirty="0" err="1"/>
-              <a:t>var</a:t>
-            </a:r>
-            <a:r>
-              <a:rPr lang="zh-CN" altLang="en-US" sz="2000" dirty="0"/>
-              <a:t>的值）</a:t>
-            </a:r>
-          </a:p>
-          <a:p>
-            <a:r>
-              <a:rPr lang="en-US" altLang="zh-CN" sz="2000" dirty="0"/>
-              <a:t>${</a:t>
-            </a:r>
-            <a:r>
-              <a:rPr lang="en-US" altLang="zh-CN" sz="2000" dirty="0" err="1"/>
-              <a:t>var</a:t>
-            </a:r>
-            <a:r>
-              <a:rPr lang="en-US" altLang="zh-CN" sz="2000" dirty="0"/>
-              <a:t>:?</a:t>
-            </a:r>
-            <a:r>
-              <a:rPr lang="en-US" altLang="zh-CN" sz="2000" dirty="0" err="1"/>
-              <a:t>newstring</a:t>
-            </a:r>
-            <a:r>
-              <a:rPr lang="en-US" altLang="zh-CN" sz="2000" dirty="0"/>
-              <a:t>}:</a:t>
-            </a:r>
-            <a:r>
-              <a:rPr lang="zh-CN" altLang="en-US" sz="2000" dirty="0"/>
-              <a:t>如果</a:t>
-            </a:r>
-            <a:r>
-              <a:rPr lang="en-US" altLang="zh-CN" sz="2000" dirty="0" err="1"/>
-              <a:t>var</a:t>
-            </a:r>
-            <a:r>
-              <a:rPr lang="zh-CN" altLang="en-US" sz="2000" dirty="0"/>
-              <a:t>未定义或为空值，则将</a:t>
-            </a:r>
-            <a:r>
-              <a:rPr lang="en-US" altLang="zh-CN" sz="2000" dirty="0" err="1"/>
-              <a:t>newstring</a:t>
-            </a:r>
-            <a:r>
-              <a:rPr lang="zh-CN" altLang="en-US" sz="2000" dirty="0"/>
-              <a:t>写入标准错误，本语句失败；否则返回</a:t>
-            </a:r>
-            <a:r>
-              <a:rPr lang="en-US" altLang="zh-CN" sz="2000" dirty="0" err="1"/>
-              <a:t>var</a:t>
-            </a:r>
-            <a:r>
-              <a:rPr lang="zh-CN" altLang="en-US" sz="2000" dirty="0"/>
-              <a:t>的值</a:t>
-            </a:r>
-            <a:endParaRPr lang="en-US" altLang="zh-CN" sz="2000" dirty="0"/>
-          </a:p>
-          <a:p>
-            <a:r>
-              <a:rPr lang="en-US" altLang="zh-CN" sz="2000" dirty="0"/>
-              <a:t>$(command):</a:t>
-            </a:r>
-            <a:r>
-              <a:rPr lang="zh-CN" altLang="en-US" sz="2000" dirty="0"/>
-              <a:t>返回</a:t>
-            </a:r>
-            <a:r>
-              <a:rPr lang="en-US" altLang="zh-CN" sz="2000" dirty="0"/>
-              <a:t>command</a:t>
-            </a:r>
-            <a:r>
-              <a:rPr lang="zh-CN" altLang="en-US" sz="2000" dirty="0"/>
-              <a:t>命令执行后所输出的结果，相当于 </a:t>
-            </a:r>
-            <a:r>
-              <a:rPr lang="en-US" altLang="zh-CN" sz="2000" dirty="0"/>
-              <a:t>`command`</a:t>
-            </a:r>
-          </a:p>
-          <a:p>
-            <a:r>
-              <a:rPr lang="en-US" altLang="zh-CN" sz="2000" dirty="0"/>
-              <a:t>$((</a:t>
-            </a:r>
-            <a:r>
-              <a:rPr lang="zh-CN" altLang="en-US" sz="2000" dirty="0"/>
-              <a:t>算术表达式</a:t>
-            </a:r>
-            <a:r>
-              <a:rPr lang="en-US" altLang="zh-CN" sz="2000" dirty="0"/>
-              <a:t>)):</a:t>
-            </a:r>
-            <a:r>
-              <a:rPr lang="zh-CN" altLang="en-US" sz="2000" dirty="0"/>
-              <a:t>返回双括号内算术运算的结果。</a:t>
-            </a:r>
           </a:p>
         </p:txBody>
       </p:sp>
     </p:spTree>
     <p:extLst>
       <p:ext uri="{BB962C8B-B14F-4D97-AF65-F5344CB8AC3E}">
-        <p14:creationId xmlns:p14="http://schemas.microsoft.com/office/powerpoint/2010/main" val="499639104"/>
+        <p14:creationId xmlns:p14="http://schemas.microsoft.com/office/powerpoint/2010/main" val="74908504"/>
       </p:ext>
     </p:extLst>
   </p:cSld>
@@ -7847,7 +7911,13 @@
       </p:grpSpPr>
       <p:sp>
         <p:nvSpPr>
-          <p:cNvPr id="2" name="标题 1"/>
+          <p:cNvPr id="2" name="标题 1">
+            <a:extLst>
+              <a:ext uri="{FF2B5EF4-FFF2-40B4-BE49-F238E27FC236}">
+                <a16:creationId xmlns:a16="http://schemas.microsoft.com/office/drawing/2014/main" id="{8B88BACC-24DE-4087-9AB3-A099CF573089}"/>
+              </a:ext>
+            </a:extLst>
+          </p:cNvPr>
           <p:cNvSpPr>
             <a:spLocks noGrp="1"/>
           </p:cNvSpPr>
@@ -7862,14 +7932,20 @@
           <a:p>
             <a:r>
               <a:rPr lang="zh-CN" altLang="en-US" dirty="0"/>
-              <a:t>脚本的特殊变量</a:t>
-            </a:r>
-          </a:p>
-        </p:txBody>
-      </p:sp>
-      <p:sp>
-        <p:nvSpPr>
-          <p:cNvPr id="3" name="内容占位符 2"/>
+              <a:t>参考资料</a:t>
+            </a:r>
+          </a:p>
+        </p:txBody>
+      </p:sp>
+      <p:sp>
+        <p:nvSpPr>
+          <p:cNvPr id="3" name="内容占位符 2">
+            <a:extLst>
+              <a:ext uri="{FF2B5EF4-FFF2-40B4-BE49-F238E27FC236}">
+                <a16:creationId xmlns:a16="http://schemas.microsoft.com/office/drawing/2014/main" id="{0A1C6B17-780B-4799-8193-E52FD817AC0E}"/>
+              </a:ext>
+            </a:extLst>
+          </p:cNvPr>
           <p:cNvSpPr>
             <a:spLocks noGrp="1"/>
           </p:cNvSpPr>
@@ -7879,263 +7955,136 @@
         </p:nvSpPr>
         <p:spPr/>
         <p:txBody>
-          <a:bodyPr>
-            <a:noAutofit/>
-          </a:bodyPr>
-          <a:lstStyle/>
-          <a:p>
-            <a:r>
-              <a:rPr lang="en-US" altLang="zh-CN" sz="2000" dirty="0"/>
-              <a:t>$0</a:t>
-            </a:r>
-            <a:r>
-              <a:rPr lang="zh-CN" altLang="en-US" sz="2000" dirty="0"/>
-              <a:t>：当前脚本的文件名</a:t>
-            </a:r>
-            <a:r>
-              <a:rPr lang="en-US" altLang="zh-CN" sz="2000" dirty="0"/>
-              <a:t>/</a:t>
-            </a:r>
-            <a:r>
-              <a:rPr lang="zh-CN" altLang="en-US" sz="2000" dirty="0"/>
-              <a:t>当前执行的进程</a:t>
-            </a:r>
-            <a:r>
-              <a:rPr lang="en-US" altLang="zh-CN" sz="2000" dirty="0"/>
-              <a:t>/</a:t>
-            </a:r>
-            <a:r>
-              <a:rPr lang="zh-CN" altLang="en-US" sz="2000" dirty="0"/>
-              <a:t>程序名</a:t>
-            </a:r>
-          </a:p>
-          <a:p>
-            <a:r>
-              <a:rPr lang="en-US" altLang="zh-CN" sz="2000" dirty="0"/>
-              <a:t>$n</a:t>
-            </a:r>
-            <a:r>
-              <a:rPr lang="zh-CN" altLang="en-US" sz="2000" dirty="0"/>
-              <a:t>：</a:t>
-            </a:r>
-            <a:r>
-              <a:rPr lang="en-US" altLang="zh-CN" sz="2000" dirty="0"/>
-              <a:t>n</a:t>
-            </a:r>
-            <a:r>
-              <a:rPr lang="zh-CN" altLang="en-US" sz="2000" dirty="0"/>
-              <a:t>为从</a:t>
-            </a:r>
-            <a:r>
-              <a:rPr lang="en-US" altLang="zh-CN" sz="2000" dirty="0"/>
-              <a:t>1</a:t>
-            </a:r>
-            <a:r>
-              <a:rPr lang="zh-CN" altLang="en-US" sz="2000" dirty="0"/>
-              <a:t>开始的数字，</a:t>
-            </a:r>
-            <a:r>
-              <a:rPr lang="en-US" altLang="zh-CN" sz="2000" dirty="0"/>
-              <a:t>$1</a:t>
-            </a:r>
-            <a:r>
-              <a:rPr lang="zh-CN" altLang="en-US" sz="2000" dirty="0"/>
-              <a:t>是第一个参数，</a:t>
-            </a:r>
-            <a:r>
-              <a:rPr lang="en-US" altLang="zh-CN" sz="2000" dirty="0"/>
-              <a:t>$2</a:t>
-            </a:r>
-            <a:r>
-              <a:rPr lang="zh-CN" altLang="en-US" sz="2000" dirty="0"/>
-              <a:t>是第二个参数，</a:t>
-            </a:r>
-            <a:r>
-              <a:rPr lang="en-US" altLang="zh-CN" sz="2000" dirty="0"/>
-              <a:t>${10}</a:t>
-            </a:r>
-            <a:r>
-              <a:rPr lang="zh-CN" altLang="en-US" sz="2000" dirty="0"/>
-              <a:t>是第十个参数（从</a:t>
-            </a:r>
-            <a:r>
-              <a:rPr lang="en-US" altLang="zh-CN" sz="2000" dirty="0"/>
-              <a:t>${10}</a:t>
-            </a:r>
-            <a:r>
-              <a:rPr lang="zh-CN" altLang="en-US" sz="2000" dirty="0"/>
-              <a:t>开始参数号需要用花括号括起来）</a:t>
-            </a:r>
+          <a:bodyPr/>
+          <a:lstStyle/>
+          <a:p>
             <a:endParaRPr lang="en-US" altLang="zh-CN" sz="2000" dirty="0"/>
           </a:p>
           <a:p>
-            <a:endParaRPr lang="zh-CN" altLang="en-US" sz="2000" dirty="0"/>
-          </a:p>
-          <a:p>
-            <a:r>
-              <a:rPr lang="en-US" altLang="zh-CN" sz="2000" dirty="0"/>
-              <a:t>$#</a:t>
-            </a:r>
-            <a:r>
-              <a:rPr lang="zh-CN" altLang="en-US" sz="2000" dirty="0"/>
-              <a:t>：传入脚本的参数的个数</a:t>
-            </a:r>
-          </a:p>
-          <a:p>
-            <a:r>
-              <a:rPr lang="en-US" altLang="zh-CN" sz="2000" dirty="0"/>
-              <a:t>$*</a:t>
-            </a:r>
-            <a:r>
-              <a:rPr lang="zh-CN" altLang="en-US" sz="2000" dirty="0"/>
-              <a:t>：所有的位置参数</a:t>
-            </a:r>
-            <a:r>
-              <a:rPr lang="en-US" altLang="zh-CN" sz="2000" dirty="0"/>
-              <a:t>(</a:t>
-            </a:r>
-            <a:r>
-              <a:rPr lang="zh-CN" altLang="en-US" sz="2000" dirty="0"/>
-              <a:t>作为单个字符串</a:t>
-            </a:r>
-            <a:r>
-              <a:rPr lang="en-US" altLang="zh-CN" sz="2000" dirty="0"/>
-              <a:t>)</a:t>
-            </a:r>
-          </a:p>
-          <a:p>
-            <a:r>
-              <a:rPr lang="en-US" altLang="zh-CN" sz="2000" dirty="0"/>
-              <a:t>$@</a:t>
-            </a:r>
-            <a:r>
-              <a:rPr lang="zh-CN" altLang="en-US" sz="2000" dirty="0"/>
-              <a:t>：所有的位置参数</a:t>
-            </a:r>
-            <a:r>
-              <a:rPr lang="en-US" altLang="zh-CN" sz="2000" dirty="0"/>
-              <a:t>(</a:t>
-            </a:r>
-            <a:r>
-              <a:rPr lang="zh-CN" altLang="en-US" sz="2000" dirty="0"/>
-              <a:t>每个都作为独立的字符串</a:t>
-            </a:r>
-            <a:r>
-              <a:rPr lang="en-US" altLang="zh-CN" sz="2000" dirty="0"/>
-              <a:t>)</a:t>
-            </a:r>
-            <a:r>
-              <a:rPr lang="zh-CN" altLang="en-US" sz="2000" dirty="0"/>
+            <a:r>
+              <a:rPr lang="en-US" altLang="zh-CN" sz="2000" dirty="0"/>
+              <a:t>shell</a:t>
+            </a:r>
+            <a:r>
+              <a:rPr lang="zh-CN" altLang="en-US" sz="2000" dirty="0"/>
+              <a:t>脚本章节参考了以下资料，更完整的</a:t>
+            </a:r>
+            <a:r>
+              <a:rPr lang="en-US" altLang="zh-CN" sz="2000" dirty="0"/>
+              <a:t>shell</a:t>
+            </a:r>
+            <a:r>
+              <a:rPr lang="zh-CN" altLang="en-US" sz="2000" dirty="0"/>
+              <a:t>脚本可参考：</a:t>
+            </a:r>
+            <a:endParaRPr lang="en-US" altLang="zh-CN" sz="2000" dirty="0"/>
+          </a:p>
+          <a:p>
+            <a:pPr marL="0" indent="0">
+              <a:buNone/>
+            </a:pPr>
+            <a:endParaRPr lang="en-US" altLang="zh-CN" sz="1800" dirty="0"/>
+          </a:p>
+          <a:p>
+            <a:pPr marL="457200" lvl="1" indent="0">
+              <a:buNone/>
+            </a:pPr>
+            <a:r>
+              <a:rPr lang="en-US" altLang="zh-CN" sz="1800" dirty="0"/>
+              <a:t>Linux</a:t>
+            </a:r>
+            <a:r>
+              <a:rPr lang="zh-CN" altLang="en-US" sz="1800" dirty="0"/>
+              <a:t>联机文档</a:t>
+            </a:r>
+            <a:endParaRPr lang="en-US" altLang="zh-CN" sz="1800" dirty="0"/>
+          </a:p>
+          <a:p>
+            <a:pPr marL="457200" lvl="1" indent="0">
+              <a:buNone/>
+            </a:pPr>
+            <a:endParaRPr lang="en-US" altLang="zh-CN" sz="1800" dirty="0"/>
+          </a:p>
+          <a:p>
+            <a:pPr marL="457200" lvl="1" indent="0">
+              <a:buNone/>
+            </a:pPr>
+            <a:r>
+              <a:rPr lang="en-US" altLang="zh-CN" sz="1800" dirty="0"/>
+              <a:t>O’Reilly</a:t>
+            </a:r>
+            <a:r>
+              <a:rPr lang="zh-CN" altLang="en-US" sz="1800" dirty="0"/>
+              <a:t>出版的</a:t>
+            </a:r>
+            <a:r>
+              <a:rPr lang="en-US" altLang="zh-CN" sz="1800" dirty="0"/>
+              <a:t>《Classic Shell Script》</a:t>
+            </a:r>
+            <a:r>
+              <a:rPr lang="zh-CN" altLang="en-US" sz="1800" dirty="0"/>
+              <a:t>（</a:t>
+            </a:r>
+            <a:r>
+              <a:rPr lang="en-US" altLang="zh-CN" sz="1800" dirty="0"/>
+              <a:t>《Shell</a:t>
+            </a:r>
+            <a:r>
+              <a:rPr lang="zh-CN" altLang="en-US" sz="1800" dirty="0"/>
+              <a:t>脚本学习指南</a:t>
+            </a:r>
+            <a:r>
+              <a:rPr lang="en-US" altLang="zh-CN" sz="1800" dirty="0"/>
+              <a:t>》</a:t>
+            </a:r>
+            <a:r>
+              <a:rPr lang="zh-CN" altLang="en-US" sz="1800" dirty="0"/>
+              <a:t>）</a:t>
+            </a:r>
+            <a:endParaRPr lang="en-US" altLang="zh-CN" sz="1800" dirty="0"/>
+          </a:p>
+          <a:p>
+            <a:pPr marL="457200" lvl="1" indent="0">
+              <a:buNone/>
+            </a:pPr>
+            <a:endParaRPr lang="en-US" altLang="zh-CN" sz="1800" dirty="0"/>
+          </a:p>
+          <a:p>
+            <a:pPr marL="457200" lvl="1" indent="0">
+              <a:buNone/>
+            </a:pPr>
+            <a:r>
+              <a:rPr lang="en-US" altLang="zh-CN" sz="1800" dirty="0"/>
+              <a:t>《Linux Shell Script </a:t>
+            </a:r>
+            <a:r>
+              <a:rPr lang="en-US" altLang="zh-CN" sz="1800" dirty="0" err="1"/>
+              <a:t>Coobook</a:t>
+            </a:r>
+            <a:r>
+              <a:rPr lang="en-US" altLang="zh-CN" sz="1800" dirty="0"/>
+              <a:t>》 by </a:t>
+            </a:r>
+            <a:r>
+              <a:rPr lang="en-US" altLang="zh-CN" sz="1800" dirty="0" err="1"/>
+              <a:t>Sarath</a:t>
+            </a:r>
+            <a:r>
+              <a:rPr lang="en-US" altLang="zh-CN" sz="1800" dirty="0"/>
+              <a:t> Lakshman</a:t>
+            </a:r>
+            <a:r>
+              <a:rPr lang="zh-CN" altLang="en-US" sz="1800" dirty="0"/>
               <a:t>。</a:t>
             </a:r>
-          </a:p>
-          <a:p>
-            <a:r>
-              <a:rPr lang="en-US" altLang="zh-CN" sz="2000" dirty="0"/>
-              <a:t>$?</a:t>
-            </a:r>
-            <a:r>
-              <a:rPr lang="zh-CN" altLang="en-US" sz="2000" dirty="0"/>
-              <a:t>：当前</a:t>
-            </a:r>
-            <a:r>
-              <a:rPr lang="en-US" altLang="zh-CN" sz="2000" dirty="0"/>
-              <a:t>shell</a:t>
-            </a:r>
-            <a:r>
-              <a:rPr lang="zh-CN" altLang="en-US" sz="2000" dirty="0"/>
-              <a:t>进程中，上一个命令的返回值，如果上一个命令成功执行则</a:t>
-            </a:r>
-            <a:r>
-              <a:rPr lang="en-US" altLang="zh-CN" sz="2000" dirty="0"/>
-              <a:t>$?</a:t>
-            </a:r>
-            <a:r>
-              <a:rPr lang="zh-CN" altLang="en-US" sz="2000" dirty="0"/>
-              <a:t>的值为</a:t>
-            </a:r>
-            <a:r>
-              <a:rPr lang="en-US" altLang="zh-CN" sz="2000" dirty="0"/>
-              <a:t>0</a:t>
-            </a:r>
-            <a:r>
-              <a:rPr lang="zh-CN" altLang="en-US" sz="2000" dirty="0"/>
-              <a:t>，否则</a:t>
-            </a:r>
-            <a:endParaRPr lang="en-US" altLang="zh-CN" sz="2000" dirty="0"/>
-          </a:p>
-          <a:p>
-            <a:pPr marL="0" indent="0">
-              <a:buNone/>
-            </a:pPr>
-            <a:r>
-              <a:rPr lang="en-US" altLang="zh-CN" sz="2000" dirty="0"/>
-              <a:t>           </a:t>
-            </a:r>
-            <a:r>
-              <a:rPr lang="zh-CN" altLang="en-US" sz="2000" dirty="0"/>
-              <a:t>为其他非零值，常用做</a:t>
-            </a:r>
-            <a:r>
-              <a:rPr lang="en-US" altLang="zh-CN" sz="2000" dirty="0"/>
-              <a:t>if</a:t>
-            </a:r>
-            <a:r>
-              <a:rPr lang="zh-CN" altLang="en-US" sz="2000" dirty="0"/>
-              <a:t>语句条件</a:t>
-            </a:r>
-            <a:endParaRPr lang="en-US" altLang="zh-CN" sz="2000" dirty="0"/>
-          </a:p>
-          <a:p>
-            <a:pPr marL="0" indent="0">
-              <a:buNone/>
-            </a:pPr>
-            <a:endParaRPr lang="zh-CN" altLang="en-US" sz="2000" dirty="0"/>
-          </a:p>
-          <a:p>
-            <a:r>
-              <a:rPr lang="en-US" altLang="zh-CN" sz="2000" dirty="0"/>
-              <a:t>$$</a:t>
-            </a:r>
-            <a:r>
-              <a:rPr lang="zh-CN" altLang="en-US" sz="2000" dirty="0"/>
-              <a:t>：当前</a:t>
-            </a:r>
-            <a:r>
-              <a:rPr lang="en-US" altLang="zh-CN" sz="2000" dirty="0"/>
-              <a:t>shell</a:t>
-            </a:r>
-            <a:r>
-              <a:rPr lang="zh-CN" altLang="en-US" sz="2000" dirty="0"/>
-              <a:t>进程的</a:t>
-            </a:r>
-            <a:r>
-              <a:rPr lang="en-US" altLang="zh-CN" sz="2000" dirty="0" err="1"/>
-              <a:t>pid</a:t>
-            </a:r>
-            <a:endParaRPr lang="en-US" altLang="zh-CN" sz="2000" dirty="0"/>
-          </a:p>
-          <a:p>
-            <a:r>
-              <a:rPr lang="en-US" altLang="zh-CN" sz="2000" dirty="0"/>
-              <a:t>$!</a:t>
-            </a:r>
-            <a:r>
-              <a:rPr lang="zh-CN" altLang="en-US" sz="2000" dirty="0"/>
-              <a:t>：后台运行的最后一个进程的</a:t>
-            </a:r>
-            <a:r>
-              <a:rPr lang="en-US" altLang="zh-CN" sz="2000" dirty="0" err="1"/>
-              <a:t>pid</a:t>
-            </a:r>
-            <a:endParaRPr lang="en-US" altLang="zh-CN" sz="2000" dirty="0"/>
+            <a:endParaRPr lang="en-US" altLang="zh-CN" sz="1800" dirty="0"/>
           </a:p>
         </p:txBody>
       </p:sp>
     </p:spTree>
     <p:extLst>
       <p:ext uri="{BB962C8B-B14F-4D97-AF65-F5344CB8AC3E}">
-        <p14:creationId xmlns:p14="http://schemas.microsoft.com/office/powerpoint/2010/main" val="74908504"/>
+        <p14:creationId xmlns:p14="http://schemas.microsoft.com/office/powerpoint/2010/main" val="2900927580"/>
       </p:ext>
     </p:extLst>
   </p:cSld>
@@ -8184,8 +8133,12 @@
           <a:lstStyle/>
           <a:p>
             <a:r>
+              <a:rPr lang="en-US" altLang="zh-CN" dirty="0"/>
+              <a:t>shell</a:t>
+            </a:r>
+            <a:r>
               <a:rPr lang="zh-CN" altLang="en-US" dirty="0"/>
-              <a:t>参考资料</a:t>
+              <a:t>脚本</a:t>
             </a:r>
           </a:p>
         </p:txBody>
@@ -8211,6 +8164,46 @@
           <a:bodyPr/>
           <a:lstStyle/>
           <a:p>
+            <a:r>
+              <a:rPr lang="en-US" altLang="zh-CN" sz="2000" dirty="0"/>
+              <a:t>shell</a:t>
+            </a:r>
+            <a:r>
+              <a:rPr lang="zh-CN" altLang="en-US" sz="2000" dirty="0"/>
+              <a:t>的实现版本支持的语法大致都相同，区别并不大。一般都支持变量，</a:t>
+            </a:r>
+            <a:r>
+              <a:rPr lang="en-US" altLang="zh-CN" sz="2000" dirty="0"/>
+              <a:t>if</a:t>
+            </a:r>
+            <a:r>
+              <a:rPr lang="zh-CN" altLang="en-US" sz="2000" dirty="0"/>
+              <a:t>，</a:t>
+            </a:r>
+            <a:r>
+              <a:rPr lang="en-US" altLang="zh-CN" sz="2000" dirty="0"/>
+              <a:t>else</a:t>
+            </a:r>
+            <a:r>
+              <a:rPr lang="zh-CN" altLang="en-US" sz="2000" dirty="0"/>
+              <a:t>，</a:t>
+            </a:r>
+            <a:r>
+              <a:rPr lang="en-US" altLang="zh-CN" sz="2000" dirty="0"/>
+              <a:t>for</a:t>
+            </a:r>
+            <a:r>
+              <a:rPr lang="zh-CN" altLang="en-US" sz="2000" dirty="0"/>
+              <a:t>，</a:t>
+            </a:r>
+            <a:r>
+              <a:rPr lang="en-US" altLang="zh-CN" sz="2000" dirty="0"/>
+              <a:t>while</a:t>
+            </a:r>
+            <a:r>
+              <a:rPr lang="zh-CN" altLang="en-US" sz="2000" dirty="0"/>
+              <a:t>关键字等。</a:t>
+            </a:r>
             <a:endParaRPr lang="en-US" altLang="zh-CN" sz="2000" dirty="0"/>
           </a:p>
           <a:p>
@@ -8220,7 +8213,7 @@
             </a:r>
             <a:r>
               <a:rPr lang="zh-CN" altLang="en-US" sz="2000" dirty="0"/>
-              <a:t>脚本章节参考了以下资料，更完整的</a:t>
+              <a:t>脚本在运行时会逐步执行脚本文件里面的命令。脚本实际上就是</a:t>
             </a:r>
             <a:r>
               <a:rPr lang="en-US" altLang="zh-CN" sz="2000" dirty="0"/>
@@ -8228,116 +8221,226 @@
             </a:r>
             <a:r>
               <a:rPr lang="zh-CN" altLang="en-US" sz="2000" dirty="0"/>
-              <a:t>脚本可参考：</a:t>
+              <a:t>命令的堆叠。</a:t>
             </a:r>
             <a:endParaRPr lang="en-US" altLang="zh-CN" sz="2000" dirty="0"/>
           </a:p>
           <a:p>
+            <a:r>
+              <a:rPr lang="zh-CN" altLang="en-US" sz="2000" dirty="0"/>
+              <a:t>大多数</a:t>
+            </a:r>
+            <a:r>
+              <a:rPr lang="en-US" altLang="zh-CN" sz="2000" dirty="0"/>
+              <a:t>Linux</a:t>
+            </a:r>
+            <a:r>
+              <a:rPr lang="zh-CN" altLang="en-US" sz="2000" dirty="0"/>
+              <a:t>发行版的默认</a:t>
+            </a:r>
+            <a:r>
+              <a:rPr lang="en-US" altLang="zh-CN" sz="2000" dirty="0"/>
+              <a:t>shell</a:t>
+            </a:r>
+            <a:r>
+              <a:rPr lang="zh-CN" altLang="en-US" sz="2000" dirty="0"/>
+              <a:t>都是</a:t>
+            </a:r>
+            <a:r>
+              <a:rPr lang="en-US" altLang="zh-CN" sz="2000" dirty="0"/>
+              <a:t>bash</a:t>
+            </a:r>
+            <a:r>
+              <a:rPr lang="zh-CN" altLang="en-US" sz="2000" dirty="0"/>
+              <a:t>。其他</a:t>
+            </a:r>
+            <a:r>
+              <a:rPr lang="en-US" altLang="zh-CN" sz="2000" dirty="0"/>
+              <a:t>shell</a:t>
+            </a:r>
+            <a:r>
+              <a:rPr lang="zh-CN" altLang="en-US" sz="2000" dirty="0"/>
+              <a:t>实现程序虽有自己不同的设计，但是也会兼容</a:t>
+            </a:r>
+            <a:r>
+              <a:rPr lang="en-US" altLang="zh-CN" sz="2000" dirty="0"/>
+              <a:t>bash</a:t>
+            </a:r>
+            <a:r>
+              <a:rPr lang="zh-CN" altLang="en-US" sz="2000" dirty="0"/>
+              <a:t>的配置文件。</a:t>
+            </a:r>
+            <a:endParaRPr lang="en-US" altLang="zh-CN" sz="2000" dirty="0"/>
+          </a:p>
+          <a:p>
+            <a:r>
+              <a:rPr lang="zh-CN" altLang="en-US" sz="2000" dirty="0"/>
+              <a:t>文件第一行使用</a:t>
+            </a:r>
+            <a:r>
+              <a:rPr lang="en-US" altLang="zh-CN" sz="2000" dirty="0"/>
+              <a:t>#!/bin/bash</a:t>
+            </a:r>
+            <a:r>
+              <a:rPr lang="zh-CN" altLang="en-US" sz="2000" dirty="0"/>
+              <a:t>表明这是一个</a:t>
+            </a:r>
+            <a:r>
+              <a:rPr lang="en-US" altLang="zh-CN" sz="2000" dirty="0"/>
+              <a:t>bash</a:t>
+            </a:r>
+            <a:r>
+              <a:rPr lang="zh-CN" altLang="en-US" sz="2000" dirty="0"/>
+              <a:t>脚本，注意有些脚本程序使用</a:t>
+            </a:r>
+            <a:r>
+              <a:rPr lang="en-US" altLang="zh-CN" sz="2000" dirty="0"/>
+              <a:t>#!/bin/</a:t>
+            </a:r>
+            <a:r>
+              <a:rPr lang="en-US" altLang="zh-CN" sz="2000" dirty="0" err="1"/>
+              <a:t>sh</a:t>
+            </a:r>
+            <a:r>
+              <a:rPr lang="zh-CN" altLang="en-US" sz="2000" dirty="0"/>
+              <a:t>表示。</a:t>
+            </a:r>
+            <a:endParaRPr lang="en-US" altLang="zh-CN" sz="2000" dirty="0"/>
+          </a:p>
+          <a:p>
+            <a:r>
+              <a:rPr lang="zh-CN" altLang="en-US" sz="2000" dirty="0"/>
+              <a:t>在</a:t>
+            </a:r>
+            <a:r>
+              <a:rPr lang="en-US" altLang="zh-CN" sz="2000" dirty="0"/>
+              <a:t>Ubuntu/Debian</a:t>
+            </a:r>
+            <a:r>
+              <a:rPr lang="zh-CN" altLang="en-US" sz="2000" dirty="0"/>
+              <a:t>上，</a:t>
+            </a:r>
+            <a:r>
+              <a:rPr lang="en-US" altLang="zh-CN" sz="2000" dirty="0" err="1"/>
+              <a:t>sh</a:t>
+            </a:r>
+            <a:r>
+              <a:rPr lang="zh-CN" altLang="en-US" sz="2000" dirty="0"/>
+              <a:t>是一个符号链接指向</a:t>
+            </a:r>
+            <a:r>
+              <a:rPr lang="en-US" altLang="zh-CN" sz="2000" dirty="0"/>
+              <a:t>dash</a:t>
+            </a:r>
+            <a:r>
+              <a:rPr lang="zh-CN" altLang="en-US" sz="2000" dirty="0"/>
+              <a:t>，</a:t>
+            </a:r>
+            <a:r>
+              <a:rPr lang="en-US" altLang="zh-CN" sz="2000" dirty="0"/>
+              <a:t>dash</a:t>
+            </a:r>
+            <a:r>
+              <a:rPr lang="zh-CN" altLang="en-US" sz="2000" dirty="0"/>
+              <a:t>是一个专为执行脚本而设计的</a:t>
+            </a:r>
+            <a:r>
+              <a:rPr lang="en-US" altLang="zh-CN" sz="2000" dirty="0"/>
+              <a:t>shell</a:t>
+            </a:r>
+            <a:r>
+              <a:rPr lang="zh-CN" altLang="en-US" sz="2000" dirty="0"/>
+              <a:t>程序，执行速度快，语法遵循</a:t>
+            </a:r>
+            <a:r>
+              <a:rPr lang="en-US" altLang="zh-CN" sz="2000" dirty="0"/>
+              <a:t>POSIX</a:t>
+            </a:r>
+            <a:r>
+              <a:rPr lang="zh-CN" altLang="en-US" sz="2000" dirty="0"/>
+              <a:t>标准，但是功能比</a:t>
+            </a:r>
+            <a:r>
+              <a:rPr lang="en-US" altLang="zh-CN" sz="2000" dirty="0"/>
+              <a:t>bash</a:t>
+            </a:r>
+            <a:r>
+              <a:rPr lang="zh-CN" altLang="en-US" sz="2000" dirty="0"/>
+              <a:t>少很多。</a:t>
+            </a:r>
+            <a:endParaRPr lang="en-US" altLang="zh-CN" sz="2000" dirty="0"/>
+          </a:p>
+          <a:p>
+            <a:r>
+              <a:rPr lang="zh-CN" altLang="en-US" sz="2000" dirty="0"/>
+              <a:t>一个简单的脚本：开头声明这是一个</a:t>
+            </a:r>
+            <a:r>
+              <a:rPr lang="en-US" altLang="zh-CN" sz="2000" dirty="0"/>
+              <a:t>bash</a:t>
+            </a:r>
+            <a:r>
+              <a:rPr lang="zh-CN" altLang="en-US" sz="2000" dirty="0"/>
+              <a:t>脚本，然后是主要操作代码，最后以</a:t>
+            </a:r>
+            <a:r>
+              <a:rPr lang="en-US" altLang="zh-CN" sz="2000" dirty="0"/>
+              <a:t>exit 0</a:t>
+            </a:r>
+            <a:r>
+              <a:rPr lang="zh-CN" altLang="en-US" sz="2000" dirty="0"/>
+              <a:t>退出。</a:t>
+            </a:r>
+            <a:endParaRPr lang="en-US" altLang="zh-CN" sz="2000" dirty="0"/>
+          </a:p>
+          <a:p>
             <a:pPr marL="0" indent="0">
               <a:buNone/>
             </a:pPr>
-            <a:endParaRPr lang="en-US" altLang="zh-CN" sz="1800" dirty="0"/>
-          </a:p>
-          <a:p>
-            <a:pPr marL="457200" lvl="1" indent="0">
-              <a:buNone/>
-            </a:pPr>
-            <a:r>
-              <a:rPr lang="en-US" altLang="zh-CN" sz="1800" dirty="0"/>
-              <a:t>Linux</a:t>
-            </a:r>
-            <a:r>
-              <a:rPr lang="zh-CN" altLang="en-US" sz="1800" dirty="0"/>
-              <a:t>联机文档</a:t>
-            </a:r>
-            <a:endParaRPr lang="en-US" altLang="zh-CN" sz="1800" dirty="0"/>
-          </a:p>
-          <a:p>
-            <a:pPr marL="457200" lvl="1" indent="0">
-              <a:buNone/>
-            </a:pPr>
-            <a:endParaRPr lang="en-US" altLang="zh-CN" sz="1800" dirty="0"/>
-          </a:p>
-          <a:p>
-            <a:pPr marL="457200" lvl="1" indent="0">
-              <a:buNone/>
-            </a:pPr>
-            <a:r>
-              <a:rPr lang="en-US" altLang="zh-CN" sz="1800" dirty="0"/>
-              <a:t>O’Reilly</a:t>
-            </a:r>
-            <a:r>
-              <a:rPr lang="zh-CN" altLang="en-US" sz="1800" dirty="0"/>
-              <a:t>出版的</a:t>
-            </a:r>
-            <a:r>
-              <a:rPr lang="en-US" altLang="zh-CN" sz="1800" dirty="0"/>
-              <a:t>《Classic Shell Script》</a:t>
-            </a:r>
-            <a:r>
-              <a:rPr lang="zh-CN" altLang="en-US" sz="1800" dirty="0"/>
-              <a:t>（</a:t>
-            </a:r>
-            <a:r>
-              <a:rPr lang="en-US" altLang="zh-CN" sz="1800" dirty="0"/>
-              <a:t>《Shell</a:t>
-            </a:r>
-            <a:r>
-              <a:rPr lang="zh-CN" altLang="en-US" sz="1800" dirty="0"/>
-              <a:t>脚本学习指南</a:t>
-            </a:r>
-            <a:r>
-              <a:rPr lang="en-US" altLang="zh-CN" sz="1800" dirty="0"/>
-              <a:t>》</a:t>
-            </a:r>
-            <a:r>
-              <a:rPr lang="zh-CN" altLang="en-US" sz="1800" dirty="0"/>
-              <a:t>）</a:t>
-            </a:r>
-            <a:endParaRPr lang="en-US" altLang="zh-CN" sz="1800" dirty="0"/>
-          </a:p>
-          <a:p>
-            <a:pPr marL="457200" lvl="1" indent="0">
-              <a:buNone/>
-            </a:pPr>
-            <a:endParaRPr lang="en-US" altLang="zh-CN" sz="1800" dirty="0"/>
-          </a:p>
-          <a:p>
-            <a:pPr marL="457200" lvl="1" indent="0">
-              <a:buNone/>
-            </a:pPr>
-            <a:r>
-              <a:rPr lang="en-US" altLang="zh-CN" sz="1800" dirty="0"/>
-              <a:t>《Linux Shell Script </a:t>
-            </a:r>
-            <a:r>
-              <a:rPr lang="en-US" altLang="zh-CN" sz="1800" dirty="0" err="1"/>
-              <a:t>Coobook</a:t>
-            </a:r>
-            <a:r>
-              <a:rPr lang="en-US" altLang="zh-CN" sz="1800" dirty="0"/>
-              <a:t>》 by </a:t>
-            </a:r>
-            <a:r>
-              <a:rPr lang="en-US" altLang="zh-CN" sz="1800" dirty="0" err="1"/>
-              <a:t>Sarath</a:t>
-            </a:r>
-            <a:r>
-              <a:rPr lang="en-US" altLang="zh-CN" sz="1800" dirty="0"/>
-              <a:t> Lakshman</a:t>
-            </a:r>
-            <a:r>
-              <a:rPr lang="zh-CN" altLang="en-US" sz="1800" dirty="0"/>
-              <a:t>。</a:t>
-            </a:r>
-            <a:endParaRPr lang="en-US" altLang="zh-CN" sz="1800" dirty="0"/>
-          </a:p>
-        </p:txBody>
-      </p:sp>
+            <a:endParaRPr lang="en-US" altLang="zh-CN" sz="2000" dirty="0"/>
+          </a:p>
+        </p:txBody>
+      </p:sp>
+      <p:pic>
+        <p:nvPicPr>
+          <p:cNvPr id="9" name="图片 8">
+            <a:extLst>
+              <a:ext uri="{FF2B5EF4-FFF2-40B4-BE49-F238E27FC236}">
+                <a16:creationId xmlns:a16="http://schemas.microsoft.com/office/drawing/2014/main" id="{67AD0491-89B2-48F9-A940-2C9B72CDFD40}"/>
+              </a:ext>
+            </a:extLst>
+          </p:cNvPr>
+          <p:cNvPicPr>
+            <a:picLocks noChangeAspect="1"/>
+          </p:cNvPicPr>
+          <p:nvPr/>
+        </p:nvPicPr>
+        <p:blipFill>
+          <a:blip r:embed="rId2">
+            <a:extLst>
+              <a:ext uri="{28A0092B-C50C-407E-A947-70E740481C1C}">
+                <a14:useLocalDpi xmlns:a14="http://schemas.microsoft.com/office/drawing/2010/main" val="0"/>
+              </a:ext>
+            </a:extLst>
+          </a:blip>
+          <a:stretch>
+            <a:fillRect/>
+          </a:stretch>
+        </p:blipFill>
+        <p:spPr>
+          <a:xfrm>
+            <a:off x="2813961" y="4973350"/>
+            <a:ext cx="5619579" cy="1602018"/>
+          </a:xfrm>
+          <a:prstGeom prst="rect">
+            <a:avLst/>
+          </a:prstGeom>
+        </p:spPr>
+      </p:pic>
     </p:spTree>
     <p:extLst>
       <p:ext uri="{BB962C8B-B14F-4D97-AF65-F5344CB8AC3E}">
-        <p14:creationId xmlns:p14="http://schemas.microsoft.com/office/powerpoint/2010/main" val="2900927580"/>
+        <p14:creationId xmlns:p14="http://schemas.microsoft.com/office/powerpoint/2010/main" val="1283951382"/>
       </p:ext>
     </p:extLst>
   </p:cSld>
@@ -8386,12 +8489,8 @@
           <a:lstStyle/>
           <a:p>
             <a:r>
-              <a:rPr lang="en-US" altLang="zh-CN" dirty="0"/>
-              <a:t>shell</a:t>
-            </a:r>
-            <a:r>
               <a:rPr lang="zh-CN" altLang="en-US" dirty="0"/>
-              <a:t>脚本</a:t>
+              <a:t>脚本的可执行权限</a:t>
             </a:r>
           </a:p>
         </p:txBody>
@@ -8417,118 +8516,63 @@
           <a:bodyPr/>
           <a:lstStyle/>
           <a:p>
-            <a:r>
-              <a:rPr lang="en-US" altLang="zh-CN" sz="2000" dirty="0"/>
-              <a:t>shell</a:t>
-            </a:r>
-            <a:r>
-              <a:rPr lang="zh-CN" altLang="en-US" sz="2000" dirty="0"/>
-              <a:t>的实现版本支持的语法大致都相同，区别并不大。一般都支持变量，</a:t>
-            </a:r>
-            <a:r>
-              <a:rPr lang="en-US" altLang="zh-CN" sz="2000" dirty="0"/>
-              <a:t>if</a:t>
-            </a:r>
-            <a:r>
-              <a:rPr lang="zh-CN" altLang="en-US" sz="2000" dirty="0"/>
-              <a:t>，</a:t>
-            </a:r>
-            <a:r>
-              <a:rPr lang="en-US" altLang="zh-CN" sz="2000" dirty="0"/>
-              <a:t>else</a:t>
-            </a:r>
-            <a:r>
-              <a:rPr lang="zh-CN" altLang="en-US" sz="2000" dirty="0"/>
-              <a:t>，</a:t>
-            </a:r>
-            <a:r>
-              <a:rPr lang="en-US" altLang="zh-CN" sz="2000" dirty="0"/>
-              <a:t>for</a:t>
-            </a:r>
-            <a:r>
-              <a:rPr lang="zh-CN" altLang="en-US" sz="2000" dirty="0"/>
-              <a:t>，</a:t>
-            </a:r>
-            <a:r>
-              <a:rPr lang="en-US" altLang="zh-CN" sz="2000" dirty="0"/>
-              <a:t>while</a:t>
-            </a:r>
-            <a:r>
-              <a:rPr lang="zh-CN" altLang="en-US" sz="2000" dirty="0"/>
-              <a:t>关键字等。</a:t>
-            </a:r>
             <a:endParaRPr lang="en-US" altLang="zh-CN" sz="2000" dirty="0"/>
           </a:p>
           <a:p>
             <a:r>
-              <a:rPr lang="en-US" altLang="zh-CN" sz="2000" dirty="0"/>
-              <a:t>shell</a:t>
-            </a:r>
-            <a:r>
-              <a:rPr lang="zh-CN" altLang="en-US" sz="2000" dirty="0"/>
-              <a:t>脚本在运行时会逐步执行脚本文件里面的命令。脚本实际上就是</a:t>
-            </a:r>
-            <a:r>
-              <a:rPr lang="en-US" altLang="zh-CN" sz="2000" dirty="0"/>
-              <a:t>shell</a:t>
-            </a:r>
-            <a:r>
-              <a:rPr lang="zh-CN" altLang="en-US" sz="2000" dirty="0"/>
-              <a:t>命令的堆叠。</a:t>
+              <a:rPr lang="zh-CN" altLang="en-US" sz="2000" dirty="0"/>
+              <a:t>执行脚本可以使用 </a:t>
+            </a:r>
+            <a:r>
+              <a:rPr lang="en-US" altLang="zh-CN" sz="2000" dirty="0"/>
+              <a:t>bash [SCRIPT NAME]</a:t>
+            </a:r>
+            <a:r>
+              <a:rPr lang="zh-CN" altLang="en-US" sz="2000" dirty="0"/>
+              <a:t>，此时</a:t>
+            </a:r>
+            <a:r>
+              <a:rPr lang="en-US" altLang="zh-CN" sz="2000" dirty="0"/>
+              <a:t>bash</a:t>
+            </a:r>
+            <a:r>
+              <a:rPr lang="zh-CN" altLang="en-US" sz="2000" dirty="0"/>
+              <a:t>读取脚本文件并执行，</a:t>
+            </a:r>
+            <a:r>
+              <a:rPr lang="en-US" altLang="zh-CN" sz="2000" dirty="0"/>
+              <a:t>#!/bin/bash</a:t>
+            </a:r>
+            <a:r>
+              <a:rPr lang="zh-CN" altLang="en-US" sz="2000" dirty="0"/>
+              <a:t>是被解释为注释。</a:t>
             </a:r>
             <a:endParaRPr lang="en-US" altLang="zh-CN" sz="2000" dirty="0"/>
           </a:p>
           <a:p>
-            <a:r>
-              <a:rPr lang="zh-CN" altLang="en-US" sz="2000" dirty="0"/>
-              <a:t>大多数</a:t>
-            </a:r>
-            <a:r>
-              <a:rPr lang="en-US" altLang="zh-CN" sz="2000" dirty="0"/>
-              <a:t>Linux</a:t>
-            </a:r>
-            <a:r>
-              <a:rPr lang="zh-CN" altLang="en-US" sz="2000" dirty="0"/>
-              <a:t>发行版的默认</a:t>
-            </a:r>
-            <a:r>
-              <a:rPr lang="en-US" altLang="zh-CN" sz="2000" dirty="0"/>
-              <a:t>shell</a:t>
-            </a:r>
-            <a:r>
-              <a:rPr lang="zh-CN" altLang="en-US" sz="2000" dirty="0"/>
-              <a:t>都是</a:t>
-            </a:r>
-            <a:r>
-              <a:rPr lang="en-US" altLang="zh-CN" sz="2000" dirty="0"/>
-              <a:t>bash</a:t>
-            </a:r>
-            <a:r>
-              <a:rPr lang="zh-CN" altLang="en-US" sz="2000" dirty="0"/>
-              <a:t>。其他</a:t>
-            </a:r>
-            <a:r>
-              <a:rPr lang="en-US" altLang="zh-CN" sz="2000" dirty="0"/>
-              <a:t>shell</a:t>
-            </a:r>
-            <a:r>
-              <a:rPr lang="zh-CN" altLang="en-US" sz="2000" dirty="0"/>
-              <a:t>实现程序虽有自己不同的设计，但是也会兼容</a:t>
-            </a:r>
-            <a:r>
-              <a:rPr lang="en-US" altLang="zh-CN" sz="2000" dirty="0"/>
-              <a:t>bash</a:t>
-            </a:r>
-            <a:r>
-              <a:rPr lang="zh-CN" altLang="en-US" sz="2000" dirty="0"/>
-              <a:t>的配置文件。</a:t>
-            </a:r>
             <a:endParaRPr lang="en-US" altLang="zh-CN" sz="2000" dirty="0"/>
           </a:p>
           <a:p>
             <a:r>
               <a:rPr lang="zh-CN" altLang="en-US" sz="2000" dirty="0"/>
-              <a:t>文件第一行使用</a:t>
+              <a:t>另一种方式就是给脚本添加可执行权限：</a:t>
+            </a:r>
+            <a:r>
+              <a:rPr lang="en-US" altLang="zh-CN" sz="2000" dirty="0" err="1"/>
+              <a:t>chmod</a:t>
+            </a:r>
+            <a:r>
+              <a:rPr lang="en-US" altLang="zh-CN" sz="2000" dirty="0"/>
+              <a:t> +x [SCRIPT NAME]</a:t>
+            </a:r>
+          </a:p>
+          <a:p>
+            <a:endParaRPr lang="en-US" altLang="zh-CN" sz="2000" dirty="0"/>
+          </a:p>
+          <a:p>
+            <a:r>
+              <a:rPr lang="zh-CN" altLang="en-US" sz="2000" dirty="0"/>
+              <a:t>给脚本添加执行权限，脚本开头的</a:t>
             </a:r>
             <a:r>
               <a:rPr lang="en-US" altLang="zh-CN" sz="2000" dirty="0"/>
@@ -8536,164 +8580,27 @@
             </a:r>
             <a:r>
               <a:rPr lang="zh-CN" altLang="en-US" sz="2000" dirty="0"/>
-              <a:t>表明这是一个</a:t>
-            </a:r>
-            <a:r>
-              <a:rPr lang="en-US" altLang="zh-CN" sz="2000" dirty="0"/>
-              <a:t>bash</a:t>
-            </a:r>
-            <a:r>
-              <a:rPr lang="zh-CN" altLang="en-US" sz="2000" dirty="0"/>
-              <a:t>脚本，注意有些脚本程序使用</a:t>
-            </a:r>
-            <a:r>
-              <a:rPr lang="en-US" altLang="zh-CN" sz="2000" dirty="0"/>
-              <a:t>#!/bin/</a:t>
-            </a:r>
-            <a:r>
-              <a:rPr lang="en-US" altLang="zh-CN" sz="2000" dirty="0" err="1"/>
-              <a:t>sh</a:t>
-            </a:r>
-            <a:r>
-              <a:rPr lang="zh-CN" altLang="en-US" sz="2000" dirty="0"/>
-              <a:t>表示。</a:t>
+              <a:t>声明这是一个脚本文件，要用</a:t>
+            </a:r>
+            <a:r>
+              <a:rPr lang="en-US" altLang="zh-CN" sz="2000" dirty="0"/>
+              <a:t>/bin/bash</a:t>
+            </a:r>
+            <a:r>
+              <a:rPr lang="zh-CN" altLang="en-US" sz="2000" dirty="0"/>
+              <a:t>执行。</a:t>
             </a:r>
             <a:endParaRPr lang="en-US" altLang="zh-CN" sz="2000" dirty="0"/>
           </a:p>
           <a:p>
-            <a:r>
-              <a:rPr lang="zh-CN" altLang="en-US" sz="2000" dirty="0"/>
-              <a:t>在</a:t>
-            </a:r>
-            <a:r>
-              <a:rPr lang="en-US" altLang="zh-CN" sz="2000" dirty="0"/>
-              <a:t>Ubuntu/Debian</a:t>
-            </a:r>
-            <a:r>
-              <a:rPr lang="zh-CN" altLang="en-US" sz="2000" dirty="0"/>
-              <a:t>上，</a:t>
-            </a:r>
-            <a:r>
-              <a:rPr lang="en-US" altLang="zh-CN" sz="2000" dirty="0" err="1"/>
-              <a:t>sh</a:t>
-            </a:r>
-            <a:r>
-              <a:rPr lang="zh-CN" altLang="en-US" sz="2000" dirty="0"/>
-              <a:t>是一个符号链接指向</a:t>
-            </a:r>
-            <a:r>
-              <a:rPr lang="en-US" altLang="zh-CN" sz="2000" dirty="0"/>
-              <a:t>dash</a:t>
-            </a:r>
-            <a:r>
-              <a:rPr lang="zh-CN" altLang="en-US" sz="2000" dirty="0"/>
-              <a:t>，</a:t>
-            </a:r>
-            <a:r>
-              <a:rPr lang="en-US" altLang="zh-CN" sz="2000" dirty="0"/>
-              <a:t>dash</a:t>
-            </a:r>
-            <a:r>
-              <a:rPr lang="zh-CN" altLang="en-US" sz="2000" dirty="0"/>
-              <a:t>是一个专为执行脚本而设计的</a:t>
-            </a:r>
-            <a:r>
-              <a:rPr lang="en-US" altLang="zh-CN" sz="2000" dirty="0"/>
-              <a:t>shell</a:t>
-            </a:r>
-            <a:r>
-              <a:rPr lang="zh-CN" altLang="en-US" sz="2000" dirty="0"/>
-              <a:t>程序，执行速度快，语法遵循</a:t>
-            </a:r>
-            <a:r>
-              <a:rPr lang="en-US" altLang="zh-CN" sz="2000" dirty="0"/>
-              <a:t>POSIX</a:t>
-            </a:r>
-            <a:r>
-              <a:rPr lang="zh-CN" altLang="en-US" sz="2000" dirty="0"/>
-              <a:t>标准，但是功能比</a:t>
-            </a:r>
-            <a:r>
-              <a:rPr lang="en-US" altLang="zh-CN" sz="2000" dirty="0"/>
-              <a:t>bash</a:t>
-            </a:r>
-            <a:r>
-              <a:rPr lang="zh-CN" altLang="en-US" sz="2000" dirty="0"/>
-              <a:t>少很多。</a:t>
-            </a:r>
             <a:endParaRPr lang="en-US" altLang="zh-CN" sz="2000" dirty="0"/>
           </a:p>
-          <a:p>
-            <a:r>
-              <a:rPr lang="zh-CN" altLang="en-US" sz="2000" dirty="0"/>
-              <a:t>一个简单的脚本：开头声明这是一个</a:t>
-            </a:r>
-            <a:r>
-              <a:rPr lang="en-US" altLang="zh-CN" sz="2000" dirty="0"/>
-              <a:t>bash</a:t>
-            </a:r>
-            <a:r>
-              <a:rPr lang="zh-CN" altLang="en-US" sz="2000" dirty="0"/>
-              <a:t>脚本，然后是主要操作代码，最后以</a:t>
-            </a:r>
-            <a:r>
-              <a:rPr lang="en-US" altLang="zh-CN" sz="2000" dirty="0"/>
-              <a:t>exit 0</a:t>
-            </a:r>
-            <a:r>
-              <a:rPr lang="zh-CN" altLang="en-US" sz="2000" dirty="0"/>
-              <a:t>退出。</a:t>
-            </a:r>
-            <a:endParaRPr lang="en-US" altLang="zh-CN" sz="2000" dirty="0"/>
-          </a:p>
-          <a:p>
-            <a:pPr marL="0" indent="0">
-              <a:buNone/>
-            </a:pPr>
-            <a:endParaRPr lang="en-US" altLang="zh-CN" sz="2000" dirty="0"/>
-          </a:p>
-        </p:txBody>
-      </p:sp>
-      <p:pic>
-        <p:nvPicPr>
-          <p:cNvPr id="9" name="图片 8">
-            <a:extLst>
-              <a:ext uri="{FF2B5EF4-FFF2-40B4-BE49-F238E27FC236}">
-                <a16:creationId xmlns:a16="http://schemas.microsoft.com/office/drawing/2014/main" id="{67AD0491-89B2-48F9-A940-2C9B72CDFD40}"/>
-              </a:ext>
-            </a:extLst>
-          </p:cNvPr>
-          <p:cNvPicPr>
-            <a:picLocks noChangeAspect="1"/>
-          </p:cNvPicPr>
-          <p:nvPr/>
-        </p:nvPicPr>
-        <p:blipFill>
-          <a:blip r:embed="rId2">
-            <a:extLst>
-              <a:ext uri="{28A0092B-C50C-407E-A947-70E740481C1C}">
-                <a14:useLocalDpi xmlns:a14="http://schemas.microsoft.com/office/drawing/2010/main" val="0"/>
-              </a:ext>
-            </a:extLst>
-          </a:blip>
-          <a:stretch>
-            <a:fillRect/>
-          </a:stretch>
-        </p:blipFill>
-        <p:spPr>
-          <a:xfrm>
-            <a:off x="2813961" y="4973350"/>
-            <a:ext cx="5619579" cy="1602018"/>
-          </a:xfrm>
-          <a:prstGeom prst="rect">
-            <a:avLst/>
-          </a:prstGeom>
-        </p:spPr>
-      </p:pic>
+        </p:txBody>
+      </p:sp>
     </p:spTree>
     <p:extLst>
       <p:ext uri="{BB962C8B-B14F-4D97-AF65-F5344CB8AC3E}">
-        <p14:creationId xmlns:p14="http://schemas.microsoft.com/office/powerpoint/2010/main" val="1283951382"/>
+        <p14:creationId xmlns:p14="http://schemas.microsoft.com/office/powerpoint/2010/main" val="3466496868"/>
       </p:ext>
     </p:extLst>
   </p:cSld>
@@ -8743,7 +8650,7 @@
           <a:p>
             <a:r>
               <a:rPr lang="zh-CN" altLang="en-US" dirty="0"/>
-              <a:t>脚本的可执行权限</a:t>
+              <a:t>变量</a:t>
             </a:r>
           </a:p>
         </p:txBody>
@@ -8769,79 +8676,225 @@
           <a:bodyPr/>
           <a:lstStyle/>
           <a:p>
+            <a:r>
+              <a:rPr lang="en-US" altLang="zh-CN" sz="2000" dirty="0"/>
+              <a:t>shell</a:t>
+            </a:r>
+            <a:r>
+              <a:rPr lang="zh-CN" altLang="en-US" sz="2000" dirty="0"/>
+              <a:t>运行</a:t>
+            </a:r>
+            <a:r>
+              <a:rPr lang="en-US" altLang="zh-CN" sz="2000" dirty="0"/>
+              <a:t>a=123</a:t>
+            </a:r>
+            <a:r>
+              <a:rPr lang="zh-CN" altLang="en-US" sz="2000" dirty="0"/>
+              <a:t>就定义了</a:t>
+            </a:r>
+            <a:r>
+              <a:rPr lang="en-US" altLang="zh-CN" sz="2000" dirty="0"/>
+              <a:t>a</a:t>
+            </a:r>
+            <a:r>
+              <a:rPr lang="zh-CN" altLang="en-US" sz="2000" dirty="0"/>
+              <a:t>变量。</a:t>
+            </a:r>
+            <a:r>
+              <a:rPr lang="en-US" altLang="zh-CN" sz="2000" dirty="0"/>
+              <a:t>shell</a:t>
+            </a:r>
+            <a:r>
+              <a:rPr lang="zh-CN" altLang="en-US" sz="2000" dirty="0"/>
+              <a:t>中的变量就是为某些需要保存的数据用一个名称标记，方便以后使用。变量的名称以字母或是下划线符号开头，后可跟任意长度的字母、数字、下划线。</a:t>
+            </a:r>
             <a:endParaRPr lang="en-US" altLang="zh-CN" sz="2000" dirty="0"/>
           </a:p>
           <a:p>
             <a:r>
-              <a:rPr lang="zh-CN" altLang="en-US" sz="2000" dirty="0"/>
-              <a:t>执行脚本可以使用 </a:t>
-            </a:r>
-            <a:r>
-              <a:rPr lang="en-US" altLang="zh-CN" sz="2000" dirty="0"/>
-              <a:t>bash [SCRIPT NAME]</a:t>
-            </a:r>
-            <a:r>
-              <a:rPr lang="zh-CN" altLang="en-US" sz="2000" dirty="0"/>
-              <a:t>，此时</a:t>
-            </a:r>
-            <a:r>
-              <a:rPr lang="en-US" altLang="zh-CN" sz="2000" dirty="0"/>
-              <a:t>bash</a:t>
-            </a:r>
-            <a:r>
-              <a:rPr lang="zh-CN" altLang="en-US" sz="2000" dirty="0"/>
-              <a:t>读取脚本文件并执行，</a:t>
-            </a:r>
-            <a:r>
-              <a:rPr lang="en-US" altLang="zh-CN" sz="2000" dirty="0"/>
-              <a:t>#!/bin/bash</a:t>
-            </a:r>
-            <a:r>
-              <a:rPr lang="zh-CN" altLang="en-US" sz="2000" dirty="0"/>
-              <a:t>是被解释为注释。</a:t>
+              <a:rPr lang="en-US" altLang="zh-CN" sz="2000" dirty="0"/>
+              <a:t>=</a:t>
+            </a:r>
+            <a:r>
+              <a:rPr lang="zh-CN" altLang="en-US" sz="2000" dirty="0"/>
+              <a:t>左右不能有空格，否则会按照运行命令的方式去执行。</a:t>
             </a:r>
             <a:endParaRPr lang="en-US" altLang="zh-CN" sz="2000" dirty="0"/>
           </a:p>
           <a:p>
+            <a:r>
+              <a:rPr lang="en-US" altLang="zh-CN" sz="2000" dirty="0"/>
+              <a:t>a=`</a:t>
+            </a:r>
+            <a:r>
+              <a:rPr lang="en-US" altLang="zh-CN" sz="2000" dirty="0" err="1"/>
+              <a:t>ls`</a:t>
+            </a:r>
+            <a:r>
+              <a:rPr lang="en-US" altLang="zh-CN" sz="2000" dirty="0"/>
+              <a:t> </a:t>
+            </a:r>
+            <a:r>
+              <a:rPr lang="zh-CN" altLang="en-US" sz="2000" dirty="0"/>
+              <a:t>会把</a:t>
+            </a:r>
+            <a:r>
+              <a:rPr lang="en-US" altLang="zh-CN" sz="2000" dirty="0"/>
+              <a:t>ls</a:t>
+            </a:r>
+            <a:r>
+              <a:rPr lang="zh-CN" altLang="en-US" sz="2000" dirty="0"/>
+              <a:t>运行的结果赋值给</a:t>
+            </a:r>
+            <a:r>
+              <a:rPr lang="en-US" altLang="zh-CN" sz="2000" dirty="0"/>
+              <a:t>a</a:t>
+            </a:r>
+            <a:r>
+              <a:rPr lang="zh-CN" altLang="en-US" sz="2000" dirty="0"/>
+              <a:t>。注意</a:t>
+            </a:r>
+            <a:r>
+              <a:rPr lang="en-US" altLang="zh-CN" sz="2000" dirty="0"/>
+              <a:t>ls</a:t>
+            </a:r>
+            <a:r>
+              <a:rPr lang="zh-CN" altLang="en-US" sz="2000" dirty="0"/>
+              <a:t>不是被单引号包含，而是数字键</a:t>
+            </a:r>
+            <a:r>
+              <a:rPr lang="en-US" altLang="zh-CN" sz="2000" dirty="0"/>
+              <a:t>1</a:t>
+            </a:r>
+            <a:r>
+              <a:rPr lang="zh-CN" altLang="en-US" sz="2000" dirty="0"/>
+              <a:t>左侧按键，按住</a:t>
+            </a:r>
+            <a:r>
+              <a:rPr lang="en-US" altLang="zh-CN" sz="2000" dirty="0"/>
+              <a:t>Shift</a:t>
+            </a:r>
+            <a:r>
+              <a:rPr lang="zh-CN" altLang="en-US" sz="2000" dirty="0"/>
+              <a:t>输入</a:t>
+            </a:r>
+            <a:r>
+              <a:rPr lang="en-US" altLang="zh-CN" sz="2000" dirty="0"/>
+              <a:t>~</a:t>
+            </a:r>
+            <a:r>
+              <a:rPr lang="zh-CN" altLang="en-US" sz="2000" dirty="0"/>
+              <a:t>，英语键盘直接按下输入</a:t>
+            </a:r>
+            <a:r>
+              <a:rPr lang="en-US" altLang="zh-CN" sz="2000" dirty="0"/>
+              <a:t>`</a:t>
+            </a:r>
+            <a:r>
+              <a:rPr lang="zh-CN" altLang="en-US" sz="2000" dirty="0"/>
+              <a:t>。</a:t>
+            </a:r>
             <a:endParaRPr lang="en-US" altLang="zh-CN" sz="2000" dirty="0"/>
           </a:p>
           <a:p>
-            <a:r>
-              <a:rPr lang="zh-CN" altLang="en-US" sz="2000" dirty="0"/>
-              <a:t>另一种方式就是给脚本添加可执行权限：</a:t>
-            </a:r>
-            <a:r>
-              <a:rPr lang="en-US" altLang="zh-CN" sz="2000" dirty="0" err="1"/>
-              <a:t>chmod</a:t>
-            </a:r>
-            <a:r>
-              <a:rPr lang="en-US" altLang="zh-CN" sz="2000" dirty="0"/>
-              <a:t> +x [SCRIPT NAME]</a:t>
-            </a:r>
-          </a:p>
-          <a:p>
             <a:endParaRPr lang="en-US" altLang="zh-CN" sz="2000" dirty="0"/>
           </a:p>
           <a:p>
             <a:r>
               <a:rPr lang="zh-CN" altLang="en-US" sz="2000" dirty="0"/>
-              <a:t>给脚本添加执行权限，脚本开头的</a:t>
-            </a:r>
-            <a:r>
-              <a:rPr lang="en-US" altLang="zh-CN" sz="2000" dirty="0"/>
-              <a:t>#!/bin/bash</a:t>
-            </a:r>
-            <a:r>
-              <a:rPr lang="zh-CN" altLang="en-US" sz="2000" dirty="0"/>
-              <a:t>声明这是一个脚本文件，要用</a:t>
-            </a:r>
-            <a:r>
-              <a:rPr lang="en-US" altLang="zh-CN" sz="2000" dirty="0"/>
-              <a:t>/bin/bash</a:t>
-            </a:r>
-            <a:r>
-              <a:rPr lang="zh-CN" altLang="en-US" sz="2000" dirty="0"/>
-              <a:t>执行。</a:t>
+              <a:t>获取变量的值要用</a:t>
+            </a:r>
+            <a:r>
+              <a:rPr lang="en-US" altLang="zh-CN" sz="2000" dirty="0"/>
+              <a:t>$</a:t>
+            </a:r>
+            <a:r>
+              <a:rPr lang="zh-CN" altLang="en-US" sz="2000" dirty="0"/>
+              <a:t>，</a:t>
+            </a:r>
+            <a:r>
+              <a:rPr lang="en-US" altLang="zh-CN" sz="2000" dirty="0"/>
+              <a:t>echo $a</a:t>
+            </a:r>
+            <a:r>
+              <a:rPr lang="zh-CN" altLang="en-US" sz="2000" dirty="0"/>
+              <a:t>可以输出变量的值。</a:t>
+            </a:r>
+            <a:endParaRPr lang="en-US" altLang="zh-CN" sz="2000" dirty="0"/>
+          </a:p>
+          <a:p>
+            <a:endParaRPr lang="en-US" altLang="zh-CN" sz="2000" dirty="0"/>
+          </a:p>
+          <a:p>
+            <a:r>
+              <a:rPr lang="en-US" altLang="zh-CN" sz="2000" dirty="0"/>
+              <a:t>shell</a:t>
+            </a:r>
+            <a:r>
+              <a:rPr lang="zh-CN" altLang="en-US" sz="2000" dirty="0"/>
+              <a:t>中的变量就是键值对（</a:t>
+            </a:r>
+            <a:r>
+              <a:rPr lang="en-US" altLang="zh-CN" sz="2000" dirty="0"/>
+              <a:t>key-value</a:t>
+            </a:r>
+            <a:r>
+              <a:rPr lang="zh-CN" altLang="en-US" sz="2000" dirty="0"/>
+              <a:t>）的列表，都是以文本的形式存储的。</a:t>
+            </a:r>
+            <a:endParaRPr lang="en-US" altLang="zh-CN" sz="2000" dirty="0"/>
+          </a:p>
+          <a:p>
+            <a:endParaRPr lang="en-US" altLang="zh-CN" sz="2000" dirty="0"/>
+          </a:p>
+          <a:p>
+            <a:r>
+              <a:rPr lang="en-US" altLang="zh-CN" sz="2000" dirty="0"/>
+              <a:t>a=1+2</a:t>
+            </a:r>
+            <a:r>
+              <a:rPr lang="zh-CN" altLang="en-US" sz="2000" dirty="0"/>
+              <a:t>不会进行计算把</a:t>
+            </a:r>
+            <a:r>
+              <a:rPr lang="en-US" altLang="zh-CN" sz="2000" dirty="0"/>
+              <a:t>3</a:t>
+            </a:r>
+            <a:r>
+              <a:rPr lang="zh-CN" altLang="en-US" sz="2000" dirty="0"/>
+              <a:t>赋值给</a:t>
+            </a:r>
+            <a:r>
+              <a:rPr lang="en-US" altLang="zh-CN" sz="2000" dirty="0"/>
+              <a:t>a</a:t>
+            </a:r>
+            <a:r>
+              <a:rPr lang="zh-CN" altLang="en-US" sz="2000" dirty="0"/>
+              <a:t>，而是</a:t>
+            </a:r>
+            <a:r>
+              <a:rPr lang="en-US" altLang="zh-CN" sz="2000" dirty="0"/>
+              <a:t>a</a:t>
+            </a:r>
+            <a:r>
+              <a:rPr lang="zh-CN" altLang="en-US" sz="2000" dirty="0"/>
+              <a:t>的值就是‘</a:t>
+            </a:r>
+            <a:r>
+              <a:rPr lang="en-US" altLang="zh-CN" sz="2000" dirty="0"/>
+              <a:t>1+2</a:t>
+            </a:r>
+            <a:r>
+              <a:rPr lang="zh-CN" altLang="en-US" sz="2000" dirty="0"/>
+              <a:t>’这段文本。变量的值可以用双引号</a:t>
+            </a:r>
+            <a:r>
+              <a:rPr lang="en-US" altLang="zh-CN" sz="2000" dirty="0"/>
+              <a:t>/</a:t>
+            </a:r>
+            <a:r>
+              <a:rPr lang="zh-CN" altLang="en-US" sz="2000" dirty="0"/>
+              <a:t>单引号括起来，包含空格的变量就必须要这么做。</a:t>
             </a:r>
             <a:endParaRPr lang="en-US" altLang="zh-CN" sz="2000" dirty="0"/>
           </a:p>
@@ -8853,7 +8906,7 @@
     </p:spTree>
     <p:extLst>
       <p:ext uri="{BB962C8B-B14F-4D97-AF65-F5344CB8AC3E}">
-        <p14:creationId xmlns:p14="http://schemas.microsoft.com/office/powerpoint/2010/main" val="3466496868"/>
+        <p14:creationId xmlns:p14="http://schemas.microsoft.com/office/powerpoint/2010/main" val="2718262743"/>
       </p:ext>
     </p:extLst>
   </p:cSld>
@@ -8903,7 +8956,7 @@
           <a:p>
             <a:r>
               <a:rPr lang="zh-CN" altLang="en-US" dirty="0"/>
-              <a:t>变量</a:t>
+              <a:t>变量查看与清除</a:t>
             </a:r>
           </a:p>
         </p:txBody>
@@ -8930,58 +8983,34 @@
           <a:lstStyle/>
           <a:p>
             <a:r>
-              <a:rPr lang="en-US" altLang="zh-CN" sz="2000" dirty="0"/>
-              <a:t>shell</a:t>
-            </a:r>
-            <a:r>
-              <a:rPr lang="zh-CN" altLang="en-US" sz="2000" dirty="0"/>
-              <a:t>运行</a:t>
-            </a:r>
-            <a:r>
-              <a:rPr lang="en-US" altLang="zh-CN" sz="2000" dirty="0"/>
-              <a:t>a=123</a:t>
-            </a:r>
-            <a:r>
-              <a:rPr lang="zh-CN" altLang="en-US" sz="2000" dirty="0"/>
-              <a:t>就定义了</a:t>
-            </a:r>
-            <a:r>
-              <a:rPr lang="en-US" altLang="zh-CN" sz="2000" dirty="0"/>
-              <a:t>a</a:t>
-            </a:r>
-            <a:r>
-              <a:rPr lang="zh-CN" altLang="en-US" sz="2000" dirty="0"/>
-              <a:t>变量。</a:t>
-            </a:r>
-            <a:r>
-              <a:rPr lang="en-US" altLang="zh-CN" sz="2000" dirty="0"/>
-              <a:t>shell</a:t>
-            </a:r>
-            <a:r>
-              <a:rPr lang="zh-CN" altLang="en-US" sz="2000" dirty="0"/>
-              <a:t>中的变量就是为某些需要保存的数据用一个名称标记，方便以后使用。变量的名称以字母或是下划线符号开头，后可跟任意长度的字母、数字、下划线。</a:t>
+              <a:rPr lang="zh-CN" altLang="en-US" sz="2000" dirty="0"/>
+              <a:t>用</a:t>
+            </a:r>
+            <a:r>
+              <a:rPr lang="en-US" altLang="zh-CN" sz="2000" dirty="0"/>
+              <a:t>set</a:t>
+            </a:r>
+            <a:r>
+              <a:rPr lang="zh-CN" altLang="en-US" sz="2000" dirty="0"/>
+              <a:t>命令可以查看所有的变量。</a:t>
             </a:r>
             <a:endParaRPr lang="en-US" altLang="zh-CN" sz="2000" dirty="0"/>
           </a:p>
           <a:p>
-            <a:r>
-              <a:rPr lang="en-US" altLang="zh-CN" sz="2000" dirty="0"/>
-              <a:t>=</a:t>
-            </a:r>
-            <a:r>
-              <a:rPr lang="zh-CN" altLang="en-US" sz="2000" dirty="0"/>
-              <a:t>左右不能有空格，否则会按照运行命令的方式去执行。</a:t>
-            </a:r>
             <a:endParaRPr lang="en-US" altLang="zh-CN" sz="2000" dirty="0"/>
           </a:p>
           <a:p>
             <a:r>
-              <a:rPr lang="en-US" altLang="zh-CN" sz="2000" dirty="0"/>
-              <a:t>a=`</a:t>
+              <a:rPr lang="zh-CN" altLang="en-US" sz="2000" dirty="0"/>
+              <a:t>可以使用 </a:t>
+            </a:r>
+            <a:r>
+              <a:rPr lang="en-US" altLang="zh-CN" sz="2000" dirty="0"/>
+              <a:t>set  | grep </a:t>
             </a:r>
             <a:r>
               <a:rPr lang="en-US" altLang="zh-CN" sz="2000" dirty="0" err="1"/>
-              <a:t>ls`</a:t>
+              <a:t>linux</a:t>
             </a:r>
             <a:r>
               <a:rPr lang="en-US" altLang="zh-CN" sz="2000" dirty="0"/>
@@ -8989,63 +9018,7 @@
             </a:r>
             <a:r>
               <a:rPr lang="zh-CN" altLang="en-US" sz="2000" dirty="0"/>
-              <a:t>会把</a:t>
-            </a:r>
-            <a:r>
-              <a:rPr lang="en-US" altLang="zh-CN" sz="2000" dirty="0"/>
-              <a:t>ls</a:t>
-            </a:r>
-            <a:r>
-              <a:rPr lang="zh-CN" altLang="en-US" sz="2000" dirty="0"/>
-              <a:t>运行的结果赋值给</a:t>
-            </a:r>
-            <a:r>
-              <a:rPr lang="en-US" altLang="zh-CN" sz="2000" dirty="0"/>
-              <a:t>a</a:t>
-            </a:r>
-            <a:r>
-              <a:rPr lang="zh-CN" altLang="en-US" sz="2000" dirty="0"/>
-              <a:t>。注意</a:t>
-            </a:r>
-            <a:r>
-              <a:rPr lang="en-US" altLang="zh-CN" sz="2000" dirty="0"/>
-              <a:t>ls</a:t>
-            </a:r>
-            <a:r>
-              <a:rPr lang="zh-CN" altLang="en-US" sz="2000" dirty="0"/>
-              <a:t>不是被单引号包含，而是数字键</a:t>
-            </a:r>
-            <a:r>
-              <a:rPr lang="en-US" altLang="zh-CN" sz="2000" dirty="0"/>
-              <a:t>1</a:t>
-            </a:r>
-            <a:r>
-              <a:rPr lang="zh-CN" altLang="en-US" sz="2000" dirty="0"/>
-              <a:t>左侧按键，按住</a:t>
-            </a:r>
-            <a:r>
-              <a:rPr lang="en-US" altLang="zh-CN" sz="2000" dirty="0"/>
-              <a:t>Shift</a:t>
-            </a:r>
-            <a:r>
-              <a:rPr lang="zh-CN" altLang="en-US" sz="2000" dirty="0"/>
-              <a:t>输入</a:t>
-            </a:r>
-            <a:r>
-              <a:rPr lang="en-US" altLang="zh-CN" sz="2000" dirty="0"/>
-              <a:t>~</a:t>
-            </a:r>
-            <a:r>
-              <a:rPr lang="zh-CN" altLang="en-US" sz="2000" dirty="0"/>
-              <a:t>，英语键盘直接按下输入</a:t>
-            </a:r>
-            <a:r>
-              <a:rPr lang="en-US" altLang="zh-CN" sz="2000" dirty="0"/>
-              <a:t>`</a:t>
-            </a:r>
-            <a:r>
-              <a:rPr lang="zh-CN" altLang="en-US" sz="2000" dirty="0"/>
-              <a:t>。</a:t>
+              <a:t>进行搜索</a:t>
             </a:r>
             <a:endParaRPr lang="en-US" altLang="zh-CN" sz="2000" dirty="0"/>
           </a:p>
@@ -9054,100 +9027,20 @@
           </a:p>
           <a:p>
             <a:r>
-              <a:rPr lang="zh-CN" altLang="en-US" sz="2000" dirty="0"/>
-              <a:t>获取变量的值要用</a:t>
-            </a:r>
-            <a:r>
-              <a:rPr lang="en-US" altLang="zh-CN" sz="2000" dirty="0"/>
-              <a:t>$</a:t>
-            </a:r>
-            <a:r>
-              <a:rPr lang="zh-CN" altLang="en-US" sz="2000" dirty="0"/>
-              <a:t>，</a:t>
-            </a:r>
-            <a:r>
-              <a:rPr lang="en-US" altLang="zh-CN" sz="2000" dirty="0"/>
-              <a:t>echo $a</a:t>
-            </a:r>
-            <a:r>
-              <a:rPr lang="zh-CN" altLang="en-US" sz="2000" dirty="0"/>
-              <a:t>可以输出变量的值。</a:t>
-            </a:r>
-            <a:endParaRPr lang="en-US" altLang="zh-CN" sz="2000" dirty="0"/>
-          </a:p>
-          <a:p>
-            <a:endParaRPr lang="en-US" altLang="zh-CN" sz="2000" dirty="0"/>
-          </a:p>
-          <a:p>
-            <a:r>
-              <a:rPr lang="en-US" altLang="zh-CN" sz="2000" dirty="0"/>
-              <a:t>shell</a:t>
-            </a:r>
-            <a:r>
-              <a:rPr lang="zh-CN" altLang="en-US" sz="2000" dirty="0"/>
-              <a:t>中的变量就是键值对（</a:t>
-            </a:r>
-            <a:r>
-              <a:rPr lang="en-US" altLang="zh-CN" sz="2000" dirty="0"/>
-              <a:t>key-value</a:t>
-            </a:r>
-            <a:r>
-              <a:rPr lang="zh-CN" altLang="en-US" sz="2000" dirty="0"/>
-              <a:t>）的列表，都是以文本的形式存储的。</a:t>
-            </a:r>
-            <a:endParaRPr lang="en-US" altLang="zh-CN" sz="2000" dirty="0"/>
-          </a:p>
-          <a:p>
-            <a:endParaRPr lang="en-US" altLang="zh-CN" sz="2000" dirty="0"/>
-          </a:p>
-          <a:p>
-            <a:r>
-              <a:rPr lang="en-US" altLang="zh-CN" sz="2000" dirty="0"/>
-              <a:t>a=1+2</a:t>
-            </a:r>
-            <a:r>
-              <a:rPr lang="zh-CN" altLang="en-US" sz="2000" dirty="0"/>
-              <a:t>不会进行计算把</a:t>
-            </a:r>
-            <a:r>
-              <a:rPr lang="en-US" altLang="zh-CN" sz="2000" dirty="0"/>
-              <a:t>3</a:t>
-            </a:r>
-            <a:r>
-              <a:rPr lang="zh-CN" altLang="en-US" sz="2000" dirty="0"/>
-              <a:t>赋值给</a:t>
-            </a:r>
-            <a:r>
-              <a:rPr lang="en-US" altLang="zh-CN" sz="2000" dirty="0"/>
-              <a:t>a</a:t>
-            </a:r>
-            <a:r>
-              <a:rPr lang="zh-CN" altLang="en-US" sz="2000" dirty="0"/>
-              <a:t>，而是</a:t>
-            </a:r>
-            <a:r>
-              <a:rPr lang="en-US" altLang="zh-CN" sz="2000" dirty="0"/>
-              <a:t>a</a:t>
-            </a:r>
-            <a:r>
-              <a:rPr lang="zh-CN" altLang="en-US" sz="2000" dirty="0"/>
-              <a:t>的值就是‘</a:t>
-            </a:r>
-            <a:r>
-              <a:rPr lang="en-US" altLang="zh-CN" sz="2000" dirty="0"/>
-              <a:t>1+2</a:t>
-            </a:r>
-            <a:r>
-              <a:rPr lang="zh-CN" altLang="en-US" sz="2000" dirty="0"/>
-              <a:t>’这段文本。变量的值可以用双引号</a:t>
-            </a:r>
-            <a:r>
-              <a:rPr lang="en-US" altLang="zh-CN" sz="2000" dirty="0"/>
-              <a:t>/</a:t>
-            </a:r>
-            <a:r>
-              <a:rPr lang="zh-CN" altLang="en-US" sz="2000" dirty="0"/>
-              <a:t>单引号括起来，包含空格的变量就必须要这么做。</a:t>
+              <a:rPr lang="en-US" altLang="zh-CN" sz="2000" dirty="0"/>
+              <a:t>unset VAR</a:t>
+            </a:r>
+            <a:r>
+              <a:rPr lang="zh-CN" altLang="en-US" sz="2000" dirty="0"/>
+              <a:t>命令可以清除变量</a:t>
+            </a:r>
+            <a:r>
+              <a:rPr lang="en-US" altLang="zh-CN" sz="2000" dirty="0"/>
+              <a:t>VAR</a:t>
+            </a:r>
+            <a:r>
+              <a:rPr lang="zh-CN" altLang="en-US" sz="2000" dirty="0"/>
+              <a:t>，相当于没有定义过。使用空格分隔多个变量。</a:t>
             </a:r>
             <a:endParaRPr lang="en-US" altLang="zh-CN" sz="2000" dirty="0"/>
           </a:p>
@@ -9159,7 +9052,7 @@
     </p:spTree>
     <p:extLst>
       <p:ext uri="{BB962C8B-B14F-4D97-AF65-F5344CB8AC3E}">
-        <p14:creationId xmlns:p14="http://schemas.microsoft.com/office/powerpoint/2010/main" val="2718262743"/>
+        <p14:creationId xmlns:p14="http://schemas.microsoft.com/office/powerpoint/2010/main" val="1973688764"/>
       </p:ext>
     </p:extLst>
   </p:cSld>
@@ -9209,7 +9102,7 @@
           <a:p>
             <a:r>
               <a:rPr lang="zh-CN" altLang="en-US" dirty="0"/>
-              <a:t>变量查看与清除</a:t>
+              <a:t>只读变量</a:t>
             </a:r>
           </a:p>
         </p:txBody>
@@ -9232,72 +9125,107 @@
         </p:nvSpPr>
         <p:spPr/>
         <p:txBody>
-          <a:bodyPr/>
-          <a:lstStyle/>
-          <a:p>
-            <a:r>
-              <a:rPr lang="zh-CN" altLang="en-US" sz="2000" dirty="0"/>
-              <a:t>用</a:t>
-            </a:r>
-            <a:r>
-              <a:rPr lang="en-US" altLang="zh-CN" sz="2000" dirty="0"/>
-              <a:t>set</a:t>
-            </a:r>
-            <a:r>
-              <a:rPr lang="zh-CN" altLang="en-US" sz="2000" dirty="0"/>
-              <a:t>命令可以查看所有的变量。</a:t>
-            </a:r>
+          <a:bodyPr>
+            <a:normAutofit/>
+          </a:bodyPr>
+          <a:lstStyle/>
+          <a:p>
+            <a:pPr>
+              <a:lnSpc>
+                <a:spcPct val="120000"/>
+              </a:lnSpc>
+            </a:pPr>
+            <a:r>
+              <a:rPr lang="zh-CN" altLang="en-US" sz="2000" dirty="0"/>
+              <a:t>变量设置后，是可以修改值的：</a:t>
+            </a:r>
+            <a:r>
+              <a:rPr lang="en-US" altLang="zh-CN" sz="2000" dirty="0"/>
+              <a:t>a=12; a=13</a:t>
+            </a:r>
+            <a:r>
+              <a:rPr lang="zh-CN" altLang="en-US" sz="2000" dirty="0"/>
+              <a:t>，此时</a:t>
+            </a:r>
+            <a:r>
+              <a:rPr lang="en-US" altLang="zh-CN" sz="2000" dirty="0"/>
+              <a:t>a</a:t>
+            </a:r>
+            <a:r>
+              <a:rPr lang="zh-CN" altLang="en-US" sz="2000" dirty="0"/>
+              <a:t>的值就是</a:t>
+            </a:r>
+            <a:r>
+              <a:rPr lang="en-US" altLang="zh-CN" sz="2000" dirty="0"/>
+              <a:t>13</a:t>
+            </a:r>
+          </a:p>
+          <a:p>
+            <a:pPr>
+              <a:lnSpc>
+                <a:spcPct val="120000"/>
+              </a:lnSpc>
+            </a:pPr>
             <a:endParaRPr lang="en-US" altLang="zh-CN" sz="2000" dirty="0"/>
           </a:p>
           <a:p>
+            <a:pPr>
+              <a:lnSpc>
+                <a:spcPct val="120000"/>
+              </a:lnSpc>
+            </a:pPr>
+            <a:r>
+              <a:rPr lang="en-US" altLang="zh-CN" sz="2000" dirty="0" err="1"/>
+              <a:t>readonly</a:t>
+            </a:r>
+            <a:r>
+              <a:rPr lang="zh-CN" altLang="en-US" sz="2000" dirty="0"/>
+              <a:t>把变量设置为只读：</a:t>
+            </a:r>
+            <a:r>
+              <a:rPr lang="en-US" altLang="zh-CN" sz="2000" dirty="0" err="1"/>
+              <a:t>readonly</a:t>
+            </a:r>
+            <a:r>
+              <a:rPr lang="en-US" altLang="zh-CN" sz="2000" dirty="0"/>
+              <a:t>  a</a:t>
+            </a:r>
+          </a:p>
+          <a:p>
+            <a:pPr>
+              <a:lnSpc>
+                <a:spcPct val="120000"/>
+              </a:lnSpc>
+            </a:pPr>
             <a:endParaRPr lang="en-US" altLang="zh-CN" sz="2000" dirty="0"/>
           </a:p>
           <a:p>
-            <a:r>
-              <a:rPr lang="zh-CN" altLang="en-US" sz="2000" dirty="0"/>
-              <a:t>可以使用 </a:t>
-            </a:r>
-            <a:r>
-              <a:rPr lang="en-US" altLang="zh-CN" sz="2000" dirty="0"/>
-              <a:t>set  | grep </a:t>
-            </a:r>
-            <a:r>
-              <a:rPr lang="en-US" altLang="zh-CN" sz="2000" dirty="0" err="1"/>
-              <a:t>linux</a:t>
-            </a:r>
-            <a:r>
-              <a:rPr lang="en-US" altLang="zh-CN" sz="2000" dirty="0"/>
-              <a:t> </a:t>
-            </a:r>
-            <a:r>
-              <a:rPr lang="zh-CN" altLang="en-US" sz="2000" dirty="0"/>
-              <a:t>进行搜索</a:t>
+            <a:pPr>
+              <a:lnSpc>
+                <a:spcPct val="120000"/>
+              </a:lnSpc>
+            </a:pPr>
+            <a:r>
+              <a:rPr lang="zh-CN" altLang="en-US" sz="2000" dirty="0"/>
+              <a:t>但是设置之后，只读变量就无法更改和清除。除非重置</a:t>
+            </a:r>
+            <a:r>
+              <a:rPr lang="en-US" altLang="zh-CN" sz="2000" dirty="0"/>
+              <a:t>shell</a:t>
+            </a:r>
+            <a:r>
+              <a:rPr lang="zh-CN" altLang="en-US" sz="2000" dirty="0"/>
+              <a:t>环境。</a:t>
             </a:r>
             <a:endParaRPr lang="en-US" altLang="zh-CN" sz="2000" dirty="0"/>
           </a:p>
           <a:p>
-            <a:endParaRPr lang="en-US" altLang="zh-CN" sz="2000" dirty="0"/>
-          </a:p>
-          <a:p>
-            <a:r>
-              <a:rPr lang="en-US" altLang="zh-CN" sz="2000" dirty="0"/>
-              <a:t>unset VAR</a:t>
-            </a:r>
-            <a:r>
-              <a:rPr lang="zh-CN" altLang="en-US" sz="2000" dirty="0"/>
-              <a:t>命令可以清除变量</a:t>
-            </a:r>
-            <a:r>
-              <a:rPr lang="en-US" altLang="zh-CN" sz="2000" dirty="0"/>
-              <a:t>VAR</a:t>
-            </a:r>
-            <a:r>
-              <a:rPr lang="zh-CN" altLang="en-US" sz="2000" dirty="0"/>
-              <a:t>，相当于没有定义过。使用空格分隔多个变量。</a:t>
-            </a:r>
-            <a:endParaRPr lang="en-US" altLang="zh-CN" sz="2000" dirty="0"/>
-          </a:p>
-          <a:p>
+            <a:pPr marL="0" indent="0">
+              <a:lnSpc>
+                <a:spcPct val="120000"/>
+              </a:lnSpc>
+              <a:buNone/>
+            </a:pPr>
             <a:endParaRPr lang="en-US" altLang="zh-CN" sz="2000" dirty="0"/>
           </a:p>
         </p:txBody>
@@ -9305,7 +9233,7 @@
     </p:spTree>
     <p:extLst>
       <p:ext uri="{BB962C8B-B14F-4D97-AF65-F5344CB8AC3E}">
-        <p14:creationId xmlns:p14="http://schemas.microsoft.com/office/powerpoint/2010/main" val="1973688764"/>
+        <p14:creationId xmlns:p14="http://schemas.microsoft.com/office/powerpoint/2010/main" val="510605507"/>
       </p:ext>
     </p:extLst>
   </p:cSld>
@@ -9355,7 +9283,7 @@
           <a:p>
             <a:r>
               <a:rPr lang="zh-CN" altLang="en-US" dirty="0"/>
-              <a:t>只读变量</a:t>
+              <a:t>算数运算</a:t>
             </a:r>
           </a:p>
         </p:txBody>
@@ -9378,105 +9306,140 @@
         </p:nvSpPr>
         <p:spPr/>
         <p:txBody>
-          <a:bodyPr>
-            <a:normAutofit/>
-          </a:bodyPr>
-          <a:lstStyle/>
-          <a:p>
-            <a:pPr>
-              <a:lnSpc>
-                <a:spcPct val="120000"/>
-              </a:lnSpc>
+          <a:bodyPr/>
+          <a:lstStyle/>
+          <a:p>
+            <a:r>
+              <a:rPr lang="en-US" altLang="zh-CN" sz="2000" dirty="0"/>
+              <a:t>shell</a:t>
+            </a:r>
+            <a:r>
+              <a:rPr lang="zh-CN" altLang="en-US" sz="2000" dirty="0"/>
+              <a:t>支持算术运算，并且</a:t>
+            </a:r>
+            <a:r>
+              <a:rPr lang="en-US" altLang="zh-CN" sz="2000" dirty="0"/>
+              <a:t>shell</a:t>
+            </a:r>
+            <a:r>
+              <a:rPr lang="zh-CN" altLang="en-US" sz="2000" dirty="0"/>
+              <a:t>会对</a:t>
+            </a:r>
+            <a:r>
+              <a:rPr lang="en-US" altLang="zh-CN" sz="2000" dirty="0"/>
+              <a:t>$((····))</a:t>
+            </a:r>
+            <a:r>
+              <a:rPr lang="zh-CN" altLang="en-US" sz="2000" dirty="0"/>
+              <a:t>里的算数表达式进行运算。</a:t>
+            </a:r>
+            <a:endParaRPr lang="en-US" altLang="zh-CN" sz="2000" dirty="0"/>
+          </a:p>
+          <a:p>
+            <a:pPr marL="914400" lvl="2" indent="0">
+              <a:buNone/>
             </a:pPr>
             <a:r>
-              <a:rPr lang="zh-CN" altLang="en-US" sz="2000" dirty="0"/>
-              <a:t>变量设置后，是可以修改值的：</a:t>
-            </a:r>
-            <a:r>
-              <a:rPr lang="en-US" altLang="zh-CN" sz="2000" dirty="0"/>
-              <a:t>a=12; a=13</a:t>
-            </a:r>
-            <a:r>
-              <a:rPr lang="zh-CN" altLang="en-US" sz="2000" dirty="0"/>
-              <a:t>，此时</a:t>
-            </a:r>
-            <a:r>
-              <a:rPr lang="en-US" altLang="zh-CN" sz="2000" dirty="0"/>
+              <a:rPr lang="en-US" altLang="zh-CN" dirty="0"/>
+              <a:t>a=12;b=14</a:t>
+            </a:r>
+          </a:p>
+          <a:p>
+            <a:pPr marL="914400" lvl="2" indent="0">
+              <a:buNone/>
+            </a:pPr>
+            <a:endParaRPr lang="en-US" altLang="zh-CN" dirty="0"/>
+          </a:p>
+          <a:p>
+            <a:pPr marL="914400" lvl="2" indent="0">
+              <a:buNone/>
+            </a:pPr>
+            <a:r>
+              <a:rPr lang="en-US" altLang="zh-CN" dirty="0"/>
+              <a:t>x=$(($a+$b))</a:t>
+            </a:r>
+          </a:p>
+          <a:p>
+            <a:pPr marL="914400" lvl="2" indent="0">
+              <a:buNone/>
+            </a:pPr>
+            <a:endParaRPr lang="en-US" altLang="zh-CN" dirty="0"/>
+          </a:p>
+          <a:p>
+            <a:pPr marL="914400" lvl="2" indent="0">
+              <a:buNone/>
+            </a:pPr>
+            <a:r>
+              <a:rPr lang="en-US" altLang="zh-CN" dirty="0"/>
+              <a:t>echo  $x</a:t>
+            </a:r>
+          </a:p>
+          <a:p>
+            <a:pPr marL="914400" lvl="2" indent="0">
+              <a:buNone/>
+            </a:pPr>
+            <a:endParaRPr lang="en-US" altLang="zh-CN" dirty="0"/>
+          </a:p>
+          <a:p>
+            <a:pPr marL="914400" lvl="2" indent="0">
+              <a:buNone/>
+            </a:pPr>
+            <a:r>
+              <a:rPr lang="zh-CN" altLang="en-US" dirty="0"/>
+              <a:t>如果</a:t>
+            </a:r>
+            <a:r>
+              <a:rPr lang="en-US" altLang="zh-CN" dirty="0"/>
+              <a:t>b=12a</a:t>
+            </a:r>
+            <a:r>
+              <a:rPr lang="zh-CN" altLang="en-US" dirty="0"/>
+              <a:t>，此时会报错，但是如果以字母开头的文本，比如</a:t>
+            </a:r>
+            <a:r>
+              <a:rPr lang="en-US" altLang="zh-CN" dirty="0"/>
+              <a:t>b=a12</a:t>
+            </a:r>
+            <a:r>
+              <a:rPr lang="zh-CN" altLang="en-US" dirty="0"/>
+              <a:t>，则</a:t>
+            </a:r>
+            <a:r>
+              <a:rPr lang="en-US" altLang="zh-CN" dirty="0"/>
+              <a:t>x=$(($a+$b))</a:t>
+            </a:r>
+            <a:r>
+              <a:rPr lang="zh-CN" altLang="en-US" dirty="0"/>
+              <a:t>则直接就计算为</a:t>
+            </a:r>
+            <a:r>
+              <a:rPr lang="en-US" altLang="zh-CN" dirty="0"/>
               <a:t>a</a:t>
             </a:r>
             <a:r>
-              <a:rPr lang="zh-CN" altLang="en-US" sz="2000" dirty="0"/>
-              <a:t>的值就是</a:t>
-            </a:r>
-            <a:r>
-              <a:rPr lang="en-US" altLang="zh-CN" sz="2000" dirty="0"/>
-              <a:t>13</a:t>
-            </a:r>
-          </a:p>
-          <a:p>
-            <a:pPr>
-              <a:lnSpc>
-                <a:spcPct val="120000"/>
-              </a:lnSpc>
-            </a:pPr>
-            <a:endParaRPr lang="en-US" altLang="zh-CN" sz="2000" dirty="0"/>
-          </a:p>
-          <a:p>
-            <a:pPr>
-              <a:lnSpc>
-                <a:spcPct val="120000"/>
-              </a:lnSpc>
-            </a:pPr>
-            <a:r>
-              <a:rPr lang="en-US" altLang="zh-CN" sz="2000" dirty="0" err="1"/>
-              <a:t>readonly</a:t>
-            </a:r>
-            <a:r>
-              <a:rPr lang="zh-CN" altLang="en-US" sz="2000" dirty="0"/>
-              <a:t>把变量设置为只读：</a:t>
-            </a:r>
-            <a:r>
-              <a:rPr lang="en-US" altLang="zh-CN" sz="2000" dirty="0" err="1"/>
-              <a:t>readonly</a:t>
-            </a:r>
-            <a:r>
-              <a:rPr lang="en-US" altLang="zh-CN" sz="2000" dirty="0"/>
-              <a:t>  a</a:t>
-            </a:r>
-          </a:p>
-          <a:p>
-            <a:pPr>
-              <a:lnSpc>
-                <a:spcPct val="120000"/>
-              </a:lnSpc>
-            </a:pPr>
-            <a:endParaRPr lang="en-US" altLang="zh-CN" sz="2000" dirty="0"/>
-          </a:p>
-          <a:p>
-            <a:pPr>
-              <a:lnSpc>
-                <a:spcPct val="120000"/>
-              </a:lnSpc>
-            </a:pPr>
-            <a:r>
-              <a:rPr lang="zh-CN" altLang="en-US" sz="2000" dirty="0"/>
-              <a:t>但是设置之后，只读变量就无法更改和清除。除非重置</a:t>
-            </a:r>
-            <a:r>
-              <a:rPr lang="en-US" altLang="zh-CN" sz="2000" dirty="0"/>
-              <a:t>shell</a:t>
-            </a:r>
-            <a:r>
-              <a:rPr lang="zh-CN" altLang="en-US" sz="2000" dirty="0"/>
-              <a:t>环境。</a:t>
-            </a:r>
-            <a:endParaRPr lang="en-US" altLang="zh-CN" sz="2000" dirty="0"/>
+              <a:rPr lang="zh-CN" altLang="en-US" dirty="0"/>
+              <a:t>的数值，</a:t>
+            </a:r>
+            <a:r>
+              <a:rPr lang="en-US" altLang="zh-CN" dirty="0"/>
+              <a:t>b</a:t>
+            </a:r>
+            <a:r>
+              <a:rPr lang="zh-CN" altLang="en-US" dirty="0"/>
+              <a:t>转成数字为</a:t>
+            </a:r>
+            <a:r>
+              <a:rPr lang="en-US" altLang="zh-CN" dirty="0"/>
+              <a:t>0</a:t>
+            </a:r>
+            <a:r>
+              <a:rPr lang="zh-CN" altLang="en-US" dirty="0"/>
+              <a:t>。</a:t>
+            </a:r>
+            <a:endParaRPr lang="en-US" altLang="zh-CN" dirty="0"/>
           </a:p>
           <a:p>
             <a:pPr marL="0" indent="0">
-              <a:lnSpc>
-                <a:spcPct val="120000"/>
-              </a:lnSpc>
               <a:buNone/>
             </a:pPr>
             <a:endParaRPr lang="en-US" altLang="zh-CN" sz="2000" dirty="0"/>
@@ -9486,7 +9449,7 @@
     </p:spTree>
     <p:extLst>
       <p:ext uri="{BB962C8B-B14F-4D97-AF65-F5344CB8AC3E}">
-        <p14:creationId xmlns:p14="http://schemas.microsoft.com/office/powerpoint/2010/main" val="510605507"/>
+        <p14:creationId xmlns:p14="http://schemas.microsoft.com/office/powerpoint/2010/main" val="3129173604"/>
       </p:ext>
     </p:extLst>
   </p:cSld>
@@ -9518,7 +9481,7 @@
           <p:cNvPr id="2" name="标题 1">
             <a:extLst>
               <a:ext uri="{FF2B5EF4-FFF2-40B4-BE49-F238E27FC236}">
-                <a16:creationId xmlns:a16="http://schemas.microsoft.com/office/drawing/2014/main" id="{8B88BACC-24DE-4087-9AB3-A099CF573089}"/>
+                <a16:creationId xmlns:a16="http://schemas.microsoft.com/office/drawing/2014/main" id="{5C87EE67-1862-47A3-8368-16DC248FDC44}"/>
               </a:ext>
             </a:extLst>
           </p:cNvPr>
@@ -9536,7 +9499,7 @@
           <a:p>
             <a:r>
               <a:rPr lang="zh-CN" altLang="en-US" dirty="0"/>
-              <a:t>算数运算</a:t>
+              <a:t>逻辑运算</a:t>
             </a:r>
           </a:p>
         </p:txBody>
@@ -9546,7 +9509,7 @@
           <p:cNvPr id="3" name="内容占位符 2">
             <a:extLst>
               <a:ext uri="{FF2B5EF4-FFF2-40B4-BE49-F238E27FC236}">
-                <a16:creationId xmlns:a16="http://schemas.microsoft.com/office/drawing/2014/main" id="{0A1C6B17-780B-4799-8193-E52FD817AC0E}"/>
+                <a16:creationId xmlns:a16="http://schemas.microsoft.com/office/drawing/2014/main" id="{21958A92-EFCF-4BD4-840B-8945E4435A10}"/>
               </a:ext>
             </a:extLst>
           </p:cNvPr>
@@ -9559,150 +9522,186 @@
         </p:nvSpPr>
         <p:spPr/>
         <p:txBody>
-          <a:bodyPr/>
-          <a:lstStyle/>
-          <a:p>
-            <a:r>
-              <a:rPr lang="en-US" altLang="zh-CN" sz="2000" dirty="0"/>
-              <a:t>shell</a:t>
-            </a:r>
-            <a:r>
-              <a:rPr lang="zh-CN" altLang="en-US" sz="2000" dirty="0"/>
-              <a:t>支持算术运算，并且</a:t>
-            </a:r>
-            <a:r>
-              <a:rPr lang="en-US" altLang="zh-CN" sz="2000" dirty="0"/>
-              <a:t>shell</a:t>
-            </a:r>
-            <a:r>
-              <a:rPr lang="zh-CN" altLang="en-US" sz="2000" dirty="0"/>
-              <a:t>会对</a:t>
-            </a:r>
-            <a:r>
-              <a:rPr lang="en-US" altLang="zh-CN" sz="2000" dirty="0"/>
-              <a:t>$((····))</a:t>
-            </a:r>
-            <a:r>
-              <a:rPr lang="zh-CN" altLang="en-US" sz="2000" dirty="0"/>
-              <a:t>里的算数表达式进行运算。</a:t>
+          <a:bodyPr>
+            <a:normAutofit/>
+          </a:bodyPr>
+          <a:lstStyle/>
+          <a:p>
+            <a:r>
+              <a:rPr lang="zh-CN" altLang="en-US" sz="2000" dirty="0"/>
+              <a:t>逻辑运算：</a:t>
+            </a:r>
+            <a:r>
+              <a:rPr lang="en-US" altLang="zh-CN" sz="2000" dirty="0"/>
+              <a:t>&amp;&amp;</a:t>
+            </a:r>
+            <a:r>
+              <a:rPr lang="zh-CN" altLang="en-US" sz="2000" dirty="0"/>
+              <a:t>，</a:t>
+            </a:r>
+            <a:r>
+              <a:rPr lang="en-US" altLang="zh-CN" sz="2000" dirty="0"/>
+              <a:t>||</a:t>
+            </a:r>
+            <a:r>
+              <a:rPr lang="zh-CN" altLang="en-US" sz="2000" dirty="0"/>
+              <a:t>， </a:t>
+            </a:r>
+            <a:r>
+              <a:rPr lang="en-US" altLang="zh-CN" sz="2000" dirty="0"/>
+              <a:t>!</a:t>
+            </a:r>
+            <a:r>
+              <a:rPr lang="zh-CN" altLang="en-US" sz="2000" dirty="0"/>
+              <a:t>。分别是</a:t>
+            </a:r>
+            <a:r>
+              <a:rPr lang="en-US" altLang="zh-CN" sz="2000" dirty="0"/>
+              <a:t>AND</a:t>
+            </a:r>
+            <a:r>
+              <a:rPr lang="zh-CN" altLang="en-US" sz="2000" dirty="0"/>
+              <a:t>，</a:t>
+            </a:r>
+            <a:r>
+              <a:rPr lang="en-US" altLang="zh-CN" sz="2000" dirty="0"/>
+              <a:t>OR</a:t>
+            </a:r>
+            <a:r>
+              <a:rPr lang="zh-CN" altLang="en-US" sz="2000" dirty="0"/>
+              <a:t>，</a:t>
+            </a:r>
+            <a:r>
+              <a:rPr lang="en-US" altLang="zh-CN" sz="2000" dirty="0"/>
+              <a:t>NOT</a:t>
+            </a:r>
+            <a:r>
+              <a:rPr lang="zh-CN" altLang="en-US" sz="2000" dirty="0"/>
+              <a:t>。</a:t>
             </a:r>
             <a:endParaRPr lang="en-US" altLang="zh-CN" sz="2000" dirty="0"/>
           </a:p>
           <a:p>
-            <a:pPr marL="914400" lvl="2" indent="0">
+            <a:endParaRPr lang="en-US" altLang="zh-CN" sz="2000" dirty="0"/>
+          </a:p>
+          <a:p>
+            <a:r>
+              <a:rPr lang="zh-CN" altLang="en-US" sz="2000" dirty="0"/>
+              <a:t>对逻辑运算来说，任何非</a:t>
+            </a:r>
+            <a:r>
+              <a:rPr lang="en-US" altLang="zh-CN" sz="2000" dirty="0"/>
+              <a:t>0</a:t>
+            </a:r>
+            <a:r>
+              <a:rPr lang="zh-CN" altLang="en-US" sz="2000" dirty="0"/>
+              <a:t>值都是真。</a:t>
+            </a:r>
+            <a:endParaRPr lang="en-US" altLang="zh-CN" sz="2000" dirty="0"/>
+          </a:p>
+          <a:p>
+            <a:endParaRPr lang="en-US" altLang="zh-CN" sz="2000" dirty="0"/>
+          </a:p>
+          <a:p>
+            <a:r>
+              <a:rPr lang="zh-CN" altLang="en-US" sz="2000" dirty="0"/>
+              <a:t>示例：</a:t>
+            </a:r>
+            <a:r>
+              <a:rPr lang="en-US" altLang="zh-CN" sz="2000" dirty="0"/>
+              <a:t>echo  $((1&amp;&amp;0))  ;  echo $(( 2 || 0))</a:t>
+            </a:r>
+          </a:p>
+          <a:p>
+            <a:endParaRPr lang="en-US" altLang="zh-CN" sz="2000" dirty="0"/>
+          </a:p>
+          <a:p>
+            <a:r>
+              <a:rPr lang="zh-CN" altLang="en-US" sz="2000" dirty="0"/>
+              <a:t>非数字格式逻辑运算：</a:t>
+            </a:r>
+            <a:endParaRPr lang="en-US" altLang="zh-CN" sz="2000" dirty="0"/>
+          </a:p>
+          <a:p>
+            <a:pPr marL="457200" lvl="1" indent="0">
               <a:buNone/>
             </a:pPr>
             <a:r>
-              <a:rPr lang="en-US" altLang="zh-CN" dirty="0"/>
-              <a:t>a=12;b=14</a:t>
-            </a:r>
-          </a:p>
-          <a:p>
-            <a:pPr marL="914400" lvl="2" indent="0">
+              <a:rPr lang="en-US" altLang="zh-CN" sz="1800" dirty="0"/>
+              <a:t>b=</a:t>
+            </a:r>
+            <a:r>
+              <a:rPr lang="en-US" altLang="zh-CN" sz="1800" dirty="0" err="1"/>
+              <a:t>abc</a:t>
+            </a:r>
+            <a:endParaRPr lang="en-US" altLang="zh-CN" sz="1800" dirty="0"/>
+          </a:p>
+          <a:p>
+            <a:pPr marL="457200" lvl="1" indent="0">
               <a:buNone/>
             </a:pPr>
-            <a:endParaRPr lang="en-US" altLang="zh-CN" dirty="0"/>
-          </a:p>
-          <a:p>
-            <a:pPr marL="914400" lvl="2" indent="0">
+            <a:r>
+              <a:rPr lang="en-US" altLang="zh-CN" sz="1800" dirty="0"/>
+              <a:t>echo  $(( 1 &amp;&amp; $b ))  //</a:t>
+            </a:r>
+            <a:r>
+              <a:rPr lang="zh-CN" altLang="en-US" sz="1800" dirty="0"/>
+              <a:t>输出是</a:t>
+            </a:r>
+            <a:r>
+              <a:rPr lang="en-US" altLang="zh-CN" sz="1800" dirty="0"/>
+              <a:t>0</a:t>
+            </a:r>
+          </a:p>
+          <a:p>
+            <a:pPr marL="457200" lvl="1" indent="0">
               <a:buNone/>
             </a:pPr>
             <a:r>
-              <a:rPr lang="en-US" altLang="zh-CN" dirty="0"/>
-              <a:t>x=$(($a+$b))</a:t>
-            </a:r>
-          </a:p>
-          <a:p>
-            <a:pPr marL="914400" lvl="2" indent="0">
+              <a:rPr lang="en-US" altLang="zh-CN" sz="1800" dirty="0"/>
+              <a:t>/</a:t>
+            </a:r>
+            <a:r>
+              <a:rPr lang="zh-CN" altLang="en-US" sz="1800" dirty="0"/>
+              <a:t>*************</a:t>
+            </a:r>
+            <a:r>
+              <a:rPr lang="en-US" altLang="zh-CN" sz="1800" dirty="0"/>
+              <a:t>/</a:t>
+            </a:r>
+          </a:p>
+          <a:p>
+            <a:pPr marL="457200" lvl="1" indent="0">
               <a:buNone/>
             </a:pPr>
-            <a:endParaRPr lang="en-US" altLang="zh-CN" dirty="0"/>
-          </a:p>
-          <a:p>
-            <a:pPr marL="914400" lvl="2" indent="0">
+            <a:r>
+              <a:rPr lang="en-US" altLang="zh-CN" sz="1800" dirty="0"/>
+              <a:t>b=12a</a:t>
+            </a:r>
+          </a:p>
+          <a:p>
+            <a:pPr marL="457200" lvl="1" indent="0">
               <a:buNone/>
             </a:pPr>
             <a:r>
-              <a:rPr lang="en-US" altLang="zh-CN" dirty="0"/>
-              <a:t>echo  $x</a:t>
-            </a:r>
-          </a:p>
-          <a:p>
-            <a:pPr marL="914400" lvl="2" indent="0">
-              <a:buNone/>
-            </a:pPr>
-            <a:endParaRPr lang="en-US" altLang="zh-CN" dirty="0"/>
-          </a:p>
-          <a:p>
-            <a:pPr marL="914400" lvl="2" indent="0">
-              <a:buNone/>
-            </a:pPr>
-            <a:r>
-              <a:rPr lang="zh-CN" altLang="en-US" dirty="0"/>
-              <a:t>如果</a:t>
-            </a:r>
-            <a:r>
-              <a:rPr lang="en-US" altLang="zh-CN" dirty="0"/>
-              <a:t>b=12a</a:t>
-            </a:r>
-            <a:r>
-              <a:rPr lang="zh-CN" altLang="en-US" dirty="0"/>
-              <a:t>，此时会报错，但是如果以字母开头的文本，比如</a:t>
-            </a:r>
-            <a:r>
-              <a:rPr lang="en-US" altLang="zh-CN" dirty="0"/>
-              <a:t>b=a12</a:t>
-            </a:r>
-            <a:r>
-              <a:rPr lang="zh-CN" altLang="en-US" dirty="0"/>
-              <a:t>，则</a:t>
-            </a:r>
-            <a:r>
-              <a:rPr lang="en-US" altLang="zh-CN" dirty="0"/>
-              <a:t>x=$(($a+$b))</a:t>
-            </a:r>
-            <a:r>
-              <a:rPr lang="zh-CN" altLang="en-US" dirty="0"/>
-              <a:t>则直接就计算为</a:t>
-            </a:r>
-            <a:r>
-              <a:rPr lang="en-US" altLang="zh-CN" dirty="0"/>
-              <a:t>a</a:t>
-            </a:r>
-            <a:r>
-              <a:rPr lang="zh-CN" altLang="en-US" dirty="0"/>
-              <a:t>的数值，</a:t>
-            </a:r>
-            <a:r>
-              <a:rPr lang="en-US" altLang="zh-CN" dirty="0"/>
-              <a:t>b</a:t>
-            </a:r>
-            <a:r>
-              <a:rPr lang="zh-CN" altLang="en-US" dirty="0"/>
-              <a:t>转成数字为</a:t>
-            </a:r>
-            <a:r>
-              <a:rPr lang="en-US" altLang="zh-CN" dirty="0"/>
-              <a:t>0</a:t>
-            </a:r>
-            <a:r>
-              <a:rPr lang="zh-CN" altLang="en-US" dirty="0"/>
-              <a:t>。</a:t>
-            </a:r>
-            <a:endParaRPr lang="en-US" altLang="zh-CN" dirty="0"/>
-          </a:p>
-          <a:p>
-            <a:pPr marL="0" indent="0">
-              <a:buNone/>
-            </a:pPr>
-            <a:endParaRPr lang="en-US" altLang="zh-CN" sz="2000" dirty="0"/>
+              <a:rPr lang="en-US" altLang="zh-CN" sz="1800" dirty="0"/>
+              <a:t>echo $(( 1 &amp;&amp; $b)) //</a:t>
+            </a:r>
+            <a:r>
+              <a:rPr lang="zh-CN" altLang="en-US" sz="1800" dirty="0"/>
+              <a:t>提示错误</a:t>
+            </a:r>
+            <a:endParaRPr lang="en-US" altLang="zh-CN" sz="1800" dirty="0"/>
+          </a:p>
+          <a:p>
+            <a:endParaRPr lang="zh-CN" altLang="en-US" sz="2000" dirty="0"/>
           </a:p>
         </p:txBody>
       </p:sp>
     </p:spTree>
     <p:extLst>
       <p:ext uri="{BB962C8B-B14F-4D97-AF65-F5344CB8AC3E}">
-        <p14:creationId xmlns:p14="http://schemas.microsoft.com/office/powerpoint/2010/main" val="3129173604"/>
+        <p14:creationId xmlns:p14="http://schemas.microsoft.com/office/powerpoint/2010/main" val="1261303279"/>
       </p:ext>
     </p:extLst>
   </p:cSld>
@@ -9734,7 +9733,7 @@
           <p:cNvPr id="2" name="标题 1">
             <a:extLst>
               <a:ext uri="{FF2B5EF4-FFF2-40B4-BE49-F238E27FC236}">
-                <a16:creationId xmlns:a16="http://schemas.microsoft.com/office/drawing/2014/main" id="{5C87EE67-1862-47A3-8368-16DC248FDC44}"/>
+                <a16:creationId xmlns:a16="http://schemas.microsoft.com/office/drawing/2014/main" id="{0C00CA4B-9B33-4A7A-B5C8-EBEFD26C924A}"/>
               </a:ext>
             </a:extLst>
           </p:cNvPr>
@@ -9752,7 +9751,7 @@
           <a:p>
             <a:r>
               <a:rPr lang="zh-CN" altLang="en-US" dirty="0"/>
-              <a:t>逻辑运算</a:t>
+              <a:t>放进环境变量</a:t>
             </a:r>
           </a:p>
         </p:txBody>
@@ -9762,7 +9761,7 @@
           <p:cNvPr id="3" name="内容占位符 2">
             <a:extLst>
               <a:ext uri="{FF2B5EF4-FFF2-40B4-BE49-F238E27FC236}">
-                <a16:creationId xmlns:a16="http://schemas.microsoft.com/office/drawing/2014/main" id="{21958A92-EFCF-4BD4-840B-8945E4435A10}"/>
+                <a16:creationId xmlns:a16="http://schemas.microsoft.com/office/drawing/2014/main" id="{D9310E58-FE8C-494D-B407-80E802EA0D90}"/>
               </a:ext>
             </a:extLst>
           </p:cNvPr>
@@ -9775,62 +9774,20 @@
         </p:nvSpPr>
         <p:spPr/>
         <p:txBody>
-          <a:bodyPr>
-            <a:normAutofit/>
-          </a:bodyPr>
-          <a:lstStyle/>
-          <a:p>
-            <a:r>
-              <a:rPr lang="zh-CN" altLang="en-US" sz="2000" dirty="0"/>
-              <a:t>逻辑运算：</a:t>
-            </a:r>
-            <a:r>
-              <a:rPr lang="en-US" altLang="zh-CN" sz="2000" dirty="0"/>
-              <a:t>&amp;&amp;</a:t>
-            </a:r>
-            <a:r>
-              <a:rPr lang="zh-CN" altLang="en-US" sz="2000" dirty="0"/>
-              <a:t>，</a:t>
-            </a:r>
-            <a:r>
-              <a:rPr lang="en-US" altLang="zh-CN" sz="2000" dirty="0"/>
-              <a:t>||</a:t>
-            </a:r>
-            <a:r>
-              <a:rPr lang="zh-CN" altLang="en-US" sz="2000" dirty="0"/>
-              <a:t>， </a:t>
-            </a:r>
-            <a:r>
-              <a:rPr lang="en-US" altLang="zh-CN" sz="2000" dirty="0"/>
-              <a:t>!</a:t>
-            </a:r>
-            <a:r>
-              <a:rPr lang="zh-CN" altLang="en-US" sz="2000" dirty="0"/>
-              <a:t>。分别是</a:t>
-            </a:r>
-            <a:r>
-              <a:rPr lang="en-US" altLang="zh-CN" sz="2000" dirty="0"/>
-              <a:t>AND</a:t>
-            </a:r>
-            <a:r>
-              <a:rPr lang="zh-CN" altLang="en-US" sz="2000" dirty="0"/>
-              <a:t>，</a:t>
-            </a:r>
-            <a:r>
-              <a:rPr lang="en-US" altLang="zh-CN" sz="2000" dirty="0"/>
-              <a:t>OR</a:t>
-            </a:r>
-            <a:r>
-              <a:rPr lang="zh-CN" altLang="en-US" sz="2000" dirty="0"/>
-              <a:t>，</a:t>
-            </a:r>
-            <a:r>
-              <a:rPr lang="en-US" altLang="zh-CN" sz="2000" dirty="0"/>
-              <a:t>NOT</a:t>
-            </a:r>
-            <a:r>
-              <a:rPr lang="zh-CN" altLang="en-US" sz="2000" dirty="0"/>
-              <a:t>。</a:t>
+          <a:bodyPr/>
+          <a:lstStyle/>
+          <a:p>
+            <a:r>
+              <a:rPr lang="zh-CN" altLang="en-US" sz="2000" dirty="0"/>
+              <a:t>环境变量是全局存在的，在任何</a:t>
+            </a:r>
+            <a:r>
+              <a:rPr lang="en-US" altLang="zh-CN" sz="2000" dirty="0"/>
+              <a:t>shell</a:t>
+            </a:r>
+            <a:r>
+              <a:rPr lang="zh-CN" altLang="en-US" sz="2000" dirty="0"/>
+              <a:t>脚本中都可以直接使用。</a:t>
             </a:r>
             <a:endParaRPr lang="en-US" altLang="zh-CN" sz="2000" dirty="0"/>
           </a:p>
@@ -9840,52 +9797,105 @@
           <a:p>
             <a:r>
               <a:rPr lang="zh-CN" altLang="en-US" sz="2000" dirty="0"/>
-              <a:t>对逻辑运算来说，任何非</a:t>
-            </a:r>
-            <a:r>
-              <a:rPr lang="en-US" altLang="zh-CN" sz="2000" dirty="0"/>
-              <a:t>0</a:t>
-            </a:r>
-            <a:r>
-              <a:rPr lang="zh-CN" altLang="en-US" sz="2000" dirty="0"/>
-              <a:t>值都是真。</a:t>
+              <a:t>使用</a:t>
+            </a:r>
+            <a:r>
+              <a:rPr lang="en-US" altLang="zh-CN" sz="2000" dirty="0" err="1"/>
+              <a:t>env</a:t>
+            </a:r>
+            <a:r>
+              <a:rPr lang="zh-CN" altLang="en-US" sz="2000" dirty="0"/>
+              <a:t>查看环境变量。</a:t>
             </a:r>
             <a:endParaRPr lang="en-US" altLang="zh-CN" sz="2000" dirty="0"/>
           </a:p>
           <a:p>
+            <a:pPr marL="0" indent="0">
+              <a:buNone/>
+            </a:pPr>
             <a:endParaRPr lang="en-US" altLang="zh-CN" sz="2000" dirty="0"/>
           </a:p>
           <a:p>
             <a:r>
-              <a:rPr lang="zh-CN" altLang="en-US" sz="2000" dirty="0"/>
-              <a:t>示例：</a:t>
-            </a:r>
-            <a:r>
-              <a:rPr lang="en-US" altLang="zh-CN" sz="2000" dirty="0"/>
-              <a:t>echo  $((1&amp;&amp;0))  ;  echo $(( 2 || 0))</a:t>
-            </a:r>
-          </a:p>
-          <a:p>
+              <a:rPr lang="en-US" altLang="zh-CN" sz="2000" dirty="0"/>
+              <a:t>export  a</a:t>
+            </a:r>
+            <a:r>
+              <a:rPr lang="zh-CN" altLang="en-US" sz="2000" dirty="0"/>
+              <a:t>：把变量放到环境变量，环境变量是一个名称与值的简单列表。</a:t>
+            </a:r>
             <a:endParaRPr lang="en-US" altLang="zh-CN" sz="2000" dirty="0"/>
           </a:p>
           <a:p>
-            <a:r>
-              <a:rPr lang="zh-CN" altLang="en-US" sz="2000" dirty="0"/>
-              <a:t>非数字格式逻辑运算：</a:t>
-            </a:r>
+            <a:pPr marL="0" indent="0">
+              <a:buNone/>
+            </a:pPr>
             <a:endParaRPr lang="en-US" altLang="zh-CN" sz="2000" dirty="0"/>
           </a:p>
           <a:p>
+            <a:r>
+              <a:rPr lang="zh-CN" altLang="en-US" sz="2000" dirty="0"/>
+              <a:t>创建脚本</a:t>
+            </a:r>
+            <a:r>
+              <a:rPr lang="en-US" altLang="zh-CN" sz="2000" dirty="0"/>
+              <a:t>vartest.sh</a:t>
+            </a:r>
+            <a:r>
+              <a:rPr lang="zh-CN" altLang="en-US" sz="2000"/>
+              <a:t>写入以下代码，保存并设置可执行权限，查看运行结果：</a:t>
+            </a:r>
+            <a:endParaRPr lang="en-US" altLang="zh-CN" sz="2000" dirty="0"/>
+          </a:p>
+          <a:p>
             <a:pPr marL="457200" lvl="1" indent="0">
               <a:buNone/>
             </a:pPr>
             <a:r>
               <a:rPr lang="en-US" altLang="zh-CN" sz="1800" dirty="0"/>
-              <a:t>b=</a:t>
+              <a:t>a=`</a:t>
             </a:r>
             <a:r>
               <a:rPr lang="en-US" altLang="zh-CN" sz="1800" dirty="0" err="1"/>
-              <a:t>abc</a:t>
+              <a:t>env</a:t>
+            </a:r>
+            <a:r>
+              <a:rPr lang="en-US" altLang="zh-CN" sz="1800" dirty="0"/>
+              <a:t> | grep  </a:t>
+            </a:r>
+            <a:r>
+              <a:rPr lang="en-US" altLang="zh-CN" sz="1800" dirty="0" err="1"/>
+              <a:t>linux</a:t>
+            </a:r>
+            <a:r>
+              <a:rPr lang="en-US" altLang="zh-CN" sz="1800" dirty="0"/>
+              <a:t>`</a:t>
+            </a:r>
+          </a:p>
+          <a:p>
+            <a:pPr marL="457200" lvl="1" indent="0">
+              <a:buNone/>
+            </a:pPr>
+            <a:r>
+              <a:rPr lang="en-US" altLang="zh-CN" sz="1800" dirty="0" err="1"/>
+              <a:t>linux</a:t>
+            </a:r>
+            <a:r>
+              <a:rPr lang="en-US" altLang="zh-CN" sz="1800" dirty="0"/>
+              <a:t>=1</a:t>
+            </a:r>
+          </a:p>
+          <a:p>
+            <a:pPr marL="457200" lvl="1" indent="0">
+              <a:buNone/>
+            </a:pPr>
+            <a:r>
+              <a:rPr lang="en-US" altLang="zh-CN" sz="1800" dirty="0"/>
+              <a:t>export </a:t>
+            </a:r>
+            <a:r>
+              <a:rPr lang="en-US" altLang="zh-CN" sz="1800" dirty="0" err="1"/>
+              <a:t>linux</a:t>
             </a:r>
             <a:endParaRPr lang="en-US" altLang="zh-CN" sz="1800" dirty="0"/>
           </a:p>
@@ -9895,15 +9905,40 @@
             </a:pPr>
             <a:r>
               <a:rPr lang="en-US" altLang="zh-CN" sz="1800" dirty="0"/>
-              <a:t>echo  $(( 1 &amp;&amp; $b ))  //</a:t>
+              <a:t>b=`</a:t>
+            </a:r>
+            <a:r>
+              <a:rPr lang="en-US" altLang="zh-CN" sz="1800" dirty="0" err="1"/>
+              <a:t>env</a:t>
+            </a:r>
+            <a:r>
+              <a:rPr lang="en-US" altLang="zh-CN" sz="1800" dirty="0"/>
+              <a:t> | grep </a:t>
+            </a:r>
+            <a:r>
+              <a:rPr lang="en-US" altLang="zh-CN" sz="1800" dirty="0" err="1"/>
+              <a:t>linux</a:t>
+            </a:r>
+            <a:r>
+              <a:rPr lang="en-US" altLang="zh-CN" sz="1800" dirty="0"/>
+              <a:t>`</a:t>
+            </a:r>
+          </a:p>
+          <a:p>
+            <a:pPr marL="457200" lvl="1" indent="0">
+              <a:buNone/>
+            </a:pPr>
+            <a:r>
+              <a:rPr lang="en-US" altLang="zh-CN" sz="1800" dirty="0"/>
+              <a:t>echo “a :</a:t>
             </a:r>
             <a:r>
               <a:rPr lang="zh-CN" altLang="en-US" sz="1800" dirty="0"/>
-              <a:t>输出是</a:t>
+              <a:t> </a:t>
             </a:r>
             <a:r>
               <a:rPr lang="en-US" altLang="zh-CN" sz="1800" dirty="0"/>
-              <a:t>0</a:t>
+              <a:t>$a”</a:t>
             </a:r>
           </a:p>
           <a:p>
@@ -9912,49 +9947,27 @@
             </a:pPr>
             <a:r>
               <a:rPr lang="en-US" altLang="zh-CN" sz="1800" dirty="0"/>
-              <a:t>/</a:t>
-            </a:r>
-            <a:r>
-              <a:rPr lang="zh-CN" altLang="en-US" sz="1800" dirty="0"/>
-              <a:t>*************</a:t>
-            </a:r>
-            <a:r>
-              <a:rPr lang="en-US" altLang="zh-CN" sz="1800" dirty="0"/>
-              <a:t>/</a:t>
+              <a:t>echo “b : $b”</a:t>
             </a:r>
           </a:p>
           <a:p>
             <a:pPr marL="457200" lvl="1" indent="0">
               <a:buNone/>
             </a:pPr>
-            <a:r>
-              <a:rPr lang="en-US" altLang="zh-CN" sz="1800" dirty="0"/>
-              <a:t>b=12a</a:t>
-            </a:r>
+            <a:endParaRPr lang="en-US" altLang="zh-CN" sz="1800" dirty="0"/>
           </a:p>
           <a:p>
             <a:pPr marL="457200" lvl="1" indent="0">
               <a:buNone/>
             </a:pPr>
-            <a:r>
-              <a:rPr lang="en-US" altLang="zh-CN" sz="1800" dirty="0"/>
-              <a:t>echo $(( 1 &amp;&amp; $b)) //</a:t>
-            </a:r>
-            <a:r>
-              <a:rPr lang="zh-CN" altLang="en-US" sz="1800" dirty="0"/>
-              <a:t>提示错误</a:t>
-            </a:r>
             <a:endParaRPr lang="en-US" altLang="zh-CN" sz="1800" dirty="0"/>
-          </a:p>
-          <a:p>
-            <a:endParaRPr lang="zh-CN" altLang="en-US" sz="2000" dirty="0"/>
           </a:p>
         </p:txBody>
       </p:sp>
     </p:spTree>
     <p:extLst>
       <p:ext uri="{BB962C8B-B14F-4D97-AF65-F5344CB8AC3E}">
-        <p14:creationId xmlns:p14="http://schemas.microsoft.com/office/powerpoint/2010/main" val="1261303279"/>
+        <p14:creationId xmlns:p14="http://schemas.microsoft.com/office/powerpoint/2010/main" val="3936334075"/>
       </p:ext>
     </p:extLst>
   </p:cSld>
